--- a/class_notes.pptx
+++ b/class_notes.pptx
@@ -5,7 +5,7 @@
     <p:sldMasterId id="2147483648" r:id="rId1"/>
   </p:sldMasterIdLst>
   <p:notesMasterIdLst>
-    <p:notesMasterId r:id="rId33"/>
+    <p:notesMasterId r:id="rId34"/>
   </p:notesMasterIdLst>
   <p:sldIdLst>
     <p:sldId id="256" r:id="rId2"/>
@@ -39,6 +39,7 @@
     <p:sldId id="282" r:id="rId30"/>
     <p:sldId id="283" r:id="rId31"/>
     <p:sldId id="284" r:id="rId32"/>
+    <p:sldId id="290" r:id="rId33"/>
   </p:sldIdLst>
   <p:sldSz cx="12192000" cy="6858000"/>
   <p:notesSz cx="6858000" cy="9144000"/>
@@ -3468,13 +3469,8 @@
           <a:p>
             <a:r>
               <a:rPr lang="en-US" dirty="0" smtClean="0"/>
-              <a:t>From your list of tasks choose </a:t>
-            </a:r>
-            <a:r>
-              <a:rPr lang="en-US" dirty="0" smtClean="0"/>
-              <a:t>the simplest task</a:t>
-            </a:r>
-            <a:endParaRPr lang="en-US" dirty="0" smtClean="0"/>
+              <a:t>From your list of tasks choose the simplest task</a:t>
+            </a:r>
           </a:p>
           <a:p>
             <a:r>
@@ -7715,16 +7711,11 @@
               <a:rPr lang="en-US" dirty="0" smtClean="0"/>
               <a:t>Be able to justify TDD</a:t>
             </a:r>
-            <a:endParaRPr lang="en-US" dirty="0" smtClean="0"/>
-          </a:p>
-          <a:p>
-            <a:r>
-              <a:rPr lang="en-US" dirty="0" smtClean="0"/>
-              <a:t>Understand the fundamentals </a:t>
-            </a:r>
-            <a:r>
-              <a:rPr lang="en-US" dirty="0" smtClean="0"/>
-              <a:t>of TDD</a:t>
+          </a:p>
+          <a:p>
+            <a:r>
+              <a:rPr lang="en-US" dirty="0" smtClean="0"/>
+              <a:t>Understand the fundamentals of TDD</a:t>
             </a:r>
           </a:p>
           <a:p>
@@ -7743,31 +7734,17 @@
               <a:rPr lang="en-US" dirty="0" smtClean="0"/>
               <a:t>design</a:t>
             </a:r>
-            <a:endParaRPr lang="en-US" dirty="0" smtClean="0"/>
-          </a:p>
-          <a:p>
-            <a:r>
-              <a:rPr lang="en-US" dirty="0" smtClean="0"/>
-              <a:t>Learn </a:t>
-            </a:r>
-            <a:r>
-              <a:rPr lang="en-US" dirty="0" smtClean="0"/>
-              <a:t>how to build a system from the </a:t>
-            </a:r>
-            <a:r>
-              <a:rPr lang="en-US" dirty="0" smtClean="0"/>
-              <a:t>top, downwards</a:t>
-            </a:r>
-            <a:endParaRPr lang="en-US" dirty="0" smtClean="0"/>
-          </a:p>
-          <a:p>
-            <a:r>
-              <a:rPr lang="en-US" dirty="0" smtClean="0"/>
-              <a:t>Use TDD to </a:t>
-            </a:r>
-            <a:r>
-              <a:rPr lang="en-US" dirty="0" smtClean="0"/>
-              <a:t>grow the design of a system organically</a:t>
+          </a:p>
+          <a:p>
+            <a:r>
+              <a:rPr lang="en-US" dirty="0" smtClean="0"/>
+              <a:t>Learn how to build a system from the top, downwards</a:t>
+            </a:r>
+          </a:p>
+          <a:p>
+            <a:r>
+              <a:rPr lang="en-US" dirty="0" smtClean="0"/>
+              <a:t>Use TDD to grow the design of a system organically</a:t>
             </a:r>
           </a:p>
           <a:p>
@@ -12833,15 +12810,7 @@
           <a:p>
             <a:r>
               <a:rPr lang="en-US" dirty="0" smtClean="0"/>
-              <a:t>Avoid scope creep – </a:t>
-            </a:r>
-            <a:r>
-              <a:rPr lang="en-US" dirty="0" smtClean="0"/>
-              <a:t>identify </a:t>
-            </a:r>
-            <a:r>
-              <a:rPr lang="en-US" dirty="0" smtClean="0"/>
-              <a:t>when work is complete</a:t>
+              <a:t>Avoid scope creep – identify when work is complete</a:t>
             </a:r>
           </a:p>
           <a:p>
@@ -13787,6 +13756,78 @@
 </p:sld>
 </file>
 
+<file path=ppt/slides/slide32.xml><?xml version="1.0" encoding="utf-8"?>
+<p:sld xmlns:a="http://schemas.openxmlformats.org/drawingml/2006/main" xmlns:r="http://schemas.openxmlformats.org/officeDocument/2006/relationships" xmlns:p="http://schemas.openxmlformats.org/presentationml/2006/main">
+  <p:cSld>
+    <p:spTree>
+      <p:nvGrpSpPr>
+        <p:cNvPr id="1" name=""/>
+        <p:cNvGrpSpPr/>
+        <p:nvPr/>
+      </p:nvGrpSpPr>
+      <p:grpSpPr>
+        <a:xfrm>
+          <a:off x="0" y="0"/>
+          <a:ext cx="0" cy="0"/>
+          <a:chOff x="0" y="0"/>
+          <a:chExt cx="0" cy="0"/>
+        </a:xfrm>
+      </p:grpSpPr>
+      <p:sp>
+        <p:nvSpPr>
+          <p:cNvPr id="2" name="Title 1"/>
+          <p:cNvSpPr>
+            <a:spLocks noGrp="1"/>
+          </p:cNvSpPr>
+          <p:nvPr>
+            <p:ph type="title"/>
+          </p:nvPr>
+        </p:nvSpPr>
+        <p:spPr/>
+        <p:txBody>
+          <a:bodyPr/>
+          <a:lstStyle/>
+          <a:p>
+            <a:r>
+              <a:rPr lang="en-US" smtClean="0"/>
+              <a:t>Object Mother</a:t>
+            </a:r>
+            <a:endParaRPr lang="en-US"/>
+          </a:p>
+        </p:txBody>
+      </p:sp>
+      <p:sp>
+        <p:nvSpPr>
+          <p:cNvPr id="3" name="Content Placeholder 2"/>
+          <p:cNvSpPr>
+            <a:spLocks noGrp="1"/>
+          </p:cNvSpPr>
+          <p:nvPr>
+            <p:ph idx="1"/>
+          </p:nvPr>
+        </p:nvSpPr>
+        <p:spPr/>
+        <p:txBody>
+          <a:bodyPr/>
+          <a:lstStyle/>
+          <a:p>
+            <a:endParaRPr lang="en-US"/>
+          </a:p>
+        </p:txBody>
+      </p:sp>
+    </p:spTree>
+    <p:extLst>
+      <p:ext uri="{BB962C8B-B14F-4D97-AF65-F5344CB8AC3E}">
+        <p14:creationId xmlns:p14="http://schemas.microsoft.com/office/powerpoint/2010/main" val="118070598"/>
+      </p:ext>
+    </p:extLst>
+  </p:cSld>
+  <p:clrMapOvr>
+    <a:masterClrMapping/>
+  </p:clrMapOvr>
+</p:sld>
+</file>
+
 <file path=ppt/slides/slide4.xml><?xml version="1.0" encoding="utf-8"?>
 <p:sld xmlns:a="http://schemas.openxmlformats.org/drawingml/2006/main" xmlns:r="http://schemas.openxmlformats.org/officeDocument/2006/relationships" xmlns:p="http://schemas.openxmlformats.org/presentationml/2006/main">
   <p:cSld>
@@ -13863,11 +13904,7 @@
             <a:pPr lvl="1"/>
             <a:r>
               <a:rPr lang="en-US" dirty="0" smtClean="0"/>
-              <a:t>Low </a:t>
-            </a:r>
-            <a:r>
-              <a:rPr lang="en-US" dirty="0" smtClean="0"/>
-              <a:t>coupling</a:t>
+              <a:t>Low coupling</a:t>
             </a:r>
           </a:p>
           <a:p>
@@ -13883,7 +13920,6 @@
               <a:rPr lang="en-US" dirty="0" smtClean="0"/>
               <a:t>A change in one area often triggers undesired changes in a different area</a:t>
             </a:r>
-            <a:endParaRPr lang="en-US" dirty="0" smtClean="0"/>
           </a:p>
           <a:p>
             <a:pPr lvl="1"/>
@@ -13912,7 +13948,6 @@
               <a:rPr lang="en-US" dirty="0" smtClean="0"/>
               <a:t>Reduces error because it aids in readability </a:t>
             </a:r>
-            <a:endParaRPr lang="en-US" dirty="0" smtClean="0"/>
           </a:p>
         </p:txBody>
       </p:sp>

--- a/class_notes.pptx
+++ b/class_notes.pptx
@@ -5,41 +5,42 @@
     <p:sldMasterId id="2147483648" r:id="rId1"/>
   </p:sldMasterIdLst>
   <p:notesMasterIdLst>
-    <p:notesMasterId r:id="rId34"/>
+    <p:notesMasterId r:id="rId35"/>
   </p:notesMasterIdLst>
   <p:sldIdLst>
     <p:sldId id="256" r:id="rId2"/>
     <p:sldId id="285" r:id="rId3"/>
-    <p:sldId id="265" r:id="rId4"/>
-    <p:sldId id="266" r:id="rId5"/>
-    <p:sldId id="286" r:id="rId6"/>
-    <p:sldId id="288" r:id="rId7"/>
-    <p:sldId id="289" r:id="rId8"/>
-    <p:sldId id="257" r:id="rId9"/>
-    <p:sldId id="264" r:id="rId10"/>
-    <p:sldId id="258" r:id="rId11"/>
-    <p:sldId id="259" r:id="rId12"/>
-    <p:sldId id="260" r:id="rId13"/>
-    <p:sldId id="261" r:id="rId14"/>
-    <p:sldId id="268" r:id="rId15"/>
-    <p:sldId id="267" r:id="rId16"/>
-    <p:sldId id="269" r:id="rId17"/>
-    <p:sldId id="270" r:id="rId18"/>
-    <p:sldId id="271" r:id="rId19"/>
-    <p:sldId id="272" r:id="rId20"/>
-    <p:sldId id="273" r:id="rId21"/>
-    <p:sldId id="274" r:id="rId22"/>
-    <p:sldId id="275" r:id="rId23"/>
-    <p:sldId id="276" r:id="rId24"/>
-    <p:sldId id="277" r:id="rId25"/>
-    <p:sldId id="278" r:id="rId26"/>
-    <p:sldId id="279" r:id="rId27"/>
-    <p:sldId id="280" r:id="rId28"/>
-    <p:sldId id="281" r:id="rId29"/>
-    <p:sldId id="282" r:id="rId30"/>
-    <p:sldId id="283" r:id="rId31"/>
-    <p:sldId id="284" r:id="rId32"/>
-    <p:sldId id="290" r:id="rId33"/>
+    <p:sldId id="291" r:id="rId4"/>
+    <p:sldId id="265" r:id="rId5"/>
+    <p:sldId id="266" r:id="rId6"/>
+    <p:sldId id="286" r:id="rId7"/>
+    <p:sldId id="288" r:id="rId8"/>
+    <p:sldId id="289" r:id="rId9"/>
+    <p:sldId id="257" r:id="rId10"/>
+    <p:sldId id="264" r:id="rId11"/>
+    <p:sldId id="258" r:id="rId12"/>
+    <p:sldId id="259" r:id="rId13"/>
+    <p:sldId id="260" r:id="rId14"/>
+    <p:sldId id="261" r:id="rId15"/>
+    <p:sldId id="268" r:id="rId16"/>
+    <p:sldId id="267" r:id="rId17"/>
+    <p:sldId id="269" r:id="rId18"/>
+    <p:sldId id="270" r:id="rId19"/>
+    <p:sldId id="271" r:id="rId20"/>
+    <p:sldId id="272" r:id="rId21"/>
+    <p:sldId id="273" r:id="rId22"/>
+    <p:sldId id="274" r:id="rId23"/>
+    <p:sldId id="275" r:id="rId24"/>
+    <p:sldId id="276" r:id="rId25"/>
+    <p:sldId id="277" r:id="rId26"/>
+    <p:sldId id="278" r:id="rId27"/>
+    <p:sldId id="279" r:id="rId28"/>
+    <p:sldId id="280" r:id="rId29"/>
+    <p:sldId id="281" r:id="rId30"/>
+    <p:sldId id="282" r:id="rId31"/>
+    <p:sldId id="283" r:id="rId32"/>
+    <p:sldId id="284" r:id="rId33"/>
+    <p:sldId id="290" r:id="rId34"/>
   </p:sldIdLst>
   <p:sldSz cx="12192000" cy="6858000"/>
   <p:notesSz cx="6858000" cy="9144000"/>
@@ -228,7 +229,7 @@
           <a:p>
             <a:fld id="{7747C2EB-1C02-BB41-B2A0-F35794E62498}" type="datetimeFigureOut">
               <a:rPr lang="en-US" smtClean="0"/>
-              <a:t>7/6/16</a:t>
+              <a:t>9/2/16</a:t>
             </a:fld>
             <a:endParaRPr lang="en-US"/>
           </a:p>
@@ -627,7 +628,7 @@
           <a:p>
             <a:fld id="{0D50D4C8-D66A-4A43-95BB-6CDF8ACF7EFD}" type="datetimeFigureOut">
               <a:rPr lang="en-US" smtClean="0"/>
-              <a:t>7/6/16</a:t>
+              <a:t>9/2/16</a:t>
             </a:fld>
             <a:endParaRPr lang="en-US"/>
           </a:p>
@@ -797,7 +798,7 @@
           <a:p>
             <a:fld id="{0D50D4C8-D66A-4A43-95BB-6CDF8ACF7EFD}" type="datetimeFigureOut">
               <a:rPr lang="en-US" smtClean="0"/>
-              <a:t>7/6/16</a:t>
+              <a:t>9/2/16</a:t>
             </a:fld>
             <a:endParaRPr lang="en-US"/>
           </a:p>
@@ -977,7 +978,7 @@
           <a:p>
             <a:fld id="{0D50D4C8-D66A-4A43-95BB-6CDF8ACF7EFD}" type="datetimeFigureOut">
               <a:rPr lang="en-US" smtClean="0"/>
-              <a:t>7/6/16</a:t>
+              <a:t>9/2/16</a:t>
             </a:fld>
             <a:endParaRPr lang="en-US"/>
           </a:p>
@@ -1147,7 +1148,7 @@
           <a:p>
             <a:fld id="{0D50D4C8-D66A-4A43-95BB-6CDF8ACF7EFD}" type="datetimeFigureOut">
               <a:rPr lang="en-US" smtClean="0"/>
-              <a:t>7/6/16</a:t>
+              <a:t>9/2/16</a:t>
             </a:fld>
             <a:endParaRPr lang="en-US"/>
           </a:p>
@@ -1393,7 +1394,7 @@
           <a:p>
             <a:fld id="{0D50D4C8-D66A-4A43-95BB-6CDF8ACF7EFD}" type="datetimeFigureOut">
               <a:rPr lang="en-US" smtClean="0"/>
-              <a:t>7/6/16</a:t>
+              <a:t>9/2/16</a:t>
             </a:fld>
             <a:endParaRPr lang="en-US"/>
           </a:p>
@@ -1625,7 +1626,7 @@
           <a:p>
             <a:fld id="{0D50D4C8-D66A-4A43-95BB-6CDF8ACF7EFD}" type="datetimeFigureOut">
               <a:rPr lang="en-US" smtClean="0"/>
-              <a:t>7/6/16</a:t>
+              <a:t>9/2/16</a:t>
             </a:fld>
             <a:endParaRPr lang="en-US"/>
           </a:p>
@@ -1992,7 +1993,7 @@
           <a:p>
             <a:fld id="{0D50D4C8-D66A-4A43-95BB-6CDF8ACF7EFD}" type="datetimeFigureOut">
               <a:rPr lang="en-US" smtClean="0"/>
-              <a:t>7/6/16</a:t>
+              <a:t>9/2/16</a:t>
             </a:fld>
             <a:endParaRPr lang="en-US"/>
           </a:p>
@@ -2110,7 +2111,7 @@
           <a:p>
             <a:fld id="{0D50D4C8-D66A-4A43-95BB-6CDF8ACF7EFD}" type="datetimeFigureOut">
               <a:rPr lang="en-US" smtClean="0"/>
-              <a:t>7/6/16</a:t>
+              <a:t>9/2/16</a:t>
             </a:fld>
             <a:endParaRPr lang="en-US"/>
           </a:p>
@@ -2205,7 +2206,7 @@
           <a:p>
             <a:fld id="{0D50D4C8-D66A-4A43-95BB-6CDF8ACF7EFD}" type="datetimeFigureOut">
               <a:rPr lang="en-US" smtClean="0"/>
-              <a:t>7/6/16</a:t>
+              <a:t>9/2/16</a:t>
             </a:fld>
             <a:endParaRPr lang="en-US"/>
           </a:p>
@@ -2482,7 +2483,7 @@
           <a:p>
             <a:fld id="{0D50D4C8-D66A-4A43-95BB-6CDF8ACF7EFD}" type="datetimeFigureOut">
               <a:rPr lang="en-US" smtClean="0"/>
-              <a:t>7/6/16</a:t>
+              <a:t>9/2/16</a:t>
             </a:fld>
             <a:endParaRPr lang="en-US"/>
           </a:p>
@@ -2735,7 +2736,7 @@
           <a:p>
             <a:fld id="{0D50D4C8-D66A-4A43-95BB-6CDF8ACF7EFD}" type="datetimeFigureOut">
               <a:rPr lang="en-US" smtClean="0"/>
-              <a:t>7/6/16</a:t>
+              <a:t>9/2/16</a:t>
             </a:fld>
             <a:endParaRPr lang="en-US"/>
           </a:p>
@@ -2948,7 +2949,7 @@
           <a:p>
             <a:fld id="{0D50D4C8-D66A-4A43-95BB-6CDF8ACF7EFD}" type="datetimeFigureOut">
               <a:rPr lang="en-US" smtClean="0"/>
-              <a:t>7/6/16</a:t>
+              <a:t>9/2/16</a:t>
             </a:fld>
             <a:endParaRPr lang="en-US"/>
           </a:p>
@@ -3407,6 +3408,13 @@
   <p:clrMapOvr>
     <a:masterClrMapping/>
   </p:clrMapOvr>
+  <p:timing>
+    <p:tnLst>
+      <p:par>
+        <p:cTn id="1" dur="indefinite" restart="never" nodeType="tmRoot"/>
+      </p:par>
+    </p:tnLst>
+  </p:timing>
 </p:sld>
 </file>
 
@@ -3444,7 +3452,7 @@
           <a:p>
             <a:r>
               <a:rPr lang="en-US" dirty="0" smtClean="0"/>
-              <a:t>Add a test</a:t>
+              <a:t>Test Driven Development Cycle</a:t>
             </a:r>
             <a:endParaRPr lang="en-US" dirty="0"/>
           </a:p>
@@ -3452,123 +3460,19 @@
       </p:sp>
       <p:sp>
         <p:nvSpPr>
-          <p:cNvPr id="3" name="Content Placeholder 2"/>
-          <p:cNvSpPr>
-            <a:spLocks noGrp="1"/>
-          </p:cNvSpPr>
-          <p:nvPr>
-            <p:ph idx="1"/>
-          </p:nvPr>
-        </p:nvSpPr>
-        <p:spPr/>
-        <p:txBody>
-          <a:bodyPr>
-            <a:normAutofit fontScale="92500" lnSpcReduction="20000"/>
-          </a:bodyPr>
-          <a:lstStyle/>
-          <a:p>
-            <a:r>
-              <a:rPr lang="en-US" dirty="0" smtClean="0"/>
-              <a:t>From your list of tasks choose the simplest task</a:t>
-            </a:r>
-          </a:p>
-          <a:p>
-            <a:r>
-              <a:rPr lang="en-US" dirty="0" smtClean="0"/>
-              <a:t>Write the simplest, tiniest, test possible</a:t>
-            </a:r>
-          </a:p>
-          <a:p>
-            <a:r>
-              <a:rPr lang="en-US" dirty="0" smtClean="0"/>
-              <a:t>Test naming</a:t>
-            </a:r>
-          </a:p>
-          <a:p>
-            <a:pPr lvl="1"/>
-            <a:r>
-              <a:rPr lang="en-US" dirty="0" smtClean="0"/>
-              <a:t>Name tests from perspective of business functionality</a:t>
-            </a:r>
-          </a:p>
-          <a:p>
-            <a:pPr lvl="1"/>
-            <a:r>
-              <a:rPr lang="en-US" dirty="0" smtClean="0"/>
-              <a:t>Avoid restating in words the body of the test</a:t>
-            </a:r>
-          </a:p>
-          <a:p>
-            <a:pPr lvl="1"/>
-            <a:r>
-              <a:rPr lang="en-US" dirty="0" smtClean="0"/>
-              <a:t>Prefer: “Require An Umbrella When There Is Rain” instead of:</a:t>
-            </a:r>
-            <a:br>
-              <a:rPr lang="en-US" dirty="0" smtClean="0"/>
-            </a:br>
-            <a:r>
-              <a:rPr lang="en-US" dirty="0" smtClean="0"/>
-              <a:t>	“Return True When Rain Is”</a:t>
-            </a:r>
-          </a:p>
-          <a:p>
-            <a:pPr lvl="1"/>
-            <a:endParaRPr lang="en-US" dirty="0"/>
-          </a:p>
-          <a:p>
-            <a:pPr lvl="1"/>
-            <a:r>
-              <a:rPr lang="en-US" dirty="0" smtClean="0"/>
-              <a:t>Make a note that test names should be refactored too</a:t>
-            </a:r>
-          </a:p>
-          <a:p>
-            <a:pPr lvl="1"/>
-            <a:endParaRPr lang="en-US" dirty="0" smtClean="0"/>
-          </a:p>
-          <a:p>
-            <a:r>
-              <a:rPr lang="en-US" dirty="0" smtClean="0"/>
-              <a:t>Prior to running the test, make the code runnable:</a:t>
-            </a:r>
-          </a:p>
-          <a:p>
-            <a:pPr lvl="1"/>
-            <a:r>
-              <a:rPr lang="en-US" dirty="0" smtClean="0"/>
-              <a:t>Static languages: ensure the tests compile</a:t>
-            </a:r>
-          </a:p>
-          <a:p>
-            <a:pPr lvl="1"/>
-            <a:r>
-              <a:rPr lang="en-US" dirty="0" smtClean="0"/>
-              <a:t>Dynamic languages: you can likely just run the test</a:t>
-            </a:r>
-          </a:p>
-        </p:txBody>
-      </p:sp>
-      <p:sp>
-        <p:nvSpPr>
-          <p:cNvPr id="28" name="TextBox 27"/>
+          <p:cNvPr id="45" name="TextBox 44"/>
           <p:cNvSpPr txBox="1"/>
           <p:nvPr/>
         </p:nvSpPr>
         <p:spPr>
           <a:xfrm>
-            <a:off x="10717781" y="91414"/>
+            <a:off x="4832797" y="2161482"/>
             <a:ext cx="1131977" cy="369332"/>
           </a:xfrm>
           <a:prstGeom prst="rect">
             <a:avLst/>
           </a:prstGeom>
-          <a:solidFill>
-            <a:schemeClr val="accent4">
-              <a:lumMod val="20000"/>
-              <a:lumOff val="80000"/>
-            </a:schemeClr>
-          </a:solidFill>
+          <a:noFill/>
           <a:ln>
             <a:solidFill>
               <a:schemeClr val="accent1"/>
@@ -3591,13 +3495,13 @@
       </p:sp>
       <p:sp>
         <p:nvSpPr>
-          <p:cNvPr id="29" name="TextBox 28"/>
+          <p:cNvPr id="46" name="TextBox 45"/>
           <p:cNvSpPr txBox="1"/>
           <p:nvPr/>
         </p:nvSpPr>
         <p:spPr>
           <a:xfrm>
-            <a:off x="11012249" y="799272"/>
+            <a:off x="5127265" y="2869340"/>
             <a:ext cx="543034" cy="369332"/>
           </a:xfrm>
           <a:prstGeom prst="rect">
@@ -3627,13 +3531,13 @@
       </p:sp>
       <p:sp>
         <p:nvSpPr>
-          <p:cNvPr id="30" name="TextBox 29"/>
+          <p:cNvPr id="47" name="TextBox 46"/>
           <p:cNvSpPr txBox="1"/>
           <p:nvPr/>
         </p:nvSpPr>
         <p:spPr>
           <a:xfrm>
-            <a:off x="10903599" y="1500699"/>
+            <a:off x="5018615" y="3570767"/>
             <a:ext cx="760337" cy="369332"/>
           </a:xfrm>
           <a:prstGeom prst="rect">
@@ -3662,13 +3566,13 @@
       </p:sp>
       <p:sp>
         <p:nvSpPr>
-          <p:cNvPr id="31" name="TextBox 30"/>
+          <p:cNvPr id="48" name="TextBox 47"/>
           <p:cNvSpPr txBox="1"/>
           <p:nvPr/>
         </p:nvSpPr>
         <p:spPr>
           <a:xfrm>
-            <a:off x="10819542" y="2224061"/>
+            <a:off x="4934558" y="4294129"/>
             <a:ext cx="928460" cy="369332"/>
           </a:xfrm>
           <a:prstGeom prst="rect">
@@ -3698,13 +3602,13 @@
       </p:sp>
       <p:cxnSp>
         <p:nvCxnSpPr>
-          <p:cNvPr id="32" name="Straight Arrow Connector 31"/>
+          <p:cNvPr id="49" name="Straight Arrow Connector 48"/>
           <p:cNvCxnSpPr/>
           <p:nvPr/>
         </p:nvCxnSpPr>
         <p:spPr>
           <a:xfrm flipH="1">
-            <a:off x="11283766" y="460746"/>
+            <a:off x="5398782" y="2530814"/>
             <a:ext cx="4" cy="338526"/>
           </a:xfrm>
           <a:prstGeom prst="straightConnector1">
@@ -3731,13 +3635,13 @@
       </p:cxnSp>
       <p:cxnSp>
         <p:nvCxnSpPr>
-          <p:cNvPr id="33" name="Straight Arrow Connector 32"/>
+          <p:cNvPr id="50" name="Straight Arrow Connector 49"/>
           <p:cNvCxnSpPr/>
           <p:nvPr/>
         </p:nvCxnSpPr>
         <p:spPr>
           <a:xfrm flipH="1">
-            <a:off x="11283760" y="1165539"/>
+            <a:off x="5398776" y="3235607"/>
             <a:ext cx="4" cy="338526"/>
           </a:xfrm>
           <a:prstGeom prst="straightConnector1">
@@ -3764,13 +3668,13 @@
       </p:cxnSp>
       <p:cxnSp>
         <p:nvCxnSpPr>
-          <p:cNvPr id="34" name="Straight Arrow Connector 33"/>
+          <p:cNvPr id="51" name="Straight Arrow Connector 50"/>
           <p:cNvCxnSpPr/>
           <p:nvPr/>
         </p:nvCxnSpPr>
         <p:spPr>
           <a:xfrm flipH="1">
-            <a:off x="11283756" y="1876673"/>
+            <a:off x="5398772" y="3946741"/>
             <a:ext cx="4" cy="338526"/>
           </a:xfrm>
           <a:prstGeom prst="straightConnector1">
@@ -3797,13 +3701,13 @@
       </p:cxnSp>
       <p:cxnSp>
         <p:nvCxnSpPr>
-          <p:cNvPr id="35" name="Straight Arrow Connector 34"/>
+          <p:cNvPr id="52" name="Straight Arrow Connector 51"/>
           <p:cNvCxnSpPr/>
           <p:nvPr/>
         </p:nvCxnSpPr>
         <p:spPr>
           <a:xfrm flipH="1">
-            <a:off x="11295480" y="2591777"/>
+            <a:off x="5410496" y="4661845"/>
             <a:ext cx="4" cy="338526"/>
           </a:xfrm>
           <a:prstGeom prst="straightConnector1">
@@ -3830,13 +3734,13 @@
       </p:cxnSp>
       <p:sp>
         <p:nvSpPr>
-          <p:cNvPr id="36" name="TextBox 35"/>
+          <p:cNvPr id="53" name="TextBox 52"/>
           <p:cNvSpPr txBox="1"/>
           <p:nvPr/>
         </p:nvSpPr>
         <p:spPr>
           <a:xfrm>
-            <a:off x="10821812" y="2920630"/>
+            <a:off x="4936828" y="4990698"/>
             <a:ext cx="970780" cy="369332"/>
           </a:xfrm>
           <a:prstGeom prst="rect">
@@ -3866,13 +3770,13 @@
       </p:sp>
       <p:cxnSp>
         <p:nvCxnSpPr>
-          <p:cNvPr id="37" name="Elbow Connector 36"/>
+          <p:cNvPr id="54" name="Elbow Connector 53"/>
           <p:cNvCxnSpPr/>
           <p:nvPr/>
         </p:nvCxnSpPr>
         <p:spPr>
           <a:xfrm flipV="1">
-            <a:off x="11792592" y="276080"/>
+            <a:off x="5907608" y="2346148"/>
             <a:ext cx="57166" cy="2829216"/>
           </a:xfrm>
           <a:prstGeom prst="bentConnector3">
@@ -3901,13 +3805,13 @@
       </p:cxnSp>
       <p:cxnSp>
         <p:nvCxnSpPr>
-          <p:cNvPr id="38" name="Elbow Connector 37"/>
+          <p:cNvPr id="55" name="Elbow Connector 54"/>
           <p:cNvCxnSpPr/>
           <p:nvPr/>
         </p:nvCxnSpPr>
         <p:spPr>
           <a:xfrm rot="10800000" flipH="1">
-            <a:off x="10821811" y="1685366"/>
+            <a:off x="4936827" y="3755434"/>
             <a:ext cx="81787" cy="1419931"/>
           </a:xfrm>
           <a:prstGeom prst="bentConnector3">
@@ -3937,13 +3841,20 @@
     </p:spTree>
     <p:extLst>
       <p:ext uri="{BB962C8B-B14F-4D97-AF65-F5344CB8AC3E}">
-        <p14:creationId xmlns:p14="http://schemas.microsoft.com/office/powerpoint/2010/main" val="1831453230"/>
+        <p14:creationId xmlns:p14="http://schemas.microsoft.com/office/powerpoint/2010/main" val="1740341565"/>
       </p:ext>
     </p:extLst>
   </p:cSld>
   <p:clrMapOvr>
     <a:masterClrMapping/>
   </p:clrMapOvr>
+  <p:timing>
+    <p:tnLst>
+      <p:par>
+        <p:cTn id="1" dur="indefinite" restart="never" nodeType="tmRoot"/>
+      </p:par>
+    </p:tnLst>
+  </p:timing>
 </p:sld>
 </file>
 
@@ -3981,7 +3892,7 @@
           <a:p>
             <a:r>
               <a:rPr lang="en-US" dirty="0" smtClean="0"/>
-              <a:t>Red</a:t>
+              <a:t>Add a test</a:t>
             </a:r>
             <a:endParaRPr lang="en-US" dirty="0"/>
           </a:p>
@@ -3999,73 +3910,105 @@
         </p:nvSpPr>
         <p:spPr/>
         <p:txBody>
-          <a:bodyPr/>
-          <a:lstStyle/>
-          <a:p>
-            <a:r>
-              <a:rPr lang="en-US" dirty="0" smtClean="0"/>
-              <a:t>Run the test, ensure it fails</a:t>
-            </a:r>
-          </a:p>
-          <a:p>
-            <a:r>
-              <a:rPr lang="en-US" dirty="0" smtClean="0"/>
-              <a:t>At this stage a failing test is good</a:t>
-            </a:r>
-          </a:p>
-          <a:p>
-            <a:r>
-              <a:rPr lang="en-US" dirty="0" smtClean="0"/>
-              <a:t>Ensures there exists a test that can be made to pass</a:t>
-            </a:r>
-          </a:p>
-        </p:txBody>
-      </p:sp>
-      <p:sp>
-        <p:nvSpPr>
-          <p:cNvPr id="35" name="TextBox 34"/>
+          <a:bodyPr>
+            <a:normAutofit fontScale="92500" lnSpcReduction="10000"/>
+          </a:bodyPr>
+          <a:lstStyle/>
+          <a:p>
+            <a:r>
+              <a:rPr lang="en-US" dirty="0" smtClean="0"/>
+              <a:t>From your list of tasks choose the simplest task</a:t>
+            </a:r>
+          </a:p>
+          <a:p>
+            <a:r>
+              <a:rPr lang="en-US" dirty="0" smtClean="0"/>
+              <a:t>Write the simplest, tiniest, test possible</a:t>
+            </a:r>
+          </a:p>
+          <a:p>
+            <a:r>
+              <a:rPr lang="en-US" dirty="0" smtClean="0"/>
+              <a:t>Test naming</a:t>
+            </a:r>
+          </a:p>
+          <a:p>
+            <a:pPr lvl="1"/>
+            <a:r>
+              <a:rPr lang="en-US" dirty="0" smtClean="0"/>
+              <a:t>Name tests from perspective of business functionality</a:t>
+            </a:r>
+          </a:p>
+          <a:p>
+            <a:pPr lvl="1"/>
+            <a:r>
+              <a:rPr lang="en-US" dirty="0" smtClean="0"/>
+              <a:t>Avoid restating in words the body of the test</a:t>
+            </a:r>
+          </a:p>
+          <a:p>
+            <a:pPr lvl="1"/>
+            <a:r>
+              <a:rPr lang="en-US" dirty="0" smtClean="0"/>
+              <a:t>Prefer: “Require An Umbrella When There Is Rain” instead of:</a:t>
+            </a:r>
+            <a:br>
+              <a:rPr lang="en-US" dirty="0" smtClean="0"/>
+            </a:br>
+            <a:r>
+              <a:rPr lang="en-US" dirty="0" smtClean="0"/>
+              <a:t>	“Return True When Rain Is</a:t>
+            </a:r>
+            <a:r>
+              <a:rPr lang="en-US" dirty="0" smtClean="0"/>
+              <a:t>”</a:t>
+            </a:r>
+            <a:endParaRPr lang="en-US" dirty="0"/>
+          </a:p>
+          <a:p>
+            <a:pPr lvl="1"/>
+            <a:r>
+              <a:rPr lang="en-US" dirty="0" smtClean="0"/>
+              <a:t>Make a note that test names should be refactored </a:t>
+            </a:r>
+            <a:r>
+              <a:rPr lang="en-US" dirty="0" smtClean="0"/>
+              <a:t>too</a:t>
+            </a:r>
+            <a:endParaRPr lang="en-US" dirty="0" smtClean="0"/>
+          </a:p>
+          <a:p>
+            <a:r>
+              <a:rPr lang="en-US" dirty="0" smtClean="0"/>
+              <a:t>Prior to running the test, make the code runnable:</a:t>
+            </a:r>
+          </a:p>
+          <a:p>
+            <a:pPr lvl="1"/>
+            <a:r>
+              <a:rPr lang="en-US" dirty="0" smtClean="0"/>
+              <a:t>Static languages: ensure the tests compile</a:t>
+            </a:r>
+          </a:p>
+          <a:p>
+            <a:pPr lvl="1"/>
+            <a:r>
+              <a:rPr lang="en-US" dirty="0" smtClean="0"/>
+              <a:t>Dynamic languages: you can likely just run the test</a:t>
+            </a:r>
+          </a:p>
+        </p:txBody>
+      </p:sp>
+      <p:sp>
+        <p:nvSpPr>
+          <p:cNvPr id="28" name="TextBox 27"/>
           <p:cNvSpPr txBox="1"/>
           <p:nvPr/>
         </p:nvSpPr>
         <p:spPr>
           <a:xfrm>
-            <a:off x="10717782" y="91414"/>
+            <a:off x="10717781" y="91414"/>
             <a:ext cx="1131977" cy="369332"/>
-          </a:xfrm>
-          <a:prstGeom prst="rect">
-            <a:avLst/>
-          </a:prstGeom>
-          <a:noFill/>
-          <a:ln>
-            <a:solidFill>
-              <a:schemeClr val="accent1"/>
-            </a:solidFill>
-          </a:ln>
-        </p:spPr>
-        <p:txBody>
-          <a:bodyPr wrap="none" rtlCol="0">
-            <a:spAutoFit/>
-          </a:bodyPr>
-          <a:lstStyle/>
-          <a:p>
-            <a:pPr algn="ctr"/>
-            <a:r>
-              <a:rPr lang="en-US" dirty="0" smtClean="0"/>
-              <a:t>Add a test</a:t>
-            </a:r>
-          </a:p>
-        </p:txBody>
-      </p:sp>
-      <p:sp>
-        <p:nvSpPr>
-          <p:cNvPr id="36" name="TextBox 35"/>
-          <p:cNvSpPr txBox="1"/>
-          <p:nvPr/>
-        </p:nvSpPr>
-        <p:spPr>
-          <a:xfrm>
-            <a:off x="11012250" y="799272"/>
-            <a:ext cx="543034" cy="369332"/>
           </a:xfrm>
           <a:prstGeom prst="rect">
             <a:avLst/>
@@ -4091,22 +4034,21 @@
             <a:pPr algn="ctr"/>
             <a:r>
               <a:rPr lang="en-US" dirty="0" smtClean="0"/>
-              <a:t>Red</a:t>
-            </a:r>
-            <a:endParaRPr lang="en-US" dirty="0"/>
-          </a:p>
-        </p:txBody>
-      </p:sp>
-      <p:sp>
-        <p:nvSpPr>
-          <p:cNvPr id="37" name="TextBox 36"/>
+              <a:t>Add a test</a:t>
+            </a:r>
+          </a:p>
+        </p:txBody>
+      </p:sp>
+      <p:sp>
+        <p:nvSpPr>
+          <p:cNvPr id="29" name="TextBox 28"/>
           <p:cNvSpPr txBox="1"/>
           <p:nvPr/>
         </p:nvSpPr>
         <p:spPr>
           <a:xfrm>
-            <a:off x="10903600" y="1500699"/>
-            <a:ext cx="760337" cy="369332"/>
+            <a:off x="11012249" y="799272"/>
+            <a:ext cx="543034" cy="369332"/>
           </a:xfrm>
           <a:prstGeom prst="rect">
             <a:avLst/>
@@ -4127,21 +4069,22 @@
             <a:pPr algn="ctr"/>
             <a:r>
               <a:rPr lang="en-US" dirty="0" smtClean="0"/>
-              <a:t>Green</a:t>
-            </a:r>
-          </a:p>
-        </p:txBody>
-      </p:sp>
-      <p:sp>
-        <p:nvSpPr>
-          <p:cNvPr id="38" name="TextBox 37"/>
+              <a:t>Red</a:t>
+            </a:r>
+            <a:endParaRPr lang="en-US" dirty="0"/>
+          </a:p>
+        </p:txBody>
+      </p:sp>
+      <p:sp>
+        <p:nvSpPr>
+          <p:cNvPr id="30" name="TextBox 29"/>
           <p:cNvSpPr txBox="1"/>
           <p:nvPr/>
         </p:nvSpPr>
         <p:spPr>
           <a:xfrm>
-            <a:off x="10819543" y="2224061"/>
-            <a:ext cx="928460" cy="369332"/>
+            <a:off x="10903599" y="1500699"/>
+            <a:ext cx="760337" cy="369332"/>
           </a:xfrm>
           <a:prstGeom prst="rect">
             <a:avLst/>
@@ -4162,6 +4105,41 @@
             <a:pPr algn="ctr"/>
             <a:r>
               <a:rPr lang="en-US" dirty="0" smtClean="0"/>
+              <a:t>Green</a:t>
+            </a:r>
+          </a:p>
+        </p:txBody>
+      </p:sp>
+      <p:sp>
+        <p:nvSpPr>
+          <p:cNvPr id="31" name="TextBox 30"/>
+          <p:cNvSpPr txBox="1"/>
+          <p:nvPr/>
+        </p:nvSpPr>
+        <p:spPr>
+          <a:xfrm>
+            <a:off x="10819542" y="2224061"/>
+            <a:ext cx="928460" cy="369332"/>
+          </a:xfrm>
+          <a:prstGeom prst="rect">
+            <a:avLst/>
+          </a:prstGeom>
+          <a:noFill/>
+          <a:ln>
+            <a:solidFill>
+              <a:schemeClr val="accent1"/>
+            </a:solidFill>
+          </a:ln>
+        </p:spPr>
+        <p:txBody>
+          <a:bodyPr wrap="none" rtlCol="0">
+            <a:spAutoFit/>
+          </a:bodyPr>
+          <a:lstStyle/>
+          <a:p>
+            <a:pPr algn="ctr"/>
+            <a:r>
+              <a:rPr lang="en-US" dirty="0" smtClean="0"/>
               <a:t>Commit</a:t>
             </a:r>
             <a:endParaRPr lang="en-US" dirty="0"/>
@@ -4170,24 +4148,19 @@
       </p:sp>
       <p:cxnSp>
         <p:nvCxnSpPr>
-          <p:cNvPr id="39" name="Straight Arrow Connector 38"/>
+          <p:cNvPr id="32" name="Straight Arrow Connector 31"/>
           <p:cNvCxnSpPr/>
           <p:nvPr/>
         </p:nvCxnSpPr>
         <p:spPr>
           <a:xfrm flipH="1">
-            <a:off x="11283767" y="460746"/>
+            <a:off x="11283766" y="460746"/>
             <a:ext cx="4" cy="338526"/>
           </a:xfrm>
           <a:prstGeom prst="straightConnector1">
             <a:avLst/>
           </a:prstGeom>
-          <a:ln w="31750">
-            <a:solidFill>
-              <a:schemeClr val="accent6">
-                <a:lumMod val="75000"/>
-              </a:schemeClr>
-            </a:solidFill>
+          <a:ln>
             <a:tailEnd type="triangle"/>
           </a:ln>
         </p:spPr>
@@ -4208,13 +4181,13 @@
       </p:cxnSp>
       <p:cxnSp>
         <p:nvCxnSpPr>
-          <p:cNvPr id="40" name="Straight Arrow Connector 39"/>
+          <p:cNvPr id="33" name="Straight Arrow Connector 32"/>
           <p:cNvCxnSpPr/>
           <p:nvPr/>
         </p:nvCxnSpPr>
         <p:spPr>
           <a:xfrm flipH="1">
-            <a:off x="11283761" y="1165539"/>
+            <a:off x="11283760" y="1165539"/>
             <a:ext cx="4" cy="338526"/>
           </a:xfrm>
           <a:prstGeom prst="straightConnector1">
@@ -4241,13 +4214,13 @@
       </p:cxnSp>
       <p:cxnSp>
         <p:nvCxnSpPr>
-          <p:cNvPr id="41" name="Straight Arrow Connector 40"/>
+          <p:cNvPr id="34" name="Straight Arrow Connector 33"/>
           <p:cNvCxnSpPr/>
           <p:nvPr/>
         </p:nvCxnSpPr>
         <p:spPr>
           <a:xfrm flipH="1">
-            <a:off x="11283757" y="1876673"/>
+            <a:off x="11283756" y="1876673"/>
             <a:ext cx="4" cy="338526"/>
           </a:xfrm>
           <a:prstGeom prst="straightConnector1">
@@ -4274,13 +4247,13 @@
       </p:cxnSp>
       <p:cxnSp>
         <p:nvCxnSpPr>
-          <p:cNvPr id="42" name="Straight Arrow Connector 41"/>
+          <p:cNvPr id="35" name="Straight Arrow Connector 34"/>
           <p:cNvCxnSpPr/>
           <p:nvPr/>
         </p:nvCxnSpPr>
         <p:spPr>
           <a:xfrm flipH="1">
-            <a:off x="11295481" y="2591777"/>
+            <a:off x="11295480" y="2591777"/>
             <a:ext cx="4" cy="338526"/>
           </a:xfrm>
           <a:prstGeom prst="straightConnector1">
@@ -4307,13 +4280,13 @@
       </p:cxnSp>
       <p:sp>
         <p:nvSpPr>
-          <p:cNvPr id="43" name="TextBox 42"/>
+          <p:cNvPr id="36" name="TextBox 35"/>
           <p:cNvSpPr txBox="1"/>
           <p:nvPr/>
         </p:nvSpPr>
         <p:spPr>
           <a:xfrm>
-            <a:off x="10821813" y="2920630"/>
+            <a:off x="10821812" y="2920630"/>
             <a:ext cx="970780" cy="369332"/>
           </a:xfrm>
           <a:prstGeom prst="rect">
@@ -4343,13 +4316,13 @@
       </p:sp>
       <p:cxnSp>
         <p:nvCxnSpPr>
-          <p:cNvPr id="44" name="Elbow Connector 43"/>
+          <p:cNvPr id="37" name="Elbow Connector 36"/>
           <p:cNvCxnSpPr/>
           <p:nvPr/>
         </p:nvCxnSpPr>
         <p:spPr>
           <a:xfrm flipV="1">
-            <a:off x="11792593" y="276080"/>
+            <a:off x="11792592" y="276080"/>
             <a:ext cx="57166" cy="2829216"/>
           </a:xfrm>
           <a:prstGeom prst="bentConnector3">
@@ -4378,13 +4351,13 @@
       </p:cxnSp>
       <p:cxnSp>
         <p:nvCxnSpPr>
-          <p:cNvPr id="45" name="Elbow Connector 44"/>
+          <p:cNvPr id="38" name="Elbow Connector 37"/>
           <p:cNvCxnSpPr/>
           <p:nvPr/>
         </p:nvCxnSpPr>
         <p:spPr>
           <a:xfrm rot="10800000" flipH="1">
-            <a:off x="10821812" y="1685366"/>
+            <a:off x="10821811" y="1685366"/>
             <a:ext cx="81787" cy="1419931"/>
           </a:xfrm>
           <a:prstGeom prst="bentConnector3">
@@ -4414,13 +4387,20 @@
     </p:spTree>
     <p:extLst>
       <p:ext uri="{BB962C8B-B14F-4D97-AF65-F5344CB8AC3E}">
-        <p14:creationId xmlns:p14="http://schemas.microsoft.com/office/powerpoint/2010/main" val="459009621"/>
+        <p14:creationId xmlns:p14="http://schemas.microsoft.com/office/powerpoint/2010/main" val="1831453230"/>
       </p:ext>
     </p:extLst>
   </p:cSld>
   <p:clrMapOvr>
     <a:masterClrMapping/>
   </p:clrMapOvr>
+  <p:timing>
+    <p:tnLst>
+      <p:par>
+        <p:cTn id="1" dur="indefinite" restart="never" nodeType="tmRoot"/>
+      </p:par>
+    </p:tnLst>
+  </p:timing>
 </p:sld>
 </file>
 
@@ -4458,7 +4438,7 @@
           <a:p>
             <a:r>
               <a:rPr lang="en-US" dirty="0" smtClean="0"/>
-              <a:t>Green</a:t>
+              <a:t>Red</a:t>
             </a:r>
             <a:endParaRPr lang="en-US" dirty="0"/>
           </a:p>
@@ -4476,48 +4456,31 @@
         </p:nvSpPr>
         <p:spPr/>
         <p:txBody>
-          <a:bodyPr>
-            <a:normAutofit/>
-          </a:bodyPr>
-          <a:lstStyle/>
-          <a:p>
-            <a:r>
-              <a:rPr lang="en-US" dirty="0" smtClean="0"/>
-              <a:t>Write the obvious implementation</a:t>
-            </a:r>
-          </a:p>
-          <a:p>
-            <a:r>
-              <a:rPr lang="en-US" dirty="0" smtClean="0"/>
-              <a:t>Add only enough code to solve problem at hand</a:t>
-            </a:r>
-          </a:p>
-          <a:p>
-            <a:r>
-              <a:rPr lang="en-US" dirty="0" smtClean="0"/>
-              <a:t>Implementation does not need to be production quality</a:t>
-            </a:r>
-            <a:endParaRPr lang="en-US" dirty="0"/>
-          </a:p>
-          <a:p>
-            <a:r>
-              <a:rPr lang="en-US" dirty="0" smtClean="0"/>
-              <a:t>If </a:t>
-            </a:r>
-            <a:r>
-              <a:rPr lang="en-US" dirty="0"/>
-              <a:t>possible, consider a hard coded </a:t>
-            </a:r>
-            <a:r>
-              <a:rPr lang="en-US" dirty="0" smtClean="0"/>
-              <a:t>value</a:t>
-            </a:r>
-          </a:p>
-        </p:txBody>
-      </p:sp>
-      <p:sp>
-        <p:nvSpPr>
-          <p:cNvPr id="4" name="TextBox 3"/>
+          <a:bodyPr/>
+          <a:lstStyle/>
+          <a:p>
+            <a:r>
+              <a:rPr lang="en-US" dirty="0" smtClean="0"/>
+              <a:t>Run the test, ensure it fails</a:t>
+            </a:r>
+          </a:p>
+          <a:p>
+            <a:r>
+              <a:rPr lang="en-US" dirty="0" smtClean="0"/>
+              <a:t>At this stage a failing test is good</a:t>
+            </a:r>
+          </a:p>
+          <a:p>
+            <a:r>
+              <a:rPr lang="en-US" dirty="0" smtClean="0"/>
+              <a:t>Ensures there exists a test that can be made to pass</a:t>
+            </a:r>
+          </a:p>
+        </p:txBody>
+      </p:sp>
+      <p:sp>
+        <p:nvSpPr>
+          <p:cNvPr id="35" name="TextBox 34"/>
           <p:cNvSpPr txBox="1"/>
           <p:nvPr/>
         </p:nvSpPr>
@@ -4552,7 +4515,7 @@
       </p:sp>
       <p:sp>
         <p:nvSpPr>
-          <p:cNvPr id="5" name="TextBox 4"/>
+          <p:cNvPr id="36" name="TextBox 35"/>
           <p:cNvSpPr txBox="1"/>
           <p:nvPr/>
         </p:nvSpPr>
@@ -4560,42 +4523,6 @@
           <a:xfrm>
             <a:off x="11012250" y="799272"/>
             <a:ext cx="543034" cy="369332"/>
-          </a:xfrm>
-          <a:prstGeom prst="rect">
-            <a:avLst/>
-          </a:prstGeom>
-          <a:noFill/>
-          <a:ln>
-            <a:solidFill>
-              <a:schemeClr val="accent1"/>
-            </a:solidFill>
-          </a:ln>
-        </p:spPr>
-        <p:txBody>
-          <a:bodyPr wrap="none" rtlCol="0">
-            <a:spAutoFit/>
-          </a:bodyPr>
-          <a:lstStyle/>
-          <a:p>
-            <a:pPr algn="ctr"/>
-            <a:r>
-              <a:rPr lang="en-US" dirty="0" smtClean="0"/>
-              <a:t>Red</a:t>
-            </a:r>
-            <a:endParaRPr lang="en-US" dirty="0"/>
-          </a:p>
-        </p:txBody>
-      </p:sp>
-      <p:sp>
-        <p:nvSpPr>
-          <p:cNvPr id="6" name="TextBox 5"/>
-          <p:cNvSpPr txBox="1"/>
-          <p:nvPr/>
-        </p:nvSpPr>
-        <p:spPr>
-          <a:xfrm>
-            <a:off x="10903600" y="1500699"/>
-            <a:ext cx="760337" cy="369332"/>
           </a:xfrm>
           <a:prstGeom prst="rect">
             <a:avLst/>
@@ -4621,6 +4548,42 @@
             <a:pPr algn="ctr"/>
             <a:r>
               <a:rPr lang="en-US" dirty="0" smtClean="0"/>
+              <a:t>Red</a:t>
+            </a:r>
+            <a:endParaRPr lang="en-US" dirty="0"/>
+          </a:p>
+        </p:txBody>
+      </p:sp>
+      <p:sp>
+        <p:nvSpPr>
+          <p:cNvPr id="37" name="TextBox 36"/>
+          <p:cNvSpPr txBox="1"/>
+          <p:nvPr/>
+        </p:nvSpPr>
+        <p:spPr>
+          <a:xfrm>
+            <a:off x="10903600" y="1500699"/>
+            <a:ext cx="760337" cy="369332"/>
+          </a:xfrm>
+          <a:prstGeom prst="rect">
+            <a:avLst/>
+          </a:prstGeom>
+          <a:noFill/>
+          <a:ln>
+            <a:solidFill>
+              <a:schemeClr val="accent1"/>
+            </a:solidFill>
+          </a:ln>
+        </p:spPr>
+        <p:txBody>
+          <a:bodyPr wrap="none" rtlCol="0">
+            <a:spAutoFit/>
+          </a:bodyPr>
+          <a:lstStyle/>
+          <a:p>
+            <a:pPr algn="ctr"/>
+            <a:r>
+              <a:rPr lang="en-US" dirty="0" smtClean="0"/>
               <a:t>Green</a:t>
             </a:r>
           </a:p>
@@ -4628,7 +4591,7 @@
       </p:sp>
       <p:sp>
         <p:nvSpPr>
-          <p:cNvPr id="7" name="TextBox 6"/>
+          <p:cNvPr id="38" name="TextBox 37"/>
           <p:cNvSpPr txBox="1"/>
           <p:nvPr/>
         </p:nvSpPr>
@@ -4664,7 +4627,7 @@
       </p:sp>
       <p:cxnSp>
         <p:nvCxnSpPr>
-          <p:cNvPr id="8" name="Straight Arrow Connector 7"/>
+          <p:cNvPr id="39" name="Straight Arrow Connector 38"/>
           <p:cNvCxnSpPr/>
           <p:nvPr/>
         </p:nvCxnSpPr>
@@ -4676,7 +4639,12 @@
           <a:prstGeom prst="straightConnector1">
             <a:avLst/>
           </a:prstGeom>
-          <a:ln>
+          <a:ln w="31750">
+            <a:solidFill>
+              <a:schemeClr val="accent6">
+                <a:lumMod val="75000"/>
+              </a:schemeClr>
+            </a:solidFill>
             <a:tailEnd type="triangle"/>
           </a:ln>
         </p:spPr>
@@ -4697,7 +4665,7 @@
       </p:cxnSp>
       <p:cxnSp>
         <p:nvCxnSpPr>
-          <p:cNvPr id="9" name="Straight Arrow Connector 8"/>
+          <p:cNvPr id="40" name="Straight Arrow Connector 39"/>
           <p:cNvCxnSpPr/>
           <p:nvPr/>
         </p:nvCxnSpPr>
@@ -4709,12 +4677,7 @@
           <a:prstGeom prst="straightConnector1">
             <a:avLst/>
           </a:prstGeom>
-          <a:ln w="31750">
-            <a:solidFill>
-              <a:schemeClr val="accent6">
-                <a:lumMod val="75000"/>
-              </a:schemeClr>
-            </a:solidFill>
+          <a:ln>
             <a:tailEnd type="triangle"/>
           </a:ln>
         </p:spPr>
@@ -4735,7 +4698,7 @@
       </p:cxnSp>
       <p:cxnSp>
         <p:nvCxnSpPr>
-          <p:cNvPr id="10" name="Straight Arrow Connector 9"/>
+          <p:cNvPr id="41" name="Straight Arrow Connector 40"/>
           <p:cNvCxnSpPr/>
           <p:nvPr/>
         </p:nvCxnSpPr>
@@ -4768,7 +4731,7 @@
       </p:cxnSp>
       <p:cxnSp>
         <p:nvCxnSpPr>
-          <p:cNvPr id="11" name="Straight Arrow Connector 10"/>
+          <p:cNvPr id="42" name="Straight Arrow Connector 41"/>
           <p:cNvCxnSpPr/>
           <p:nvPr/>
         </p:nvCxnSpPr>
@@ -4801,7 +4764,7 @@
       </p:cxnSp>
       <p:sp>
         <p:nvSpPr>
-          <p:cNvPr id="12" name="TextBox 11"/>
+          <p:cNvPr id="43" name="TextBox 42"/>
           <p:cNvSpPr txBox="1"/>
           <p:nvPr/>
         </p:nvSpPr>
@@ -4837,7 +4800,7 @@
       </p:sp>
       <p:cxnSp>
         <p:nvCxnSpPr>
-          <p:cNvPr id="13" name="Elbow Connector 12"/>
+          <p:cNvPr id="44" name="Elbow Connector 43"/>
           <p:cNvCxnSpPr/>
           <p:nvPr/>
         </p:nvCxnSpPr>
@@ -4872,7 +4835,7 @@
       </p:cxnSp>
       <p:cxnSp>
         <p:nvCxnSpPr>
-          <p:cNvPr id="14" name="Elbow Connector 13"/>
+          <p:cNvPr id="45" name="Elbow Connector 44"/>
           <p:cNvCxnSpPr/>
           <p:nvPr/>
         </p:nvCxnSpPr>
@@ -4908,13 +4871,20 @@
     </p:spTree>
     <p:extLst>
       <p:ext uri="{BB962C8B-B14F-4D97-AF65-F5344CB8AC3E}">
-        <p14:creationId xmlns:p14="http://schemas.microsoft.com/office/powerpoint/2010/main" val="1636712731"/>
+        <p14:creationId xmlns:p14="http://schemas.microsoft.com/office/powerpoint/2010/main" val="459009621"/>
       </p:ext>
     </p:extLst>
   </p:cSld>
   <p:clrMapOvr>
     <a:masterClrMapping/>
   </p:clrMapOvr>
+  <p:timing>
+    <p:tnLst>
+      <p:par>
+        <p:cTn id="1" dur="indefinite" restart="never" nodeType="tmRoot"/>
+      </p:par>
+    </p:tnLst>
+  </p:timing>
 </p:sld>
 </file>
 
@@ -4952,7 +4922,7 @@
           <a:p>
             <a:r>
               <a:rPr lang="en-US" dirty="0" smtClean="0"/>
-              <a:t>Commit</a:t>
+              <a:t>Green</a:t>
             </a:r>
             <a:endParaRPr lang="en-US" dirty="0"/>
           </a:p>
@@ -4968,47 +4938,43 @@
             <p:ph idx="1"/>
           </p:nvPr>
         </p:nvSpPr>
-        <p:spPr>
-          <a:xfrm>
-            <a:off x="838200" y="1825625"/>
-            <a:ext cx="9612882" cy="4351338"/>
-          </a:xfrm>
-        </p:spPr>
-        <p:txBody>
-          <a:bodyPr/>
-          <a:lstStyle/>
-          <a:p>
+        <p:spPr/>
+        <p:txBody>
+          <a:bodyPr>
+            <a:normAutofit/>
+          </a:bodyPr>
+          <a:lstStyle/>
+          <a:p>
+            <a:r>
+              <a:rPr lang="en-US" dirty="0" smtClean="0"/>
+              <a:t>Write the obvious implementation</a:t>
+            </a:r>
+          </a:p>
+          <a:p>
+            <a:r>
+              <a:rPr lang="en-US" dirty="0" smtClean="0"/>
+              <a:t>Add only enough code to solve problem at hand</a:t>
+            </a:r>
+          </a:p>
+          <a:p>
+            <a:r>
+              <a:rPr lang="en-US" dirty="0" smtClean="0"/>
+              <a:t>Implementation does not need to be production quality</a:t>
+            </a:r>
+            <a:endParaRPr lang="en-US" dirty="0"/>
+          </a:p>
+          <a:p>
+            <a:r>
+              <a:rPr lang="en-US" dirty="0" smtClean="0"/>
+              <a:t>If </a:t>
+            </a:r>
             <a:r>
               <a:rPr lang="en-US" dirty="0"/>
-              <a:t>Frequent, small commits reduce lost effort when new functionality does not work and code needs reverting</a:t>
-            </a:r>
-          </a:p>
-          <a:p>
-            <a:r>
-              <a:rPr lang="en-US" dirty="0" smtClean="0"/>
-              <a:t>Review the diff of all work before committing</a:t>
-            </a:r>
-          </a:p>
-          <a:p>
-            <a:r>
-              <a:rPr lang="en-US" smtClean="0"/>
-              <a:t>Commit all files, not </a:t>
-            </a:r>
-            <a:r>
-              <a:rPr lang="en-US" dirty="0" smtClean="0"/>
-              <a:t>doing so runs the risk of build/test failures</a:t>
-            </a:r>
-          </a:p>
-          <a:p>
-            <a:r>
-              <a:rPr lang="en-US" dirty="0" smtClean="0"/>
-              <a:t>Check the passing test into version control</a:t>
-            </a:r>
-          </a:p>
-          <a:p>
-            <a:r>
-              <a:rPr lang="en-US" dirty="0" smtClean="0"/>
-              <a:t>Destroy task if code is production quality – unlikely at this stage</a:t>
+              <a:t>possible, consider a hard coded </a:t>
+            </a:r>
+            <a:r>
+              <a:rPr lang="en-US" dirty="0" smtClean="0"/>
+              <a:t>value</a:t>
             </a:r>
           </a:p>
         </p:txBody>
@@ -5094,41 +5060,6 @@
           <a:xfrm>
             <a:off x="10903600" y="1500699"/>
             <a:ext cx="760337" cy="369332"/>
-          </a:xfrm>
-          <a:prstGeom prst="rect">
-            <a:avLst/>
-          </a:prstGeom>
-          <a:noFill/>
-          <a:ln>
-            <a:solidFill>
-              <a:schemeClr val="accent1"/>
-            </a:solidFill>
-          </a:ln>
-        </p:spPr>
-        <p:txBody>
-          <a:bodyPr wrap="none" rtlCol="0">
-            <a:spAutoFit/>
-          </a:bodyPr>
-          <a:lstStyle/>
-          <a:p>
-            <a:pPr algn="ctr"/>
-            <a:r>
-              <a:rPr lang="en-US" dirty="0" smtClean="0"/>
-              <a:t>Green</a:t>
-            </a:r>
-          </a:p>
-        </p:txBody>
-      </p:sp>
-      <p:sp>
-        <p:nvSpPr>
-          <p:cNvPr id="7" name="TextBox 6"/>
-          <p:cNvSpPr txBox="1"/>
-          <p:nvPr/>
-        </p:nvSpPr>
-        <p:spPr>
-          <a:xfrm>
-            <a:off x="10819543" y="2224061"/>
-            <a:ext cx="928460" cy="369332"/>
           </a:xfrm>
           <a:prstGeom prst="rect">
             <a:avLst/>
@@ -5139,6 +5070,41 @@
               <a:lumOff val="80000"/>
             </a:schemeClr>
           </a:solidFill>
+          <a:ln>
+            <a:solidFill>
+              <a:schemeClr val="accent1"/>
+            </a:solidFill>
+          </a:ln>
+        </p:spPr>
+        <p:txBody>
+          <a:bodyPr wrap="none" rtlCol="0">
+            <a:spAutoFit/>
+          </a:bodyPr>
+          <a:lstStyle/>
+          <a:p>
+            <a:pPr algn="ctr"/>
+            <a:r>
+              <a:rPr lang="en-US" dirty="0" smtClean="0"/>
+              <a:t>Green</a:t>
+            </a:r>
+          </a:p>
+        </p:txBody>
+      </p:sp>
+      <p:sp>
+        <p:nvSpPr>
+          <p:cNvPr id="7" name="TextBox 6"/>
+          <p:cNvSpPr txBox="1"/>
+          <p:nvPr/>
+        </p:nvSpPr>
+        <p:spPr>
+          <a:xfrm>
+            <a:off x="10819543" y="2224061"/>
+            <a:ext cx="928460" cy="369332"/>
+          </a:xfrm>
+          <a:prstGeom prst="rect">
+            <a:avLst/>
+          </a:prstGeom>
+          <a:noFill/>
           <a:ln>
             <a:solidFill>
               <a:schemeClr val="accent1"/>
@@ -5207,7 +5173,12 @@
           <a:prstGeom prst="straightConnector1">
             <a:avLst/>
           </a:prstGeom>
-          <a:ln>
+          <a:ln w="31750">
+            <a:solidFill>
+              <a:schemeClr val="accent6">
+                <a:lumMod val="75000"/>
+              </a:schemeClr>
+            </a:solidFill>
             <a:tailEnd type="triangle"/>
           </a:ln>
         </p:spPr>
@@ -5234,18 +5205,13 @@
         </p:nvCxnSpPr>
         <p:spPr>
           <a:xfrm flipH="1">
-            <a:off x="11283757" y="1885535"/>
+            <a:off x="11283757" y="1876673"/>
             <a:ext cx="4" cy="338526"/>
           </a:xfrm>
           <a:prstGeom prst="straightConnector1">
             <a:avLst/>
           </a:prstGeom>
-          <a:ln w="31750">
-            <a:solidFill>
-              <a:schemeClr val="accent6">
-                <a:lumMod val="75000"/>
-              </a:schemeClr>
-            </a:solidFill>
+          <a:ln>
             <a:tailEnd type="triangle"/>
           </a:ln>
         </p:spPr>
@@ -5406,13 +5372,20 @@
     </p:spTree>
     <p:extLst>
       <p:ext uri="{BB962C8B-B14F-4D97-AF65-F5344CB8AC3E}">
-        <p14:creationId xmlns:p14="http://schemas.microsoft.com/office/powerpoint/2010/main" val="1773368376"/>
+        <p14:creationId xmlns:p14="http://schemas.microsoft.com/office/powerpoint/2010/main" val="1636712731"/>
       </p:ext>
     </p:extLst>
   </p:cSld>
   <p:clrMapOvr>
     <a:masterClrMapping/>
   </p:clrMapOvr>
+  <p:timing>
+    <p:tnLst>
+      <p:par>
+        <p:cTn id="1" dur="indefinite" restart="never" nodeType="tmRoot"/>
+      </p:par>
+    </p:tnLst>
+  </p:timing>
 </p:sld>
 </file>
 
@@ -5450,7 +5423,7 @@
           <a:p>
             <a:r>
               <a:rPr lang="en-US" dirty="0" smtClean="0"/>
-              <a:t>Refactor</a:t>
+              <a:t>Commit</a:t>
             </a:r>
             <a:endParaRPr lang="en-US" dirty="0"/>
           </a:p>
@@ -5477,44 +5450,37 @@
           <a:lstStyle/>
           <a:p>
             <a:r>
-              <a:rPr lang="en-US" dirty="0" smtClean="0"/>
-              <a:t>“…</a:t>
-            </a:r>
-            <a:r>
               <a:rPr lang="en-US" dirty="0"/>
-              <a:t>is a disciplined technique for restructuring an existing body of code, altering its internal structure without changing its external behavior</a:t>
-            </a:r>
-            <a:r>
-              <a:rPr lang="en-US" dirty="0" smtClean="0"/>
-              <a:t>.” – </a:t>
-            </a:r>
-            <a:r>
-              <a:rPr lang="en-US" dirty="0" err="1" smtClean="0"/>
-              <a:t>refactoring.com</a:t>
-            </a:r>
-            <a:endParaRPr lang="en-US" dirty="0" smtClean="0"/>
-          </a:p>
-          <a:p>
-            <a:r>
-              <a:rPr lang="en-US" dirty="0" smtClean="0"/>
-              <a:t>We will look at:</a:t>
-            </a:r>
-            <a:endParaRPr lang="en-US" dirty="0"/>
-          </a:p>
-          <a:p>
-            <a:pPr lvl="1"/>
-            <a:r>
-              <a:rPr lang="en-US" dirty="0"/>
-              <a:t>Data duplication</a:t>
-            </a:r>
-          </a:p>
-          <a:p>
-            <a:pPr lvl="1"/>
-            <a:r>
-              <a:rPr lang="en-US" dirty="0" smtClean="0"/>
-              <a:t>Code duplication, later</a:t>
-            </a:r>
-            <a:endParaRPr lang="en-US" dirty="0"/>
+              <a:t>Frequent, small commits reduce lost effort when new functionality does not work and code needs reverting</a:t>
+            </a:r>
+          </a:p>
+          <a:p>
+            <a:r>
+              <a:rPr lang="en-US" dirty="0" smtClean="0"/>
+              <a:t>Review the diff of all work before committing</a:t>
+            </a:r>
+          </a:p>
+          <a:p>
+            <a:r>
+              <a:rPr lang="en-US" smtClean="0"/>
+              <a:t>Commit all files, not </a:t>
+            </a:r>
+            <a:r>
+              <a:rPr lang="en-US" dirty="0" smtClean="0"/>
+              <a:t>doing so runs the risk of build/test failures</a:t>
+            </a:r>
+          </a:p>
+          <a:p>
+            <a:r>
+              <a:rPr lang="en-US" dirty="0" smtClean="0"/>
+              <a:t>Check the passing test into version control</a:t>
+            </a:r>
+          </a:p>
+          <a:p>
+            <a:r>
+              <a:rPr lang="en-US" dirty="0" smtClean="0"/>
+              <a:t>Destroy task if code is production quality – unlikely at this stage</a:t>
+            </a:r>
           </a:p>
         </p:txBody>
       </p:sp>
@@ -5638,7 +5604,12 @@
           <a:prstGeom prst="rect">
             <a:avLst/>
           </a:prstGeom>
-          <a:noFill/>
+          <a:solidFill>
+            <a:schemeClr val="accent4">
+              <a:lumMod val="20000"/>
+              <a:lumOff val="80000"/>
+            </a:schemeClr>
+          </a:solidFill>
           <a:ln>
             <a:solidFill>
               <a:schemeClr val="accent1"/>
@@ -5734,13 +5705,18 @@
         </p:nvCxnSpPr>
         <p:spPr>
           <a:xfrm flipH="1">
-            <a:off x="11283757" y="1876673"/>
+            <a:off x="11283757" y="1885535"/>
             <a:ext cx="4" cy="338526"/>
           </a:xfrm>
           <a:prstGeom prst="straightConnector1">
             <a:avLst/>
           </a:prstGeom>
-          <a:ln>
+          <a:ln w="31750">
+            <a:solidFill>
+              <a:schemeClr val="accent6">
+                <a:lumMod val="75000"/>
+              </a:schemeClr>
+            </a:solidFill>
             <a:tailEnd type="triangle"/>
           </a:ln>
         </p:spPr>
@@ -5773,12 +5749,7 @@
           <a:prstGeom prst="straightConnector1">
             <a:avLst/>
           </a:prstGeom>
-          <a:ln w="31750">
-            <a:solidFill>
-              <a:schemeClr val="accent6">
-                <a:lumMod val="75000"/>
-              </a:schemeClr>
-            </a:solidFill>
+          <a:ln>
             <a:tailEnd type="triangle"/>
           </a:ln>
         </p:spPr>
@@ -5811,12 +5782,7 @@
           <a:prstGeom prst="rect">
             <a:avLst/>
           </a:prstGeom>
-          <a:solidFill>
-            <a:schemeClr val="accent4">
-              <a:lumMod val="20000"/>
-              <a:lumOff val="80000"/>
-            </a:schemeClr>
-          </a:solidFill>
+          <a:noFill/>
           <a:ln>
             <a:solidFill>
               <a:schemeClr val="accent1"/>
@@ -5831,7 +5797,7 @@
           <a:p>
             <a:pPr algn="ctr"/>
             <a:r>
-              <a:rPr lang="en-US" dirty="0" smtClean="0"/>
+              <a:rPr lang="en-US" smtClean="0"/>
               <a:t>Refactor</a:t>
             </a:r>
             <a:endParaRPr lang="en-US" dirty="0"/>
@@ -5911,13 +5877,20 @@
     </p:spTree>
     <p:extLst>
       <p:ext uri="{BB962C8B-B14F-4D97-AF65-F5344CB8AC3E}">
-        <p14:creationId xmlns:p14="http://schemas.microsoft.com/office/powerpoint/2010/main" val="1605127008"/>
+        <p14:creationId xmlns:p14="http://schemas.microsoft.com/office/powerpoint/2010/main" val="1773368376"/>
       </p:ext>
     </p:extLst>
   </p:cSld>
   <p:clrMapOvr>
     <a:masterClrMapping/>
   </p:clrMapOvr>
+  <p:timing>
+    <p:tnLst>
+      <p:par>
+        <p:cTn id="1" dur="indefinite" restart="never" nodeType="tmRoot"/>
+      </p:par>
+    </p:tnLst>
+  </p:timing>
 </p:sld>
 </file>
 
@@ -5955,7 +5928,7 @@
           <a:p>
             <a:r>
               <a:rPr lang="en-US" dirty="0" smtClean="0"/>
-              <a:t>YAGNI</a:t>
+              <a:t>Refactor</a:t>
             </a:r>
             <a:endParaRPr lang="en-US" dirty="0"/>
           </a:p>
@@ -5971,80 +5944,465 @@
             <p:ph idx="1"/>
           </p:nvPr>
         </p:nvSpPr>
-        <p:spPr/>
+        <p:spPr>
+          <a:xfrm>
+            <a:off x="838200" y="1825625"/>
+            <a:ext cx="9612882" cy="4351338"/>
+          </a:xfrm>
+        </p:spPr>
         <p:txBody>
           <a:bodyPr/>
           <a:lstStyle/>
           <a:p>
             <a:r>
               <a:rPr lang="en-US" dirty="0" smtClean="0"/>
-              <a:t>You </a:t>
+              <a:t>“…</a:t>
+            </a:r>
+            <a:r>
+              <a:rPr lang="en-US" dirty="0"/>
+              <a:t>is a disciplined technique for restructuring an existing body of code, altering its internal structure without changing its external behavior</a:t>
+            </a:r>
+            <a:r>
+              <a:rPr lang="en-US" dirty="0" smtClean="0"/>
+              <a:t>.” – </a:t>
             </a:r>
             <a:r>
               <a:rPr lang="en-US" dirty="0" err="1" smtClean="0"/>
-              <a:t>Aint</a:t>
-            </a:r>
-            <a:r>
-              <a:rPr lang="en-US" dirty="0" smtClean="0"/>
-              <a:t> </a:t>
-            </a:r>
-            <a:r>
-              <a:rPr lang="en-US" dirty="0" err="1" smtClean="0"/>
-              <a:t>Gonna</a:t>
-            </a:r>
-            <a:r>
-              <a:rPr lang="en-US" dirty="0" smtClean="0"/>
-              <a:t> Need It - YAGNI</a:t>
-            </a:r>
-          </a:p>
-          <a:p>
-            <a:r>
-              <a:rPr lang="en-US" dirty="0" smtClean="0"/>
-              <a:t>Add only enough code to make the new test pass</a:t>
-            </a:r>
-          </a:p>
-          <a:p>
-            <a:r>
-              <a:rPr lang="en-US" dirty="0" smtClean="0"/>
-              <a:t>Avoid Big Design Upfront</a:t>
-            </a:r>
+              <a:t>refactoring.com</a:t>
+            </a:r>
+            <a:endParaRPr lang="en-US" dirty="0" smtClean="0"/>
+          </a:p>
+          <a:p>
+            <a:r>
+              <a:rPr lang="en-US" dirty="0" smtClean="0"/>
+              <a:t>We will look at:</a:t>
+            </a:r>
+            <a:endParaRPr lang="en-US" dirty="0"/>
           </a:p>
           <a:p>
             <a:pPr lvl="1"/>
             <a:r>
-              <a:rPr lang="en-US" dirty="0" smtClean="0"/>
-              <a:t>Allow your tasks to guide what is needed</a:t>
-            </a:r>
-          </a:p>
-          <a:p>
-            <a:r>
-              <a:rPr lang="en-US" dirty="0" smtClean="0"/>
-              <a:t>Don’t add features in anticipation of what may come</a:t>
+              <a:rPr lang="en-US" dirty="0"/>
+              <a:t>Data duplication</a:t>
             </a:r>
           </a:p>
           <a:p>
             <a:pPr lvl="1"/>
             <a:r>
-              <a:rPr lang="is-IS" dirty="0" smtClean="0"/>
-              <a:t>…for it might not</a:t>
-            </a:r>
-            <a:endParaRPr lang="en-US" dirty="0" smtClean="0"/>
-          </a:p>
-          <a:p>
+              <a:rPr lang="en-US" dirty="0" smtClean="0"/>
+              <a:t>Code duplication, later</a:t>
+            </a:r>
             <a:endParaRPr lang="en-US" dirty="0"/>
           </a:p>
         </p:txBody>
       </p:sp>
+      <p:sp>
+        <p:nvSpPr>
+          <p:cNvPr id="4" name="TextBox 3"/>
+          <p:cNvSpPr txBox="1"/>
+          <p:nvPr/>
+        </p:nvSpPr>
+        <p:spPr>
+          <a:xfrm>
+            <a:off x="10717782" y="91414"/>
+            <a:ext cx="1131977" cy="369332"/>
+          </a:xfrm>
+          <a:prstGeom prst="rect">
+            <a:avLst/>
+          </a:prstGeom>
+          <a:noFill/>
+          <a:ln>
+            <a:solidFill>
+              <a:schemeClr val="accent1"/>
+            </a:solidFill>
+          </a:ln>
+        </p:spPr>
+        <p:txBody>
+          <a:bodyPr wrap="none" rtlCol="0">
+            <a:spAutoFit/>
+          </a:bodyPr>
+          <a:lstStyle/>
+          <a:p>
+            <a:pPr algn="ctr"/>
+            <a:r>
+              <a:rPr lang="en-US" dirty="0" smtClean="0"/>
+              <a:t>Add a test</a:t>
+            </a:r>
+          </a:p>
+        </p:txBody>
+      </p:sp>
+      <p:sp>
+        <p:nvSpPr>
+          <p:cNvPr id="5" name="TextBox 4"/>
+          <p:cNvSpPr txBox="1"/>
+          <p:nvPr/>
+        </p:nvSpPr>
+        <p:spPr>
+          <a:xfrm>
+            <a:off x="11012250" y="799272"/>
+            <a:ext cx="543034" cy="369332"/>
+          </a:xfrm>
+          <a:prstGeom prst="rect">
+            <a:avLst/>
+          </a:prstGeom>
+          <a:noFill/>
+          <a:ln>
+            <a:solidFill>
+              <a:schemeClr val="accent1"/>
+            </a:solidFill>
+          </a:ln>
+        </p:spPr>
+        <p:txBody>
+          <a:bodyPr wrap="none" rtlCol="0">
+            <a:spAutoFit/>
+          </a:bodyPr>
+          <a:lstStyle/>
+          <a:p>
+            <a:pPr algn="ctr"/>
+            <a:r>
+              <a:rPr lang="en-US" dirty="0" smtClean="0"/>
+              <a:t>Red</a:t>
+            </a:r>
+            <a:endParaRPr lang="en-US" dirty="0"/>
+          </a:p>
+        </p:txBody>
+      </p:sp>
+      <p:sp>
+        <p:nvSpPr>
+          <p:cNvPr id="6" name="TextBox 5"/>
+          <p:cNvSpPr txBox="1"/>
+          <p:nvPr/>
+        </p:nvSpPr>
+        <p:spPr>
+          <a:xfrm>
+            <a:off x="10903600" y="1500699"/>
+            <a:ext cx="760337" cy="369332"/>
+          </a:xfrm>
+          <a:prstGeom prst="rect">
+            <a:avLst/>
+          </a:prstGeom>
+          <a:noFill/>
+          <a:ln>
+            <a:solidFill>
+              <a:schemeClr val="accent1"/>
+            </a:solidFill>
+          </a:ln>
+        </p:spPr>
+        <p:txBody>
+          <a:bodyPr wrap="none" rtlCol="0">
+            <a:spAutoFit/>
+          </a:bodyPr>
+          <a:lstStyle/>
+          <a:p>
+            <a:pPr algn="ctr"/>
+            <a:r>
+              <a:rPr lang="en-US" dirty="0" smtClean="0"/>
+              <a:t>Green</a:t>
+            </a:r>
+          </a:p>
+        </p:txBody>
+      </p:sp>
+      <p:sp>
+        <p:nvSpPr>
+          <p:cNvPr id="7" name="TextBox 6"/>
+          <p:cNvSpPr txBox="1"/>
+          <p:nvPr/>
+        </p:nvSpPr>
+        <p:spPr>
+          <a:xfrm>
+            <a:off x="10819543" y="2224061"/>
+            <a:ext cx="928460" cy="369332"/>
+          </a:xfrm>
+          <a:prstGeom prst="rect">
+            <a:avLst/>
+          </a:prstGeom>
+          <a:noFill/>
+          <a:ln>
+            <a:solidFill>
+              <a:schemeClr val="accent1"/>
+            </a:solidFill>
+          </a:ln>
+        </p:spPr>
+        <p:txBody>
+          <a:bodyPr wrap="none" rtlCol="0">
+            <a:spAutoFit/>
+          </a:bodyPr>
+          <a:lstStyle/>
+          <a:p>
+            <a:pPr algn="ctr"/>
+            <a:r>
+              <a:rPr lang="en-US" dirty="0" smtClean="0"/>
+              <a:t>Commit</a:t>
+            </a:r>
+            <a:endParaRPr lang="en-US" dirty="0"/>
+          </a:p>
+        </p:txBody>
+      </p:sp>
+      <p:cxnSp>
+        <p:nvCxnSpPr>
+          <p:cNvPr id="8" name="Straight Arrow Connector 7"/>
+          <p:cNvCxnSpPr/>
+          <p:nvPr/>
+        </p:nvCxnSpPr>
+        <p:spPr>
+          <a:xfrm flipH="1">
+            <a:off x="11283767" y="460746"/>
+            <a:ext cx="4" cy="338526"/>
+          </a:xfrm>
+          <a:prstGeom prst="straightConnector1">
+            <a:avLst/>
+          </a:prstGeom>
+          <a:ln>
+            <a:tailEnd type="triangle"/>
+          </a:ln>
+        </p:spPr>
+        <p:style>
+          <a:lnRef idx="1">
+            <a:schemeClr val="accent1"/>
+          </a:lnRef>
+          <a:fillRef idx="0">
+            <a:schemeClr val="accent1"/>
+          </a:fillRef>
+          <a:effectRef idx="0">
+            <a:schemeClr val="accent1"/>
+          </a:effectRef>
+          <a:fontRef idx="minor">
+            <a:schemeClr val="tx1"/>
+          </a:fontRef>
+        </p:style>
+      </p:cxnSp>
+      <p:cxnSp>
+        <p:nvCxnSpPr>
+          <p:cNvPr id="9" name="Straight Arrow Connector 8"/>
+          <p:cNvCxnSpPr/>
+          <p:nvPr/>
+        </p:nvCxnSpPr>
+        <p:spPr>
+          <a:xfrm flipH="1">
+            <a:off x="11283761" y="1165539"/>
+            <a:ext cx="4" cy="338526"/>
+          </a:xfrm>
+          <a:prstGeom prst="straightConnector1">
+            <a:avLst/>
+          </a:prstGeom>
+          <a:ln>
+            <a:tailEnd type="triangle"/>
+          </a:ln>
+        </p:spPr>
+        <p:style>
+          <a:lnRef idx="1">
+            <a:schemeClr val="accent1"/>
+          </a:lnRef>
+          <a:fillRef idx="0">
+            <a:schemeClr val="accent1"/>
+          </a:fillRef>
+          <a:effectRef idx="0">
+            <a:schemeClr val="accent1"/>
+          </a:effectRef>
+          <a:fontRef idx="minor">
+            <a:schemeClr val="tx1"/>
+          </a:fontRef>
+        </p:style>
+      </p:cxnSp>
+      <p:cxnSp>
+        <p:nvCxnSpPr>
+          <p:cNvPr id="10" name="Straight Arrow Connector 9"/>
+          <p:cNvCxnSpPr/>
+          <p:nvPr/>
+        </p:nvCxnSpPr>
+        <p:spPr>
+          <a:xfrm flipH="1">
+            <a:off x="11283757" y="1876673"/>
+            <a:ext cx="4" cy="338526"/>
+          </a:xfrm>
+          <a:prstGeom prst="straightConnector1">
+            <a:avLst/>
+          </a:prstGeom>
+          <a:ln>
+            <a:tailEnd type="triangle"/>
+          </a:ln>
+        </p:spPr>
+        <p:style>
+          <a:lnRef idx="1">
+            <a:schemeClr val="accent1"/>
+          </a:lnRef>
+          <a:fillRef idx="0">
+            <a:schemeClr val="accent1"/>
+          </a:fillRef>
+          <a:effectRef idx="0">
+            <a:schemeClr val="accent1"/>
+          </a:effectRef>
+          <a:fontRef idx="minor">
+            <a:schemeClr val="tx1"/>
+          </a:fontRef>
+        </p:style>
+      </p:cxnSp>
+      <p:cxnSp>
+        <p:nvCxnSpPr>
+          <p:cNvPr id="11" name="Straight Arrow Connector 10"/>
+          <p:cNvCxnSpPr/>
+          <p:nvPr/>
+        </p:nvCxnSpPr>
+        <p:spPr>
+          <a:xfrm flipH="1">
+            <a:off x="11295481" y="2591777"/>
+            <a:ext cx="4" cy="338526"/>
+          </a:xfrm>
+          <a:prstGeom prst="straightConnector1">
+            <a:avLst/>
+          </a:prstGeom>
+          <a:ln w="31750">
+            <a:solidFill>
+              <a:schemeClr val="accent6">
+                <a:lumMod val="75000"/>
+              </a:schemeClr>
+            </a:solidFill>
+            <a:tailEnd type="triangle"/>
+          </a:ln>
+        </p:spPr>
+        <p:style>
+          <a:lnRef idx="1">
+            <a:schemeClr val="accent1"/>
+          </a:lnRef>
+          <a:fillRef idx="0">
+            <a:schemeClr val="accent1"/>
+          </a:fillRef>
+          <a:effectRef idx="0">
+            <a:schemeClr val="accent1"/>
+          </a:effectRef>
+          <a:fontRef idx="minor">
+            <a:schemeClr val="tx1"/>
+          </a:fontRef>
+        </p:style>
+      </p:cxnSp>
+      <p:sp>
+        <p:nvSpPr>
+          <p:cNvPr id="12" name="TextBox 11"/>
+          <p:cNvSpPr txBox="1"/>
+          <p:nvPr/>
+        </p:nvSpPr>
+        <p:spPr>
+          <a:xfrm>
+            <a:off x="10821813" y="2920630"/>
+            <a:ext cx="970780" cy="369332"/>
+          </a:xfrm>
+          <a:prstGeom prst="rect">
+            <a:avLst/>
+          </a:prstGeom>
+          <a:solidFill>
+            <a:schemeClr val="accent4">
+              <a:lumMod val="20000"/>
+              <a:lumOff val="80000"/>
+            </a:schemeClr>
+          </a:solidFill>
+          <a:ln>
+            <a:solidFill>
+              <a:schemeClr val="accent1"/>
+            </a:solidFill>
+          </a:ln>
+        </p:spPr>
+        <p:txBody>
+          <a:bodyPr wrap="none" rtlCol="0">
+            <a:spAutoFit/>
+          </a:bodyPr>
+          <a:lstStyle/>
+          <a:p>
+            <a:pPr algn="ctr"/>
+            <a:r>
+              <a:rPr lang="en-US" dirty="0" smtClean="0"/>
+              <a:t>Refactor</a:t>
+            </a:r>
+            <a:endParaRPr lang="en-US" dirty="0"/>
+          </a:p>
+        </p:txBody>
+      </p:sp>
+      <p:cxnSp>
+        <p:nvCxnSpPr>
+          <p:cNvPr id="13" name="Elbow Connector 12"/>
+          <p:cNvCxnSpPr/>
+          <p:nvPr/>
+        </p:nvCxnSpPr>
+        <p:spPr>
+          <a:xfrm flipV="1">
+            <a:off x="11792593" y="276080"/>
+            <a:ext cx="57166" cy="2829216"/>
+          </a:xfrm>
+          <a:prstGeom prst="bentConnector3">
+            <a:avLst>
+              <a:gd name="adj1" fmla="val 499888"/>
+            </a:avLst>
+          </a:prstGeom>
+          <a:ln>
+            <a:tailEnd type="triangle"/>
+          </a:ln>
+        </p:spPr>
+        <p:style>
+          <a:lnRef idx="1">
+            <a:schemeClr val="accent1"/>
+          </a:lnRef>
+          <a:fillRef idx="0">
+            <a:schemeClr val="accent1"/>
+          </a:fillRef>
+          <a:effectRef idx="0">
+            <a:schemeClr val="accent1"/>
+          </a:effectRef>
+          <a:fontRef idx="minor">
+            <a:schemeClr val="tx1"/>
+          </a:fontRef>
+        </p:style>
+      </p:cxnSp>
+      <p:cxnSp>
+        <p:nvCxnSpPr>
+          <p:cNvPr id="14" name="Elbow Connector 13"/>
+          <p:cNvCxnSpPr/>
+          <p:nvPr/>
+        </p:nvCxnSpPr>
+        <p:spPr>
+          <a:xfrm rot="10800000" flipH="1">
+            <a:off x="10821812" y="1685366"/>
+            <a:ext cx="81787" cy="1419931"/>
+          </a:xfrm>
+          <a:prstGeom prst="bentConnector3">
+            <a:avLst>
+              <a:gd name="adj1" fmla="val -279507"/>
+            </a:avLst>
+          </a:prstGeom>
+          <a:ln>
+            <a:tailEnd type="triangle"/>
+          </a:ln>
+        </p:spPr>
+        <p:style>
+          <a:lnRef idx="1">
+            <a:schemeClr val="accent1"/>
+          </a:lnRef>
+          <a:fillRef idx="0">
+            <a:schemeClr val="accent1"/>
+          </a:fillRef>
+          <a:effectRef idx="0">
+            <a:schemeClr val="accent1"/>
+          </a:effectRef>
+          <a:fontRef idx="minor">
+            <a:schemeClr val="tx1"/>
+          </a:fontRef>
+        </p:style>
+      </p:cxnSp>
     </p:spTree>
     <p:extLst>
       <p:ext uri="{BB962C8B-B14F-4D97-AF65-F5344CB8AC3E}">
-        <p14:creationId xmlns:p14="http://schemas.microsoft.com/office/powerpoint/2010/main" val="48914689"/>
+        <p14:creationId xmlns:p14="http://schemas.microsoft.com/office/powerpoint/2010/main" val="1605127008"/>
       </p:ext>
     </p:extLst>
   </p:cSld>
   <p:clrMapOvr>
     <a:masterClrMapping/>
   </p:clrMapOvr>
+  <p:timing>
+    <p:tnLst>
+      <p:par>
+        <p:cTn id="1" dur="indefinite" restart="never" nodeType="tmRoot"/>
+      </p:par>
+    </p:tnLst>
+  </p:timing>
 </p:sld>
 </file>
 
@@ -6082,7 +6440,7 @@
           <a:p>
             <a:r>
               <a:rPr lang="en-US" dirty="0" smtClean="0"/>
-              <a:t>New Tasks</a:t>
+              <a:t>YAGNI</a:t>
             </a:r>
             <a:endParaRPr lang="en-US" dirty="0"/>
           </a:p>
@@ -6105,40 +6463,80 @@
           <a:p>
             <a:r>
               <a:rPr lang="en-US" dirty="0" smtClean="0"/>
-              <a:t>Reduce context switching and multi-tasking</a:t>
-            </a:r>
-          </a:p>
-          <a:p>
-            <a:r>
-              <a:rPr lang="en-US" dirty="0" smtClean="0"/>
-              <a:t>Capture new ideas on index cards as tasks when they come to mind</a:t>
-            </a:r>
-          </a:p>
-          <a:p>
-            <a:r>
-              <a:rPr lang="en-US" dirty="0" smtClean="0"/>
-              <a:t>Avoid distracting yourself with new tasks during a task</a:t>
+              <a:t>You </a:t>
+            </a:r>
+            <a:r>
+              <a:rPr lang="en-US" dirty="0" err="1" smtClean="0"/>
+              <a:t>Aint</a:t>
+            </a:r>
+            <a:r>
+              <a:rPr lang="en-US" dirty="0" smtClean="0"/>
+              <a:t> </a:t>
+            </a:r>
+            <a:r>
+              <a:rPr lang="en-US" dirty="0" err="1" smtClean="0"/>
+              <a:t>Gonna</a:t>
+            </a:r>
+            <a:r>
+              <a:rPr lang="en-US" dirty="0" smtClean="0"/>
+              <a:t> Need It - YAGNI</a:t>
+            </a:r>
+          </a:p>
+          <a:p>
+            <a:r>
+              <a:rPr lang="en-US" dirty="0" smtClean="0"/>
+              <a:t>Add only enough code to make the new test pass</a:t>
+            </a:r>
+          </a:p>
+          <a:p>
+            <a:r>
+              <a:rPr lang="en-US" dirty="0" smtClean="0"/>
+              <a:t>Avoid Big Design Upfront</a:t>
             </a:r>
           </a:p>
           <a:p>
             <a:pPr lvl="1"/>
             <a:r>
               <a:rPr lang="en-US" dirty="0" smtClean="0"/>
-              <a:t>If you must take on a distraction, allow only a single distraction</a:t>
-            </a:r>
+              <a:t>Allow your tasks to guide what is needed</a:t>
+            </a:r>
+          </a:p>
+          <a:p>
+            <a:r>
+              <a:rPr lang="en-US" dirty="0" smtClean="0"/>
+              <a:t>Don’t add features in anticipation of what may come</a:t>
+            </a:r>
+          </a:p>
+          <a:p>
+            <a:pPr lvl="1"/>
+            <a:r>
+              <a:rPr lang="is-IS" dirty="0" smtClean="0"/>
+              <a:t>…for it might not</a:t>
+            </a:r>
+            <a:endParaRPr lang="en-US" dirty="0" smtClean="0"/>
+          </a:p>
+          <a:p>
+            <a:endParaRPr lang="en-US" dirty="0"/>
           </a:p>
         </p:txBody>
       </p:sp>
     </p:spTree>
     <p:extLst>
       <p:ext uri="{BB962C8B-B14F-4D97-AF65-F5344CB8AC3E}">
-        <p14:creationId xmlns:p14="http://schemas.microsoft.com/office/powerpoint/2010/main" val="1328937061"/>
+        <p14:creationId xmlns:p14="http://schemas.microsoft.com/office/powerpoint/2010/main" val="48914689"/>
       </p:ext>
     </p:extLst>
   </p:cSld>
   <p:clrMapOvr>
     <a:masterClrMapping/>
   </p:clrMapOvr>
+  <p:timing>
+    <p:tnLst>
+      <p:par>
+        <p:cTn id="1" dur="indefinite" restart="never" nodeType="tmRoot"/>
+      </p:par>
+    </p:tnLst>
+  </p:timing>
 </p:sld>
 </file>
 
@@ -6176,7 +6574,7 @@
           <a:p>
             <a:r>
               <a:rPr lang="en-US" dirty="0" smtClean="0"/>
-              <a:t>Add a test - Triangulation</a:t>
+              <a:t>New Tasks</a:t>
             </a:r>
             <a:endParaRPr lang="en-US" dirty="0"/>
           </a:p>
@@ -6194,497 +6592,52 @@
         </p:nvSpPr>
         <p:spPr/>
         <p:txBody>
-          <a:bodyPr>
-            <a:normAutofit/>
-          </a:bodyPr>
-          <a:lstStyle/>
-          <a:p>
-            <a:r>
-              <a:rPr lang="en-US" dirty="0" smtClean="0"/>
-              <a:t>Assuming your previous test was hard coded: triangulate</a:t>
-            </a:r>
-          </a:p>
-          <a:p>
-            <a:r>
-              <a:rPr lang="en-US" dirty="0"/>
-              <a:t>First documented by Kent Beck</a:t>
-            </a:r>
-          </a:p>
-          <a:p>
-            <a:r>
-              <a:rPr lang="en-US" dirty="0"/>
-              <a:t>Drawn from Radar Triangulation</a:t>
+          <a:bodyPr/>
+          <a:lstStyle/>
+          <a:p>
+            <a:r>
+              <a:rPr lang="en-US" dirty="0" smtClean="0"/>
+              <a:t>Reduce context switching and multi-tasking</a:t>
+            </a:r>
+          </a:p>
+          <a:p>
+            <a:r>
+              <a:rPr lang="en-US" dirty="0" smtClean="0"/>
+              <a:t>Capture new ideas on index cards as tasks when they come to mind</a:t>
+            </a:r>
+          </a:p>
+          <a:p>
+            <a:r>
+              <a:rPr lang="en-US" dirty="0" smtClean="0"/>
+              <a:t>Avoid distracting yourself with new tasks during a task</a:t>
             </a:r>
           </a:p>
           <a:p>
             <a:pPr lvl="1"/>
             <a:r>
-              <a:rPr lang="en-US" dirty="0"/>
-              <a:t>Definition: http://encyclopedia2.thefreedictionary.com/</a:t>
-            </a:r>
-            <a:r>
-              <a:rPr lang="en-US" dirty="0" err="1"/>
-              <a:t>radar+triangulation</a:t>
-            </a:r>
-            <a:endParaRPr lang="en-US" dirty="0"/>
-          </a:p>
-          <a:p>
-            <a:r>
-              <a:rPr lang="en-US" dirty="0" smtClean="0"/>
-              <a:t>Triangulation works as follows:</a:t>
-            </a:r>
-          </a:p>
-          <a:p>
-            <a:pPr marL="914400" lvl="1" indent="-457200">
-              <a:buFont typeface="+mj-lt"/>
-              <a:buAutoNum type="arabicPeriod"/>
-            </a:pPr>
-            <a:r>
-              <a:rPr lang="en-US" dirty="0" smtClean="0"/>
-              <a:t>Start </a:t>
-            </a:r>
-            <a:r>
-              <a:rPr lang="en-US" dirty="0"/>
-              <a:t>with obvious implementation</a:t>
-            </a:r>
-          </a:p>
-          <a:p>
-            <a:pPr marL="914400" lvl="1" indent="-457200">
-              <a:buFont typeface="+mj-lt"/>
-              <a:buAutoNum type="arabicPeriod"/>
-            </a:pPr>
-            <a:r>
-              <a:rPr lang="en-US" dirty="0" smtClean="0"/>
-              <a:t>Follow </a:t>
-            </a:r>
-            <a:r>
-              <a:rPr lang="en-US" dirty="0"/>
-              <a:t>up with a general implementation</a:t>
-            </a:r>
-          </a:p>
-          <a:p>
-            <a:r>
-              <a:rPr lang="en-US" dirty="0"/>
-              <a:t>Pushes </a:t>
-            </a:r>
-            <a:r>
-              <a:rPr lang="en-US" dirty="0" smtClean="0"/>
-              <a:t>original implementation </a:t>
-            </a:r>
-            <a:r>
-              <a:rPr lang="en-US" dirty="0"/>
-              <a:t>toward production quality code</a:t>
-            </a:r>
-          </a:p>
-          <a:p>
-            <a:r>
-              <a:rPr lang="en-US" dirty="0"/>
-              <a:t>Potentially monotonous, useful for ambiguous implementations</a:t>
-            </a:r>
-            <a:endParaRPr lang="en-US" dirty="0" smtClean="0"/>
-          </a:p>
-        </p:txBody>
-      </p:sp>
-      <p:sp>
-        <p:nvSpPr>
-          <p:cNvPr id="28" name="TextBox 27"/>
-          <p:cNvSpPr txBox="1"/>
-          <p:nvPr/>
-        </p:nvSpPr>
-        <p:spPr>
-          <a:xfrm>
-            <a:off x="10717781" y="91414"/>
-            <a:ext cx="1131977" cy="369332"/>
-          </a:xfrm>
-          <a:prstGeom prst="rect">
-            <a:avLst/>
-          </a:prstGeom>
-          <a:solidFill>
-            <a:schemeClr val="accent4">
-              <a:lumMod val="20000"/>
-              <a:lumOff val="80000"/>
-            </a:schemeClr>
-          </a:solidFill>
-          <a:ln>
-            <a:solidFill>
-              <a:schemeClr val="accent1"/>
-            </a:solidFill>
-          </a:ln>
-        </p:spPr>
-        <p:txBody>
-          <a:bodyPr wrap="none" rtlCol="0">
-            <a:spAutoFit/>
-          </a:bodyPr>
-          <a:lstStyle/>
-          <a:p>
-            <a:pPr algn="ctr"/>
-            <a:r>
-              <a:rPr lang="en-US" dirty="0" smtClean="0"/>
-              <a:t>Add a test</a:t>
-            </a:r>
-          </a:p>
-        </p:txBody>
-      </p:sp>
-      <p:sp>
-        <p:nvSpPr>
-          <p:cNvPr id="29" name="TextBox 28"/>
-          <p:cNvSpPr txBox="1"/>
-          <p:nvPr/>
-        </p:nvSpPr>
-        <p:spPr>
-          <a:xfrm>
-            <a:off x="11012249" y="799272"/>
-            <a:ext cx="543034" cy="369332"/>
-          </a:xfrm>
-          <a:prstGeom prst="rect">
-            <a:avLst/>
-          </a:prstGeom>
-          <a:noFill/>
-          <a:ln>
-            <a:solidFill>
-              <a:schemeClr val="accent1"/>
-            </a:solidFill>
-          </a:ln>
-        </p:spPr>
-        <p:txBody>
-          <a:bodyPr wrap="none" rtlCol="0">
-            <a:spAutoFit/>
-          </a:bodyPr>
-          <a:lstStyle/>
-          <a:p>
-            <a:pPr algn="ctr"/>
-            <a:r>
-              <a:rPr lang="en-US" dirty="0" smtClean="0"/>
-              <a:t>Red</a:t>
-            </a:r>
-            <a:endParaRPr lang="en-US" dirty="0"/>
-          </a:p>
-        </p:txBody>
-      </p:sp>
-      <p:sp>
-        <p:nvSpPr>
-          <p:cNvPr id="30" name="TextBox 29"/>
-          <p:cNvSpPr txBox="1"/>
-          <p:nvPr/>
-        </p:nvSpPr>
-        <p:spPr>
-          <a:xfrm>
-            <a:off x="10903599" y="1500699"/>
-            <a:ext cx="760337" cy="369332"/>
-          </a:xfrm>
-          <a:prstGeom prst="rect">
-            <a:avLst/>
-          </a:prstGeom>
-          <a:noFill/>
-          <a:ln>
-            <a:solidFill>
-              <a:schemeClr val="accent1"/>
-            </a:solidFill>
-          </a:ln>
-        </p:spPr>
-        <p:txBody>
-          <a:bodyPr wrap="none" rtlCol="0">
-            <a:spAutoFit/>
-          </a:bodyPr>
-          <a:lstStyle/>
-          <a:p>
-            <a:pPr algn="ctr"/>
-            <a:r>
-              <a:rPr lang="en-US" dirty="0" smtClean="0"/>
-              <a:t>Green</a:t>
-            </a:r>
-          </a:p>
-        </p:txBody>
-      </p:sp>
-      <p:sp>
-        <p:nvSpPr>
-          <p:cNvPr id="31" name="TextBox 30"/>
-          <p:cNvSpPr txBox="1"/>
-          <p:nvPr/>
-        </p:nvSpPr>
-        <p:spPr>
-          <a:xfrm>
-            <a:off x="10819542" y="2224061"/>
-            <a:ext cx="928460" cy="369332"/>
-          </a:xfrm>
-          <a:prstGeom prst="rect">
-            <a:avLst/>
-          </a:prstGeom>
-          <a:noFill/>
-          <a:ln>
-            <a:solidFill>
-              <a:schemeClr val="accent1"/>
-            </a:solidFill>
-          </a:ln>
-        </p:spPr>
-        <p:txBody>
-          <a:bodyPr wrap="none" rtlCol="0">
-            <a:spAutoFit/>
-          </a:bodyPr>
-          <a:lstStyle/>
-          <a:p>
-            <a:pPr algn="ctr"/>
-            <a:r>
-              <a:rPr lang="en-US" dirty="0" smtClean="0"/>
-              <a:t>Commit</a:t>
-            </a:r>
-            <a:endParaRPr lang="en-US" dirty="0"/>
-          </a:p>
-        </p:txBody>
-      </p:sp>
-      <p:cxnSp>
-        <p:nvCxnSpPr>
-          <p:cNvPr id="32" name="Straight Arrow Connector 31"/>
-          <p:cNvCxnSpPr/>
-          <p:nvPr/>
-        </p:nvCxnSpPr>
-        <p:spPr>
-          <a:xfrm flipH="1">
-            <a:off x="11283766" y="460746"/>
-            <a:ext cx="4" cy="338526"/>
-          </a:xfrm>
-          <a:prstGeom prst="straightConnector1">
-            <a:avLst/>
-          </a:prstGeom>
-          <a:ln>
-            <a:tailEnd type="triangle"/>
-          </a:ln>
-        </p:spPr>
-        <p:style>
-          <a:lnRef idx="1">
-            <a:schemeClr val="accent1"/>
-          </a:lnRef>
-          <a:fillRef idx="0">
-            <a:schemeClr val="accent1"/>
-          </a:fillRef>
-          <a:effectRef idx="0">
-            <a:schemeClr val="accent1"/>
-          </a:effectRef>
-          <a:fontRef idx="minor">
-            <a:schemeClr val="tx1"/>
-          </a:fontRef>
-        </p:style>
-      </p:cxnSp>
-      <p:cxnSp>
-        <p:nvCxnSpPr>
-          <p:cNvPr id="33" name="Straight Arrow Connector 32"/>
-          <p:cNvCxnSpPr/>
-          <p:nvPr/>
-        </p:nvCxnSpPr>
-        <p:spPr>
-          <a:xfrm flipH="1">
-            <a:off x="11283760" y="1165539"/>
-            <a:ext cx="4" cy="338526"/>
-          </a:xfrm>
-          <a:prstGeom prst="straightConnector1">
-            <a:avLst/>
-          </a:prstGeom>
-          <a:ln>
-            <a:tailEnd type="triangle"/>
-          </a:ln>
-        </p:spPr>
-        <p:style>
-          <a:lnRef idx="1">
-            <a:schemeClr val="accent1"/>
-          </a:lnRef>
-          <a:fillRef idx="0">
-            <a:schemeClr val="accent1"/>
-          </a:fillRef>
-          <a:effectRef idx="0">
-            <a:schemeClr val="accent1"/>
-          </a:effectRef>
-          <a:fontRef idx="minor">
-            <a:schemeClr val="tx1"/>
-          </a:fontRef>
-        </p:style>
-      </p:cxnSp>
-      <p:cxnSp>
-        <p:nvCxnSpPr>
-          <p:cNvPr id="34" name="Straight Arrow Connector 33"/>
-          <p:cNvCxnSpPr/>
-          <p:nvPr/>
-        </p:nvCxnSpPr>
-        <p:spPr>
-          <a:xfrm flipH="1">
-            <a:off x="11283756" y="1876673"/>
-            <a:ext cx="4" cy="338526"/>
-          </a:xfrm>
-          <a:prstGeom prst="straightConnector1">
-            <a:avLst/>
-          </a:prstGeom>
-          <a:ln>
-            <a:tailEnd type="triangle"/>
-          </a:ln>
-        </p:spPr>
-        <p:style>
-          <a:lnRef idx="1">
-            <a:schemeClr val="accent1"/>
-          </a:lnRef>
-          <a:fillRef idx="0">
-            <a:schemeClr val="accent1"/>
-          </a:fillRef>
-          <a:effectRef idx="0">
-            <a:schemeClr val="accent1"/>
-          </a:effectRef>
-          <a:fontRef idx="minor">
-            <a:schemeClr val="tx1"/>
-          </a:fontRef>
-        </p:style>
-      </p:cxnSp>
-      <p:cxnSp>
-        <p:nvCxnSpPr>
-          <p:cNvPr id="35" name="Straight Arrow Connector 34"/>
-          <p:cNvCxnSpPr/>
-          <p:nvPr/>
-        </p:nvCxnSpPr>
-        <p:spPr>
-          <a:xfrm flipH="1">
-            <a:off x="11295480" y="2591777"/>
-            <a:ext cx="4" cy="338526"/>
-          </a:xfrm>
-          <a:prstGeom prst="straightConnector1">
-            <a:avLst/>
-          </a:prstGeom>
-          <a:ln>
-            <a:tailEnd type="triangle"/>
-          </a:ln>
-        </p:spPr>
-        <p:style>
-          <a:lnRef idx="1">
-            <a:schemeClr val="accent1"/>
-          </a:lnRef>
-          <a:fillRef idx="0">
-            <a:schemeClr val="accent1"/>
-          </a:fillRef>
-          <a:effectRef idx="0">
-            <a:schemeClr val="accent1"/>
-          </a:effectRef>
-          <a:fontRef idx="minor">
-            <a:schemeClr val="tx1"/>
-          </a:fontRef>
-        </p:style>
-      </p:cxnSp>
-      <p:sp>
-        <p:nvSpPr>
-          <p:cNvPr id="36" name="TextBox 35"/>
-          <p:cNvSpPr txBox="1"/>
-          <p:nvPr/>
-        </p:nvSpPr>
-        <p:spPr>
-          <a:xfrm>
-            <a:off x="10821812" y="2920630"/>
-            <a:ext cx="970780" cy="369332"/>
-          </a:xfrm>
-          <a:prstGeom prst="rect">
-            <a:avLst/>
-          </a:prstGeom>
-          <a:noFill/>
-          <a:ln>
-            <a:solidFill>
-              <a:schemeClr val="accent1"/>
-            </a:solidFill>
-          </a:ln>
-        </p:spPr>
-        <p:txBody>
-          <a:bodyPr wrap="none" rtlCol="0">
-            <a:spAutoFit/>
-          </a:bodyPr>
-          <a:lstStyle/>
-          <a:p>
-            <a:pPr algn="ctr"/>
-            <a:r>
-              <a:rPr lang="en-US" smtClean="0"/>
-              <a:t>Refactor</a:t>
-            </a:r>
-            <a:endParaRPr lang="en-US" dirty="0"/>
-          </a:p>
-        </p:txBody>
-      </p:sp>
-      <p:cxnSp>
-        <p:nvCxnSpPr>
-          <p:cNvPr id="37" name="Elbow Connector 36"/>
-          <p:cNvCxnSpPr/>
-          <p:nvPr/>
-        </p:nvCxnSpPr>
-        <p:spPr>
-          <a:xfrm flipV="1">
-            <a:off x="11792592" y="276080"/>
-            <a:ext cx="57166" cy="2829216"/>
-          </a:xfrm>
-          <a:prstGeom prst="bentConnector3">
-            <a:avLst>
-              <a:gd name="adj1" fmla="val 499888"/>
-            </a:avLst>
-          </a:prstGeom>
-          <a:ln w="31750">
-            <a:solidFill>
-              <a:schemeClr val="accent6">
-                <a:lumMod val="75000"/>
-              </a:schemeClr>
-            </a:solidFill>
-            <a:tailEnd type="triangle"/>
-          </a:ln>
-        </p:spPr>
-        <p:style>
-          <a:lnRef idx="1">
-            <a:schemeClr val="accent1"/>
-          </a:lnRef>
-          <a:fillRef idx="0">
-            <a:schemeClr val="accent1"/>
-          </a:fillRef>
-          <a:effectRef idx="0">
-            <a:schemeClr val="accent1"/>
-          </a:effectRef>
-          <a:fontRef idx="minor">
-            <a:schemeClr val="tx1"/>
-          </a:fontRef>
-        </p:style>
-      </p:cxnSp>
-      <p:cxnSp>
-        <p:nvCxnSpPr>
-          <p:cNvPr id="38" name="Elbow Connector 37"/>
-          <p:cNvCxnSpPr/>
-          <p:nvPr/>
-        </p:nvCxnSpPr>
-        <p:spPr>
-          <a:xfrm rot="10800000" flipH="1">
-            <a:off x="10821811" y="1685366"/>
-            <a:ext cx="81787" cy="1419931"/>
-          </a:xfrm>
-          <a:prstGeom prst="bentConnector3">
-            <a:avLst>
-              <a:gd name="adj1" fmla="val -279507"/>
-            </a:avLst>
-          </a:prstGeom>
-          <a:ln>
-            <a:tailEnd type="triangle"/>
-          </a:ln>
-        </p:spPr>
-        <p:style>
-          <a:lnRef idx="1">
-            <a:schemeClr val="accent1"/>
-          </a:lnRef>
-          <a:fillRef idx="0">
-            <a:schemeClr val="accent1"/>
-          </a:fillRef>
-          <a:effectRef idx="0">
-            <a:schemeClr val="accent1"/>
-          </a:effectRef>
-          <a:fontRef idx="minor">
-            <a:schemeClr val="tx1"/>
-          </a:fontRef>
-        </p:style>
-      </p:cxnSp>
+              <a:rPr lang="en-US" dirty="0" smtClean="0"/>
+              <a:t>If you must take on a distraction, allow only a single distraction</a:t>
+            </a:r>
+          </a:p>
+        </p:txBody>
+      </p:sp>
     </p:spTree>
     <p:extLst>
       <p:ext uri="{BB962C8B-B14F-4D97-AF65-F5344CB8AC3E}">
-        <p14:creationId xmlns:p14="http://schemas.microsoft.com/office/powerpoint/2010/main" val="1942138552"/>
+        <p14:creationId xmlns:p14="http://schemas.microsoft.com/office/powerpoint/2010/main" val="1328937061"/>
       </p:ext>
     </p:extLst>
   </p:cSld>
   <p:clrMapOvr>
     <a:masterClrMapping/>
   </p:clrMapOvr>
+  <p:timing>
+    <p:tnLst>
+      <p:par>
+        <p:cTn id="1" dur="indefinite" restart="never" nodeType="tmRoot"/>
+      </p:par>
+    </p:tnLst>
+  </p:timing>
 </p:sld>
 </file>
 
@@ -6722,7 +6675,7 @@
           <a:p>
             <a:r>
               <a:rPr lang="en-US" dirty="0" smtClean="0"/>
-              <a:t>Red</a:t>
+              <a:t>Add a test - Triangulation</a:t>
             </a:r>
             <a:endParaRPr lang="en-US" dirty="0"/>
           </a:p>
@@ -6740,85 +6693,107 @@
         </p:nvSpPr>
         <p:spPr/>
         <p:txBody>
-          <a:bodyPr/>
-          <a:lstStyle/>
-          <a:p>
-            <a:r>
-              <a:rPr lang="en-US" dirty="0" smtClean="0"/>
-              <a:t>Run the test, ensuring it fails</a:t>
-            </a:r>
-          </a:p>
-          <a:p>
-            <a:r>
-              <a:rPr lang="en-US" dirty="0" smtClean="0"/>
-              <a:t>If it doesn’t fail, change it so it does</a:t>
-            </a:r>
-          </a:p>
-          <a:p>
-            <a:r>
-              <a:rPr lang="en-US" dirty="0" smtClean="0"/>
-              <a:t>If you’re still unable to: identify what you’re trying to test</a:t>
-            </a:r>
-          </a:p>
-          <a:p>
-            <a:r>
-              <a:rPr lang="en-US" dirty="0" smtClean="0"/>
-              <a:t>Devise a new test that does fail</a:t>
-            </a:r>
-          </a:p>
-          <a:p>
-            <a:r>
-              <a:rPr lang="en-US" dirty="0" smtClean="0"/>
-              <a:t>Test is to result in a small increment of new functionality</a:t>
-            </a:r>
-          </a:p>
-        </p:txBody>
-      </p:sp>
-      <p:sp>
-        <p:nvSpPr>
-          <p:cNvPr id="35" name="TextBox 34"/>
+          <a:bodyPr>
+            <a:normAutofit/>
+          </a:bodyPr>
+          <a:lstStyle/>
+          <a:p>
+            <a:r>
+              <a:rPr lang="en-US" dirty="0" smtClean="0"/>
+              <a:t>Assuming your previous test was hard coded: triangulate</a:t>
+            </a:r>
+          </a:p>
+          <a:p>
+            <a:r>
+              <a:rPr lang="en-US" dirty="0"/>
+              <a:t>First documented by Kent Beck</a:t>
+            </a:r>
+          </a:p>
+          <a:p>
+            <a:r>
+              <a:rPr lang="en-US" dirty="0"/>
+              <a:t>Drawn from Radar Triangulation</a:t>
+            </a:r>
+          </a:p>
+          <a:p>
+            <a:pPr lvl="1"/>
+            <a:r>
+              <a:rPr lang="en-US" dirty="0"/>
+              <a:t>Definition: http://encyclopedia2.thefreedictionary.com/</a:t>
+            </a:r>
+            <a:r>
+              <a:rPr lang="en-US" dirty="0" err="1"/>
+              <a:t>radar+triangulation</a:t>
+            </a:r>
+            <a:endParaRPr lang="en-US" dirty="0"/>
+          </a:p>
+          <a:p>
+            <a:r>
+              <a:rPr lang="en-US" dirty="0" smtClean="0"/>
+              <a:t>Triangulation works as follows:</a:t>
+            </a:r>
+          </a:p>
+          <a:p>
+            <a:pPr marL="914400" lvl="1" indent="-457200">
+              <a:buFont typeface="+mj-lt"/>
+              <a:buAutoNum type="arabicPeriod"/>
+            </a:pPr>
+            <a:r>
+              <a:rPr lang="en-US" dirty="0" smtClean="0"/>
+              <a:t>Start </a:t>
+            </a:r>
+            <a:r>
+              <a:rPr lang="en-US" dirty="0"/>
+              <a:t>with obvious implementation</a:t>
+            </a:r>
+          </a:p>
+          <a:p>
+            <a:pPr marL="914400" lvl="1" indent="-457200">
+              <a:buFont typeface="+mj-lt"/>
+              <a:buAutoNum type="arabicPeriod"/>
+            </a:pPr>
+            <a:r>
+              <a:rPr lang="en-US" dirty="0" smtClean="0"/>
+              <a:t>Follow </a:t>
+            </a:r>
+            <a:r>
+              <a:rPr lang="en-US" dirty="0"/>
+              <a:t>up with a general implementation</a:t>
+            </a:r>
+          </a:p>
+          <a:p>
+            <a:r>
+              <a:rPr lang="en-US" dirty="0"/>
+              <a:t>Pushes </a:t>
+            </a:r>
+            <a:r>
+              <a:rPr lang="en-US" dirty="0" smtClean="0"/>
+              <a:t>original implementation </a:t>
+            </a:r>
+            <a:r>
+              <a:rPr lang="en-US" dirty="0"/>
+              <a:t>toward production quality code</a:t>
+            </a:r>
+          </a:p>
+          <a:p>
+            <a:r>
+              <a:rPr lang="en-US" dirty="0"/>
+              <a:t>Potentially monotonous, useful for ambiguous implementations</a:t>
+            </a:r>
+            <a:endParaRPr lang="en-US" dirty="0" smtClean="0"/>
+          </a:p>
+        </p:txBody>
+      </p:sp>
+      <p:sp>
+        <p:nvSpPr>
+          <p:cNvPr id="28" name="TextBox 27"/>
           <p:cNvSpPr txBox="1"/>
           <p:nvPr/>
         </p:nvSpPr>
         <p:spPr>
           <a:xfrm>
-            <a:off x="10717782" y="91414"/>
+            <a:off x="10717781" y="91414"/>
             <a:ext cx="1131977" cy="369332"/>
-          </a:xfrm>
-          <a:prstGeom prst="rect">
-            <a:avLst/>
-          </a:prstGeom>
-          <a:noFill/>
-          <a:ln>
-            <a:solidFill>
-              <a:schemeClr val="accent1"/>
-            </a:solidFill>
-          </a:ln>
-        </p:spPr>
-        <p:txBody>
-          <a:bodyPr wrap="none" rtlCol="0">
-            <a:spAutoFit/>
-          </a:bodyPr>
-          <a:lstStyle/>
-          <a:p>
-            <a:pPr algn="ctr"/>
-            <a:r>
-              <a:rPr lang="en-US" dirty="0" smtClean="0"/>
-              <a:t>Add a test</a:t>
-            </a:r>
-          </a:p>
-        </p:txBody>
-      </p:sp>
-      <p:sp>
-        <p:nvSpPr>
-          <p:cNvPr id="36" name="TextBox 35"/>
-          <p:cNvSpPr txBox="1"/>
-          <p:nvPr/>
-        </p:nvSpPr>
-        <p:spPr>
-          <a:xfrm>
-            <a:off x="11012250" y="799272"/>
-            <a:ext cx="543034" cy="369332"/>
           </a:xfrm>
           <a:prstGeom prst="rect">
             <a:avLst/>
@@ -6844,22 +6819,21 @@
             <a:pPr algn="ctr"/>
             <a:r>
               <a:rPr lang="en-US" dirty="0" smtClean="0"/>
-              <a:t>Red</a:t>
-            </a:r>
-            <a:endParaRPr lang="en-US" dirty="0"/>
-          </a:p>
-        </p:txBody>
-      </p:sp>
-      <p:sp>
-        <p:nvSpPr>
-          <p:cNvPr id="37" name="TextBox 36"/>
+              <a:t>Add a test</a:t>
+            </a:r>
+          </a:p>
+        </p:txBody>
+      </p:sp>
+      <p:sp>
+        <p:nvSpPr>
+          <p:cNvPr id="29" name="TextBox 28"/>
           <p:cNvSpPr txBox="1"/>
           <p:nvPr/>
         </p:nvSpPr>
         <p:spPr>
           <a:xfrm>
-            <a:off x="10903600" y="1500699"/>
-            <a:ext cx="760337" cy="369332"/>
+            <a:off x="11012249" y="799272"/>
+            <a:ext cx="543034" cy="369332"/>
           </a:xfrm>
           <a:prstGeom prst="rect">
             <a:avLst/>
@@ -6880,21 +6854,22 @@
             <a:pPr algn="ctr"/>
             <a:r>
               <a:rPr lang="en-US" dirty="0" smtClean="0"/>
-              <a:t>Green</a:t>
-            </a:r>
-          </a:p>
-        </p:txBody>
-      </p:sp>
-      <p:sp>
-        <p:nvSpPr>
-          <p:cNvPr id="38" name="TextBox 37"/>
+              <a:t>Red</a:t>
+            </a:r>
+            <a:endParaRPr lang="en-US" dirty="0"/>
+          </a:p>
+        </p:txBody>
+      </p:sp>
+      <p:sp>
+        <p:nvSpPr>
+          <p:cNvPr id="30" name="TextBox 29"/>
           <p:cNvSpPr txBox="1"/>
           <p:nvPr/>
         </p:nvSpPr>
         <p:spPr>
           <a:xfrm>
-            <a:off x="10819543" y="2224061"/>
-            <a:ext cx="928460" cy="369332"/>
+            <a:off x="10903599" y="1500699"/>
+            <a:ext cx="760337" cy="369332"/>
           </a:xfrm>
           <a:prstGeom prst="rect">
             <a:avLst/>
@@ -6915,6 +6890,41 @@
             <a:pPr algn="ctr"/>
             <a:r>
               <a:rPr lang="en-US" dirty="0" smtClean="0"/>
+              <a:t>Green</a:t>
+            </a:r>
+          </a:p>
+        </p:txBody>
+      </p:sp>
+      <p:sp>
+        <p:nvSpPr>
+          <p:cNvPr id="31" name="TextBox 30"/>
+          <p:cNvSpPr txBox="1"/>
+          <p:nvPr/>
+        </p:nvSpPr>
+        <p:spPr>
+          <a:xfrm>
+            <a:off x="10819542" y="2224061"/>
+            <a:ext cx="928460" cy="369332"/>
+          </a:xfrm>
+          <a:prstGeom prst="rect">
+            <a:avLst/>
+          </a:prstGeom>
+          <a:noFill/>
+          <a:ln>
+            <a:solidFill>
+              <a:schemeClr val="accent1"/>
+            </a:solidFill>
+          </a:ln>
+        </p:spPr>
+        <p:txBody>
+          <a:bodyPr wrap="none" rtlCol="0">
+            <a:spAutoFit/>
+          </a:bodyPr>
+          <a:lstStyle/>
+          <a:p>
+            <a:pPr algn="ctr"/>
+            <a:r>
+              <a:rPr lang="en-US" dirty="0" smtClean="0"/>
               <a:t>Commit</a:t>
             </a:r>
             <a:endParaRPr lang="en-US" dirty="0"/>
@@ -6923,24 +6933,19 @@
       </p:sp>
       <p:cxnSp>
         <p:nvCxnSpPr>
-          <p:cNvPr id="39" name="Straight Arrow Connector 38"/>
+          <p:cNvPr id="32" name="Straight Arrow Connector 31"/>
           <p:cNvCxnSpPr/>
           <p:nvPr/>
         </p:nvCxnSpPr>
         <p:spPr>
           <a:xfrm flipH="1">
-            <a:off x="11283767" y="460746"/>
+            <a:off x="11283766" y="460746"/>
             <a:ext cx="4" cy="338526"/>
           </a:xfrm>
           <a:prstGeom prst="straightConnector1">
             <a:avLst/>
           </a:prstGeom>
-          <a:ln w="31750">
-            <a:solidFill>
-              <a:schemeClr val="accent6">
-                <a:lumMod val="75000"/>
-              </a:schemeClr>
-            </a:solidFill>
+          <a:ln>
             <a:tailEnd type="triangle"/>
           </a:ln>
         </p:spPr>
@@ -6961,13 +6966,13 @@
       </p:cxnSp>
       <p:cxnSp>
         <p:nvCxnSpPr>
-          <p:cNvPr id="40" name="Straight Arrow Connector 39"/>
+          <p:cNvPr id="33" name="Straight Arrow Connector 32"/>
           <p:cNvCxnSpPr/>
           <p:nvPr/>
         </p:nvCxnSpPr>
         <p:spPr>
           <a:xfrm flipH="1">
-            <a:off x="11283761" y="1165539"/>
+            <a:off x="11283760" y="1165539"/>
             <a:ext cx="4" cy="338526"/>
           </a:xfrm>
           <a:prstGeom prst="straightConnector1">
@@ -6994,13 +6999,13 @@
       </p:cxnSp>
       <p:cxnSp>
         <p:nvCxnSpPr>
-          <p:cNvPr id="41" name="Straight Arrow Connector 40"/>
+          <p:cNvPr id="34" name="Straight Arrow Connector 33"/>
           <p:cNvCxnSpPr/>
           <p:nvPr/>
         </p:nvCxnSpPr>
         <p:spPr>
           <a:xfrm flipH="1">
-            <a:off x="11283757" y="1876673"/>
+            <a:off x="11283756" y="1876673"/>
             <a:ext cx="4" cy="338526"/>
           </a:xfrm>
           <a:prstGeom prst="straightConnector1">
@@ -7027,13 +7032,13 @@
       </p:cxnSp>
       <p:cxnSp>
         <p:nvCxnSpPr>
-          <p:cNvPr id="42" name="Straight Arrow Connector 41"/>
+          <p:cNvPr id="35" name="Straight Arrow Connector 34"/>
           <p:cNvCxnSpPr/>
           <p:nvPr/>
         </p:nvCxnSpPr>
         <p:spPr>
           <a:xfrm flipH="1">
-            <a:off x="11295481" y="2591777"/>
+            <a:off x="11295480" y="2591777"/>
             <a:ext cx="4" cy="338526"/>
           </a:xfrm>
           <a:prstGeom prst="straightConnector1">
@@ -7060,13 +7065,13 @@
       </p:cxnSp>
       <p:sp>
         <p:nvSpPr>
-          <p:cNvPr id="43" name="TextBox 42"/>
+          <p:cNvPr id="36" name="TextBox 35"/>
           <p:cNvSpPr txBox="1"/>
           <p:nvPr/>
         </p:nvSpPr>
         <p:spPr>
           <a:xfrm>
-            <a:off x="10821813" y="2920630"/>
+            <a:off x="10821812" y="2920630"/>
             <a:ext cx="970780" cy="369332"/>
           </a:xfrm>
           <a:prstGeom prst="rect">
@@ -7096,13 +7101,13 @@
       </p:sp>
       <p:cxnSp>
         <p:nvCxnSpPr>
-          <p:cNvPr id="44" name="Elbow Connector 43"/>
+          <p:cNvPr id="37" name="Elbow Connector 36"/>
           <p:cNvCxnSpPr/>
           <p:nvPr/>
         </p:nvCxnSpPr>
         <p:spPr>
           <a:xfrm flipV="1">
-            <a:off x="11792593" y="276080"/>
+            <a:off x="11792592" y="276080"/>
             <a:ext cx="57166" cy="2829216"/>
           </a:xfrm>
           <a:prstGeom prst="bentConnector3">
@@ -7110,7 +7115,12 @@
               <a:gd name="adj1" fmla="val 499888"/>
             </a:avLst>
           </a:prstGeom>
-          <a:ln>
+          <a:ln w="31750">
+            <a:solidFill>
+              <a:schemeClr val="accent6">
+                <a:lumMod val="75000"/>
+              </a:schemeClr>
+            </a:solidFill>
             <a:tailEnd type="triangle"/>
           </a:ln>
         </p:spPr>
@@ -7131,13 +7141,13 @@
       </p:cxnSp>
       <p:cxnSp>
         <p:nvCxnSpPr>
-          <p:cNvPr id="45" name="Elbow Connector 44"/>
+          <p:cNvPr id="38" name="Elbow Connector 37"/>
           <p:cNvCxnSpPr/>
           <p:nvPr/>
         </p:nvCxnSpPr>
         <p:spPr>
           <a:xfrm rot="10800000" flipH="1">
-            <a:off x="10821812" y="1685366"/>
+            <a:off x="10821811" y="1685366"/>
             <a:ext cx="81787" cy="1419931"/>
           </a:xfrm>
           <a:prstGeom prst="bentConnector3">
@@ -7167,13 +7177,20 @@
     </p:spTree>
     <p:extLst>
       <p:ext uri="{BB962C8B-B14F-4D97-AF65-F5344CB8AC3E}">
-        <p14:creationId xmlns:p14="http://schemas.microsoft.com/office/powerpoint/2010/main" val="176814325"/>
+        <p14:creationId xmlns:p14="http://schemas.microsoft.com/office/powerpoint/2010/main" val="1942138552"/>
       </p:ext>
     </p:extLst>
   </p:cSld>
   <p:clrMapOvr>
     <a:masterClrMapping/>
   </p:clrMapOvr>
+  <p:timing>
+    <p:tnLst>
+      <p:par>
+        <p:cTn id="1" dur="indefinite" restart="never" nodeType="tmRoot"/>
+      </p:par>
+    </p:tnLst>
+  </p:timing>
 </p:sld>
 </file>
 
@@ -7211,7 +7228,7 @@
           <a:p>
             <a:r>
               <a:rPr lang="en-US" dirty="0" smtClean="0"/>
-              <a:t>Green</a:t>
+              <a:t>Red</a:t>
             </a:r>
             <a:endParaRPr lang="en-US" dirty="0"/>
           </a:p>
@@ -7229,27 +7246,43 @@
         </p:nvSpPr>
         <p:spPr/>
         <p:txBody>
-          <a:bodyPr>
-            <a:normAutofit/>
-          </a:bodyPr>
-          <a:lstStyle/>
-          <a:p>
-            <a:r>
-              <a:rPr lang="en-US" dirty="0" smtClean="0"/>
-              <a:t>Make a small change to pass the failing test</a:t>
-            </a:r>
-          </a:p>
-          <a:p>
-            <a:r>
-              <a:rPr lang="en-US" dirty="0" smtClean="0"/>
-              <a:t>If triangulating, you’ll likely remove previous hard coding</a:t>
-            </a:r>
-          </a:p>
-        </p:txBody>
-      </p:sp>
-      <p:sp>
-        <p:nvSpPr>
-          <p:cNvPr id="4" name="TextBox 3"/>
+          <a:bodyPr/>
+          <a:lstStyle/>
+          <a:p>
+            <a:r>
+              <a:rPr lang="en-US" dirty="0" smtClean="0"/>
+              <a:t>Run the test, ensuring it fails</a:t>
+            </a:r>
+          </a:p>
+          <a:p>
+            <a:r>
+              <a:rPr lang="en-US" dirty="0" smtClean="0"/>
+              <a:t>If it doesn’t fail, change it so it does</a:t>
+            </a:r>
+          </a:p>
+          <a:p>
+            <a:r>
+              <a:rPr lang="en-US" dirty="0" smtClean="0"/>
+              <a:t>If you’re still unable to: identify what you’re trying to test</a:t>
+            </a:r>
+          </a:p>
+          <a:p>
+            <a:r>
+              <a:rPr lang="en-US" dirty="0" smtClean="0"/>
+              <a:t>Devise a new test that does fail</a:t>
+            </a:r>
+          </a:p>
+          <a:p>
+            <a:r>
+              <a:rPr lang="en-US" dirty="0" smtClean="0"/>
+              <a:t>Test is to result in a small increment of new functionality</a:t>
+            </a:r>
+          </a:p>
+        </p:txBody>
+      </p:sp>
+      <p:sp>
+        <p:nvSpPr>
+          <p:cNvPr id="35" name="TextBox 34"/>
           <p:cNvSpPr txBox="1"/>
           <p:nvPr/>
         </p:nvSpPr>
@@ -7284,7 +7317,7 @@
       </p:sp>
       <p:sp>
         <p:nvSpPr>
-          <p:cNvPr id="5" name="TextBox 4"/>
+          <p:cNvPr id="36" name="TextBox 35"/>
           <p:cNvSpPr txBox="1"/>
           <p:nvPr/>
         </p:nvSpPr>
@@ -7292,42 +7325,6 @@
           <a:xfrm>
             <a:off x="11012250" y="799272"/>
             <a:ext cx="543034" cy="369332"/>
-          </a:xfrm>
-          <a:prstGeom prst="rect">
-            <a:avLst/>
-          </a:prstGeom>
-          <a:noFill/>
-          <a:ln>
-            <a:solidFill>
-              <a:schemeClr val="accent1"/>
-            </a:solidFill>
-          </a:ln>
-        </p:spPr>
-        <p:txBody>
-          <a:bodyPr wrap="none" rtlCol="0">
-            <a:spAutoFit/>
-          </a:bodyPr>
-          <a:lstStyle/>
-          <a:p>
-            <a:pPr algn="ctr"/>
-            <a:r>
-              <a:rPr lang="en-US" dirty="0" smtClean="0"/>
-              <a:t>Red</a:t>
-            </a:r>
-            <a:endParaRPr lang="en-US" dirty="0"/>
-          </a:p>
-        </p:txBody>
-      </p:sp>
-      <p:sp>
-        <p:nvSpPr>
-          <p:cNvPr id="6" name="TextBox 5"/>
-          <p:cNvSpPr txBox="1"/>
-          <p:nvPr/>
-        </p:nvSpPr>
-        <p:spPr>
-          <a:xfrm>
-            <a:off x="10903600" y="1500699"/>
-            <a:ext cx="760337" cy="369332"/>
           </a:xfrm>
           <a:prstGeom prst="rect">
             <a:avLst/>
@@ -7353,6 +7350,42 @@
             <a:pPr algn="ctr"/>
             <a:r>
               <a:rPr lang="en-US" dirty="0" smtClean="0"/>
+              <a:t>Red</a:t>
+            </a:r>
+            <a:endParaRPr lang="en-US" dirty="0"/>
+          </a:p>
+        </p:txBody>
+      </p:sp>
+      <p:sp>
+        <p:nvSpPr>
+          <p:cNvPr id="37" name="TextBox 36"/>
+          <p:cNvSpPr txBox="1"/>
+          <p:nvPr/>
+        </p:nvSpPr>
+        <p:spPr>
+          <a:xfrm>
+            <a:off x="10903600" y="1500699"/>
+            <a:ext cx="760337" cy="369332"/>
+          </a:xfrm>
+          <a:prstGeom prst="rect">
+            <a:avLst/>
+          </a:prstGeom>
+          <a:noFill/>
+          <a:ln>
+            <a:solidFill>
+              <a:schemeClr val="accent1"/>
+            </a:solidFill>
+          </a:ln>
+        </p:spPr>
+        <p:txBody>
+          <a:bodyPr wrap="none" rtlCol="0">
+            <a:spAutoFit/>
+          </a:bodyPr>
+          <a:lstStyle/>
+          <a:p>
+            <a:pPr algn="ctr"/>
+            <a:r>
+              <a:rPr lang="en-US" dirty="0" smtClean="0"/>
               <a:t>Green</a:t>
             </a:r>
           </a:p>
@@ -7360,7 +7393,7 @@
       </p:sp>
       <p:sp>
         <p:nvSpPr>
-          <p:cNvPr id="7" name="TextBox 6"/>
+          <p:cNvPr id="38" name="TextBox 37"/>
           <p:cNvSpPr txBox="1"/>
           <p:nvPr/>
         </p:nvSpPr>
@@ -7396,7 +7429,7 @@
       </p:sp>
       <p:cxnSp>
         <p:nvCxnSpPr>
-          <p:cNvPr id="8" name="Straight Arrow Connector 7"/>
+          <p:cNvPr id="39" name="Straight Arrow Connector 38"/>
           <p:cNvCxnSpPr/>
           <p:nvPr/>
         </p:nvCxnSpPr>
@@ -7408,7 +7441,12 @@
           <a:prstGeom prst="straightConnector1">
             <a:avLst/>
           </a:prstGeom>
-          <a:ln>
+          <a:ln w="31750">
+            <a:solidFill>
+              <a:schemeClr val="accent6">
+                <a:lumMod val="75000"/>
+              </a:schemeClr>
+            </a:solidFill>
             <a:tailEnd type="triangle"/>
           </a:ln>
         </p:spPr>
@@ -7429,7 +7467,7 @@
       </p:cxnSp>
       <p:cxnSp>
         <p:nvCxnSpPr>
-          <p:cNvPr id="9" name="Straight Arrow Connector 8"/>
+          <p:cNvPr id="40" name="Straight Arrow Connector 39"/>
           <p:cNvCxnSpPr/>
           <p:nvPr/>
         </p:nvCxnSpPr>
@@ -7441,12 +7479,7 @@
           <a:prstGeom prst="straightConnector1">
             <a:avLst/>
           </a:prstGeom>
-          <a:ln w="31750">
-            <a:solidFill>
-              <a:schemeClr val="accent6">
-                <a:lumMod val="75000"/>
-              </a:schemeClr>
-            </a:solidFill>
+          <a:ln>
             <a:tailEnd type="triangle"/>
           </a:ln>
         </p:spPr>
@@ -7467,7 +7500,7 @@
       </p:cxnSp>
       <p:cxnSp>
         <p:nvCxnSpPr>
-          <p:cNvPr id="10" name="Straight Arrow Connector 9"/>
+          <p:cNvPr id="41" name="Straight Arrow Connector 40"/>
           <p:cNvCxnSpPr/>
           <p:nvPr/>
         </p:nvCxnSpPr>
@@ -7500,7 +7533,7 @@
       </p:cxnSp>
       <p:cxnSp>
         <p:nvCxnSpPr>
-          <p:cNvPr id="11" name="Straight Arrow Connector 10"/>
+          <p:cNvPr id="42" name="Straight Arrow Connector 41"/>
           <p:cNvCxnSpPr/>
           <p:nvPr/>
         </p:nvCxnSpPr>
@@ -7533,7 +7566,7 @@
       </p:cxnSp>
       <p:sp>
         <p:nvSpPr>
-          <p:cNvPr id="12" name="TextBox 11"/>
+          <p:cNvPr id="43" name="TextBox 42"/>
           <p:cNvSpPr txBox="1"/>
           <p:nvPr/>
         </p:nvSpPr>
@@ -7569,7 +7602,7 @@
       </p:sp>
       <p:cxnSp>
         <p:nvCxnSpPr>
-          <p:cNvPr id="13" name="Elbow Connector 12"/>
+          <p:cNvPr id="44" name="Elbow Connector 43"/>
           <p:cNvCxnSpPr/>
           <p:nvPr/>
         </p:nvCxnSpPr>
@@ -7604,7 +7637,7 @@
       </p:cxnSp>
       <p:cxnSp>
         <p:nvCxnSpPr>
-          <p:cNvPr id="14" name="Elbow Connector 13"/>
+          <p:cNvPr id="45" name="Elbow Connector 44"/>
           <p:cNvCxnSpPr/>
           <p:nvPr/>
         </p:nvCxnSpPr>
@@ -7640,13 +7673,20 @@
     </p:spTree>
     <p:extLst>
       <p:ext uri="{BB962C8B-B14F-4D97-AF65-F5344CB8AC3E}">
-        <p14:creationId xmlns:p14="http://schemas.microsoft.com/office/powerpoint/2010/main" val="1748476474"/>
+        <p14:creationId xmlns:p14="http://schemas.microsoft.com/office/powerpoint/2010/main" val="176814325"/>
       </p:ext>
     </p:extLst>
   </p:cSld>
   <p:clrMapOvr>
     <a:masterClrMapping/>
   </p:clrMapOvr>
+  <p:timing>
+    <p:tnLst>
+      <p:par>
+        <p:cTn id="1" dur="indefinite" restart="never" nodeType="tmRoot"/>
+      </p:par>
+    </p:tnLst>
+  </p:timing>
 </p:sld>
 </file>
 
@@ -7772,6 +7812,13 @@
   <p:clrMapOvr>
     <a:masterClrMapping/>
   </p:clrMapOvr>
+  <p:timing>
+    <p:tnLst>
+      <p:par>
+        <p:cTn id="1" dur="indefinite" restart="never" nodeType="tmRoot"/>
+      </p:par>
+    </p:tnLst>
+  </p:timing>
 </p:sld>
 </file>
 
@@ -7809,7 +7856,7 @@
           <a:p>
             <a:r>
               <a:rPr lang="en-US" dirty="0" smtClean="0"/>
-              <a:t>Commit</a:t>
+              <a:t>Green</a:t>
             </a:r>
             <a:endParaRPr lang="en-US" dirty="0"/>
           </a:p>
@@ -7825,25 +7872,22 @@
             <p:ph idx="1"/>
           </p:nvPr>
         </p:nvSpPr>
-        <p:spPr>
-          <a:xfrm>
-            <a:off x="838200" y="1825625"/>
-            <a:ext cx="9612882" cy="4351338"/>
-          </a:xfrm>
-        </p:spPr>
-        <p:txBody>
-          <a:bodyPr/>
-          <a:lstStyle/>
-          <a:p>
-            <a:r>
-              <a:rPr lang="en-US" dirty="0" smtClean="0"/>
-              <a:t>Small commits are the goal</a:t>
-            </a:r>
-          </a:p>
-          <a:p>
-            <a:r>
-              <a:rPr lang="en-US" dirty="0" smtClean="0"/>
-              <a:t>Destroy the current task if code is production ready</a:t>
+        <p:spPr/>
+        <p:txBody>
+          <a:bodyPr>
+            <a:normAutofit/>
+          </a:bodyPr>
+          <a:lstStyle/>
+          <a:p>
+            <a:r>
+              <a:rPr lang="en-US" dirty="0" smtClean="0"/>
+              <a:t>Make a small change to pass the failing test</a:t>
+            </a:r>
+          </a:p>
+          <a:p>
+            <a:r>
+              <a:rPr lang="en-US" dirty="0" smtClean="0"/>
+              <a:t>If triangulating, you’ll likely remove previous hard coding</a:t>
             </a:r>
           </a:p>
         </p:txBody>
@@ -7929,41 +7973,6 @@
           <a:xfrm>
             <a:off x="10903600" y="1500699"/>
             <a:ext cx="760337" cy="369332"/>
-          </a:xfrm>
-          <a:prstGeom prst="rect">
-            <a:avLst/>
-          </a:prstGeom>
-          <a:noFill/>
-          <a:ln>
-            <a:solidFill>
-              <a:schemeClr val="accent1"/>
-            </a:solidFill>
-          </a:ln>
-        </p:spPr>
-        <p:txBody>
-          <a:bodyPr wrap="none" rtlCol="0">
-            <a:spAutoFit/>
-          </a:bodyPr>
-          <a:lstStyle/>
-          <a:p>
-            <a:pPr algn="ctr"/>
-            <a:r>
-              <a:rPr lang="en-US" dirty="0" smtClean="0"/>
-              <a:t>Green</a:t>
-            </a:r>
-          </a:p>
-        </p:txBody>
-      </p:sp>
-      <p:sp>
-        <p:nvSpPr>
-          <p:cNvPr id="7" name="TextBox 6"/>
-          <p:cNvSpPr txBox="1"/>
-          <p:nvPr/>
-        </p:nvSpPr>
-        <p:spPr>
-          <a:xfrm>
-            <a:off x="10819543" y="2224061"/>
-            <a:ext cx="928460" cy="369332"/>
           </a:xfrm>
           <a:prstGeom prst="rect">
             <a:avLst/>
@@ -7974,6 +7983,41 @@
               <a:lumOff val="80000"/>
             </a:schemeClr>
           </a:solidFill>
+          <a:ln>
+            <a:solidFill>
+              <a:schemeClr val="accent1"/>
+            </a:solidFill>
+          </a:ln>
+        </p:spPr>
+        <p:txBody>
+          <a:bodyPr wrap="none" rtlCol="0">
+            <a:spAutoFit/>
+          </a:bodyPr>
+          <a:lstStyle/>
+          <a:p>
+            <a:pPr algn="ctr"/>
+            <a:r>
+              <a:rPr lang="en-US" dirty="0" smtClean="0"/>
+              <a:t>Green</a:t>
+            </a:r>
+          </a:p>
+        </p:txBody>
+      </p:sp>
+      <p:sp>
+        <p:nvSpPr>
+          <p:cNvPr id="7" name="TextBox 6"/>
+          <p:cNvSpPr txBox="1"/>
+          <p:nvPr/>
+        </p:nvSpPr>
+        <p:spPr>
+          <a:xfrm>
+            <a:off x="10819543" y="2224061"/>
+            <a:ext cx="928460" cy="369332"/>
+          </a:xfrm>
+          <a:prstGeom prst="rect">
+            <a:avLst/>
+          </a:prstGeom>
+          <a:noFill/>
           <a:ln>
             <a:solidFill>
               <a:schemeClr val="accent1"/>
@@ -8042,7 +8086,12 @@
           <a:prstGeom prst="straightConnector1">
             <a:avLst/>
           </a:prstGeom>
-          <a:ln>
+          <a:ln w="31750">
+            <a:solidFill>
+              <a:schemeClr val="accent6">
+                <a:lumMod val="75000"/>
+              </a:schemeClr>
+            </a:solidFill>
             <a:tailEnd type="triangle"/>
           </a:ln>
         </p:spPr>
@@ -8075,12 +8124,7 @@
           <a:prstGeom prst="straightConnector1">
             <a:avLst/>
           </a:prstGeom>
-          <a:ln w="31750">
-            <a:solidFill>
-              <a:schemeClr val="accent6">
-                <a:lumMod val="75000"/>
-              </a:schemeClr>
-            </a:solidFill>
+          <a:ln>
             <a:tailEnd type="triangle"/>
           </a:ln>
         </p:spPr>
@@ -8241,13 +8285,20 @@
     </p:spTree>
     <p:extLst>
       <p:ext uri="{BB962C8B-B14F-4D97-AF65-F5344CB8AC3E}">
-        <p14:creationId xmlns:p14="http://schemas.microsoft.com/office/powerpoint/2010/main" val="477872970"/>
+        <p14:creationId xmlns:p14="http://schemas.microsoft.com/office/powerpoint/2010/main" val="1748476474"/>
       </p:ext>
     </p:extLst>
   </p:cSld>
   <p:clrMapOvr>
     <a:masterClrMapping/>
   </p:clrMapOvr>
+  <p:timing>
+    <p:tnLst>
+      <p:par>
+        <p:cTn id="1" dur="indefinite" restart="never" nodeType="tmRoot"/>
+      </p:par>
+    </p:tnLst>
+  </p:timing>
 </p:sld>
 </file>
 
@@ -8285,7 +8336,7 @@
           <a:p>
             <a:r>
               <a:rPr lang="en-US" dirty="0" smtClean="0"/>
-              <a:t>Refactor</a:t>
+              <a:t>Commit</a:t>
             </a:r>
             <a:endParaRPr lang="en-US" dirty="0"/>
           </a:p>
@@ -8312,18 +8363,14 @@
           <a:lstStyle/>
           <a:p>
             <a:r>
-              <a:rPr lang="en-US" dirty="0"/>
-              <a:t>As a system </a:t>
-            </a:r>
-            <a:r>
-              <a:rPr lang="en-US" dirty="0" smtClean="0"/>
-              <a:t>evolves, test semantics may change, such tests require renaming</a:t>
-            </a:r>
-          </a:p>
-          <a:p>
-            <a:r>
-              <a:rPr lang="en-US" dirty="0" smtClean="0"/>
-              <a:t>At this point there is likely to be little code to refactor</a:t>
+              <a:rPr lang="en-US" dirty="0" smtClean="0"/>
+              <a:t>Small commits are the goal</a:t>
+            </a:r>
+          </a:p>
+          <a:p>
+            <a:r>
+              <a:rPr lang="en-US" dirty="0" smtClean="0"/>
+              <a:t>Destroy the current task if code is production ready</a:t>
             </a:r>
           </a:p>
         </p:txBody>
@@ -8448,7 +8495,12 @@
           <a:prstGeom prst="rect">
             <a:avLst/>
           </a:prstGeom>
-          <a:noFill/>
+          <a:solidFill>
+            <a:schemeClr val="accent4">
+              <a:lumMod val="20000"/>
+              <a:lumOff val="80000"/>
+            </a:schemeClr>
+          </a:solidFill>
           <a:ln>
             <a:solidFill>
               <a:schemeClr val="accent1"/>
@@ -8550,7 +8602,12 @@
           <a:prstGeom prst="straightConnector1">
             <a:avLst/>
           </a:prstGeom>
-          <a:ln>
+          <a:ln w="31750">
+            <a:solidFill>
+              <a:schemeClr val="accent6">
+                <a:lumMod val="75000"/>
+              </a:schemeClr>
+            </a:solidFill>
             <a:tailEnd type="triangle"/>
           </a:ln>
         </p:spPr>
@@ -8583,12 +8640,7 @@
           <a:prstGeom prst="straightConnector1">
             <a:avLst/>
           </a:prstGeom>
-          <a:ln w="31750">
-            <a:solidFill>
-              <a:schemeClr val="accent6">
-                <a:lumMod val="75000"/>
-              </a:schemeClr>
-            </a:solidFill>
+          <a:ln>
             <a:tailEnd type="triangle"/>
           </a:ln>
         </p:spPr>
@@ -8621,12 +8673,7 @@
           <a:prstGeom prst="rect">
             <a:avLst/>
           </a:prstGeom>
-          <a:solidFill>
-            <a:schemeClr val="accent4">
-              <a:lumMod val="20000"/>
-              <a:lumOff val="80000"/>
-            </a:schemeClr>
-          </a:solidFill>
+          <a:noFill/>
           <a:ln>
             <a:solidFill>
               <a:schemeClr val="accent1"/>
@@ -8641,7 +8688,7 @@
           <a:p>
             <a:pPr algn="ctr"/>
             <a:r>
-              <a:rPr lang="en-US" dirty="0" smtClean="0"/>
+              <a:rPr lang="en-US" smtClean="0"/>
               <a:t>Refactor</a:t>
             </a:r>
             <a:endParaRPr lang="en-US" dirty="0"/>
@@ -8721,13 +8768,20 @@
     </p:spTree>
     <p:extLst>
       <p:ext uri="{BB962C8B-B14F-4D97-AF65-F5344CB8AC3E}">
-        <p14:creationId xmlns:p14="http://schemas.microsoft.com/office/powerpoint/2010/main" val="22167010"/>
+        <p14:creationId xmlns:p14="http://schemas.microsoft.com/office/powerpoint/2010/main" val="477872970"/>
       </p:ext>
     </p:extLst>
   </p:cSld>
   <p:clrMapOvr>
     <a:masterClrMapping/>
   </p:clrMapOvr>
+  <p:timing>
+    <p:tnLst>
+      <p:par>
+        <p:cTn id="1" dur="indefinite" restart="never" nodeType="tmRoot"/>
+      </p:par>
+    </p:tnLst>
+  </p:timing>
 </p:sld>
 </file>
 
@@ -8765,7 +8819,7 @@
           <a:p>
             <a:r>
               <a:rPr lang="en-US" dirty="0" smtClean="0"/>
-              <a:t>Add a test</a:t>
+              <a:t>Refactor</a:t>
             </a:r>
             <a:endParaRPr lang="en-US" dirty="0"/>
           </a:p>
@@ -8781,60 +8835,48 @@
             <p:ph idx="1"/>
           </p:nvPr>
         </p:nvSpPr>
-        <p:spPr/>
-        <p:txBody>
-          <a:bodyPr>
-            <a:normAutofit/>
-          </a:bodyPr>
-          <a:lstStyle/>
-          <a:p>
-            <a:r>
-              <a:rPr lang="en-US" dirty="0" smtClean="0"/>
-              <a:t>Find the next simple task</a:t>
-            </a:r>
-          </a:p>
-          <a:p>
-            <a:r>
-              <a:rPr lang="en-US" dirty="0" smtClean="0"/>
-              <a:t>Write the simplest failing test you can think of</a:t>
-            </a:r>
-          </a:p>
-          <a:p>
-            <a:r>
-              <a:rPr lang="en-US" dirty="0" smtClean="0"/>
-              <a:t>Make it </a:t>
-            </a:r>
-            <a:r>
-              <a:rPr lang="en-US" dirty="0" err="1" smtClean="0"/>
-              <a:t>compilable</a:t>
-            </a:r>
-            <a:r>
-              <a:rPr lang="en-US" dirty="0" smtClean="0"/>
-              <a:t> or runnable</a:t>
-            </a:r>
-          </a:p>
-        </p:txBody>
-      </p:sp>
-      <p:sp>
-        <p:nvSpPr>
-          <p:cNvPr id="28" name="TextBox 27"/>
+        <p:spPr>
+          <a:xfrm>
+            <a:off x="838200" y="1825625"/>
+            <a:ext cx="9612882" cy="4351338"/>
+          </a:xfrm>
+        </p:spPr>
+        <p:txBody>
+          <a:bodyPr/>
+          <a:lstStyle/>
+          <a:p>
+            <a:r>
+              <a:rPr lang="en-US" dirty="0"/>
+              <a:t>As a system </a:t>
+            </a:r>
+            <a:r>
+              <a:rPr lang="en-US" dirty="0" smtClean="0"/>
+              <a:t>evolves, test semantics may change, such tests require renaming</a:t>
+            </a:r>
+          </a:p>
+          <a:p>
+            <a:r>
+              <a:rPr lang="en-US" dirty="0" smtClean="0"/>
+              <a:t>At this point there is likely to be little code to refactor</a:t>
+            </a:r>
+          </a:p>
+        </p:txBody>
+      </p:sp>
+      <p:sp>
+        <p:nvSpPr>
+          <p:cNvPr id="4" name="TextBox 3"/>
           <p:cNvSpPr txBox="1"/>
           <p:nvPr/>
         </p:nvSpPr>
         <p:spPr>
           <a:xfrm>
-            <a:off x="10717781" y="91414"/>
+            <a:off x="10717782" y="91414"/>
             <a:ext cx="1131977" cy="369332"/>
           </a:xfrm>
           <a:prstGeom prst="rect">
             <a:avLst/>
           </a:prstGeom>
-          <a:solidFill>
-            <a:schemeClr val="accent4">
-              <a:lumMod val="20000"/>
-              <a:lumOff val="80000"/>
-            </a:schemeClr>
-          </a:solidFill>
+          <a:noFill/>
           <a:ln>
             <a:solidFill>
               <a:schemeClr val="accent1"/>
@@ -8857,13 +8899,13 @@
       </p:sp>
       <p:sp>
         <p:nvSpPr>
-          <p:cNvPr id="29" name="TextBox 28"/>
+          <p:cNvPr id="5" name="TextBox 4"/>
           <p:cNvSpPr txBox="1"/>
           <p:nvPr/>
         </p:nvSpPr>
         <p:spPr>
           <a:xfrm>
-            <a:off x="11012249" y="799272"/>
+            <a:off x="11012250" y="799272"/>
             <a:ext cx="543034" cy="369332"/>
           </a:xfrm>
           <a:prstGeom prst="rect">
@@ -8893,13 +8935,13 @@
       </p:sp>
       <p:sp>
         <p:nvSpPr>
-          <p:cNvPr id="30" name="TextBox 29"/>
+          <p:cNvPr id="6" name="TextBox 5"/>
           <p:cNvSpPr txBox="1"/>
           <p:nvPr/>
         </p:nvSpPr>
         <p:spPr>
           <a:xfrm>
-            <a:off x="10903599" y="1500699"/>
+            <a:off x="10903600" y="1500699"/>
             <a:ext cx="760337" cy="369332"/>
           </a:xfrm>
           <a:prstGeom prst="rect">
@@ -8928,13 +8970,13 @@
       </p:sp>
       <p:sp>
         <p:nvSpPr>
-          <p:cNvPr id="31" name="TextBox 30"/>
+          <p:cNvPr id="7" name="TextBox 6"/>
           <p:cNvSpPr txBox="1"/>
           <p:nvPr/>
         </p:nvSpPr>
         <p:spPr>
           <a:xfrm>
-            <a:off x="10819542" y="2224061"/>
+            <a:off x="10819543" y="2224061"/>
             <a:ext cx="928460" cy="369332"/>
           </a:xfrm>
           <a:prstGeom prst="rect">
@@ -8964,13 +9006,13 @@
       </p:sp>
       <p:cxnSp>
         <p:nvCxnSpPr>
-          <p:cNvPr id="32" name="Straight Arrow Connector 31"/>
+          <p:cNvPr id="8" name="Straight Arrow Connector 7"/>
           <p:cNvCxnSpPr/>
           <p:nvPr/>
         </p:nvCxnSpPr>
         <p:spPr>
           <a:xfrm flipH="1">
-            <a:off x="11283766" y="460746"/>
+            <a:off x="11283767" y="460746"/>
             <a:ext cx="4" cy="338526"/>
           </a:xfrm>
           <a:prstGeom prst="straightConnector1">
@@ -8997,13 +9039,13 @@
       </p:cxnSp>
       <p:cxnSp>
         <p:nvCxnSpPr>
-          <p:cNvPr id="33" name="Straight Arrow Connector 32"/>
+          <p:cNvPr id="9" name="Straight Arrow Connector 8"/>
           <p:cNvCxnSpPr/>
           <p:nvPr/>
         </p:nvCxnSpPr>
         <p:spPr>
           <a:xfrm flipH="1">
-            <a:off x="11283760" y="1165539"/>
+            <a:off x="11283761" y="1165539"/>
             <a:ext cx="4" cy="338526"/>
           </a:xfrm>
           <a:prstGeom prst="straightConnector1">
@@ -9030,13 +9072,13 @@
       </p:cxnSp>
       <p:cxnSp>
         <p:nvCxnSpPr>
-          <p:cNvPr id="34" name="Straight Arrow Connector 33"/>
+          <p:cNvPr id="10" name="Straight Arrow Connector 9"/>
           <p:cNvCxnSpPr/>
           <p:nvPr/>
         </p:nvCxnSpPr>
         <p:spPr>
           <a:xfrm flipH="1">
-            <a:off x="11283756" y="1876673"/>
+            <a:off x="11283757" y="1876673"/>
             <a:ext cx="4" cy="338526"/>
           </a:xfrm>
           <a:prstGeom prst="straightConnector1">
@@ -9063,19 +9105,24 @@
       </p:cxnSp>
       <p:cxnSp>
         <p:nvCxnSpPr>
-          <p:cNvPr id="35" name="Straight Arrow Connector 34"/>
+          <p:cNvPr id="11" name="Straight Arrow Connector 10"/>
           <p:cNvCxnSpPr/>
           <p:nvPr/>
         </p:nvCxnSpPr>
         <p:spPr>
           <a:xfrm flipH="1">
-            <a:off x="11295480" y="2591777"/>
+            <a:off x="11295481" y="2591777"/>
             <a:ext cx="4" cy="338526"/>
           </a:xfrm>
           <a:prstGeom prst="straightConnector1">
             <a:avLst/>
           </a:prstGeom>
-          <a:ln>
+          <a:ln w="31750">
+            <a:solidFill>
+              <a:schemeClr val="accent6">
+                <a:lumMod val="75000"/>
+              </a:schemeClr>
+            </a:solidFill>
             <a:tailEnd type="triangle"/>
           </a:ln>
         </p:spPr>
@@ -9096,19 +9143,24 @@
       </p:cxnSp>
       <p:sp>
         <p:nvSpPr>
-          <p:cNvPr id="36" name="TextBox 35"/>
+          <p:cNvPr id="12" name="TextBox 11"/>
           <p:cNvSpPr txBox="1"/>
           <p:nvPr/>
         </p:nvSpPr>
         <p:spPr>
           <a:xfrm>
-            <a:off x="10821812" y="2920630"/>
+            <a:off x="10821813" y="2920630"/>
             <a:ext cx="970780" cy="369332"/>
           </a:xfrm>
           <a:prstGeom prst="rect">
             <a:avLst/>
           </a:prstGeom>
-          <a:noFill/>
+          <a:solidFill>
+            <a:schemeClr val="accent4">
+              <a:lumMod val="20000"/>
+              <a:lumOff val="80000"/>
+            </a:schemeClr>
+          </a:solidFill>
           <a:ln>
             <a:solidFill>
               <a:schemeClr val="accent1"/>
@@ -9123,7 +9175,7 @@
           <a:p>
             <a:pPr algn="ctr"/>
             <a:r>
-              <a:rPr lang="en-US" smtClean="0"/>
+              <a:rPr lang="en-US" dirty="0" smtClean="0"/>
               <a:t>Refactor</a:t>
             </a:r>
             <a:endParaRPr lang="en-US" dirty="0"/>
@@ -9132,13 +9184,13 @@
       </p:sp>
       <p:cxnSp>
         <p:nvCxnSpPr>
-          <p:cNvPr id="37" name="Elbow Connector 36"/>
+          <p:cNvPr id="13" name="Elbow Connector 12"/>
           <p:cNvCxnSpPr/>
           <p:nvPr/>
         </p:nvCxnSpPr>
         <p:spPr>
           <a:xfrm flipV="1">
-            <a:off x="11792592" y="276080"/>
+            <a:off x="11792593" y="276080"/>
             <a:ext cx="57166" cy="2829216"/>
           </a:xfrm>
           <a:prstGeom prst="bentConnector3">
@@ -9146,12 +9198,7 @@
               <a:gd name="adj1" fmla="val 499888"/>
             </a:avLst>
           </a:prstGeom>
-          <a:ln w="31750">
-            <a:solidFill>
-              <a:schemeClr val="accent6">
-                <a:lumMod val="75000"/>
-              </a:schemeClr>
-            </a:solidFill>
+          <a:ln>
             <a:tailEnd type="triangle"/>
           </a:ln>
         </p:spPr>
@@ -9172,13 +9219,13 @@
       </p:cxnSp>
       <p:cxnSp>
         <p:nvCxnSpPr>
-          <p:cNvPr id="38" name="Elbow Connector 37"/>
+          <p:cNvPr id="14" name="Elbow Connector 13"/>
           <p:cNvCxnSpPr/>
           <p:nvPr/>
         </p:nvCxnSpPr>
         <p:spPr>
           <a:xfrm rot="10800000" flipH="1">
-            <a:off x="10821811" y="1685366"/>
+            <a:off x="10821812" y="1685366"/>
             <a:ext cx="81787" cy="1419931"/>
           </a:xfrm>
           <a:prstGeom prst="bentConnector3">
@@ -9208,13 +9255,20 @@
     </p:spTree>
     <p:extLst>
       <p:ext uri="{BB962C8B-B14F-4D97-AF65-F5344CB8AC3E}">
-        <p14:creationId xmlns:p14="http://schemas.microsoft.com/office/powerpoint/2010/main" val="30718207"/>
+        <p14:creationId xmlns:p14="http://schemas.microsoft.com/office/powerpoint/2010/main" val="22167010"/>
       </p:ext>
     </p:extLst>
   </p:cSld>
   <p:clrMapOvr>
     <a:masterClrMapping/>
   </p:clrMapOvr>
+  <p:timing>
+    <p:tnLst>
+      <p:par>
+        <p:cTn id="1" dur="indefinite" restart="never" nodeType="tmRoot"/>
+      </p:par>
+    </p:tnLst>
+  </p:timing>
 </p:sld>
 </file>
 
@@ -9252,7 +9306,7 @@
           <a:p>
             <a:r>
               <a:rPr lang="en-US" dirty="0" smtClean="0"/>
-              <a:t>Red</a:t>
+              <a:t>Add a test</a:t>
             </a:r>
             <a:endParaRPr lang="en-US" dirty="0"/>
           </a:p>
@@ -9270,61 +9324,48 @@
         </p:nvSpPr>
         <p:spPr/>
         <p:txBody>
-          <a:bodyPr/>
-          <a:lstStyle/>
-          <a:p>
-            <a:r>
-              <a:rPr lang="en-US" dirty="0" smtClean="0"/>
-              <a:t>Ensure the test fails</a:t>
-            </a:r>
-          </a:p>
-        </p:txBody>
-      </p:sp>
-      <p:sp>
-        <p:nvSpPr>
-          <p:cNvPr id="35" name="TextBox 34"/>
+          <a:bodyPr>
+            <a:normAutofit/>
+          </a:bodyPr>
+          <a:lstStyle/>
+          <a:p>
+            <a:r>
+              <a:rPr lang="en-US" dirty="0" smtClean="0"/>
+              <a:t>Find the next simple task</a:t>
+            </a:r>
+          </a:p>
+          <a:p>
+            <a:r>
+              <a:rPr lang="en-US" dirty="0" smtClean="0"/>
+              <a:t>Write the simplest failing test you can think of</a:t>
+            </a:r>
+          </a:p>
+          <a:p>
+            <a:r>
+              <a:rPr lang="en-US" dirty="0" smtClean="0"/>
+              <a:t>Make it </a:t>
+            </a:r>
+            <a:r>
+              <a:rPr lang="en-US" dirty="0" err="1" smtClean="0"/>
+              <a:t>compilable</a:t>
+            </a:r>
+            <a:r>
+              <a:rPr lang="en-US" dirty="0" smtClean="0"/>
+              <a:t> or runnable</a:t>
+            </a:r>
+          </a:p>
+        </p:txBody>
+      </p:sp>
+      <p:sp>
+        <p:nvSpPr>
+          <p:cNvPr id="28" name="TextBox 27"/>
           <p:cNvSpPr txBox="1"/>
           <p:nvPr/>
         </p:nvSpPr>
         <p:spPr>
           <a:xfrm>
-            <a:off x="10717782" y="91414"/>
+            <a:off x="10717781" y="91414"/>
             <a:ext cx="1131977" cy="369332"/>
-          </a:xfrm>
-          <a:prstGeom prst="rect">
-            <a:avLst/>
-          </a:prstGeom>
-          <a:noFill/>
-          <a:ln>
-            <a:solidFill>
-              <a:schemeClr val="accent1"/>
-            </a:solidFill>
-          </a:ln>
-        </p:spPr>
-        <p:txBody>
-          <a:bodyPr wrap="none" rtlCol="0">
-            <a:spAutoFit/>
-          </a:bodyPr>
-          <a:lstStyle/>
-          <a:p>
-            <a:pPr algn="ctr"/>
-            <a:r>
-              <a:rPr lang="en-US" dirty="0" smtClean="0"/>
-              <a:t>Add a test</a:t>
-            </a:r>
-          </a:p>
-        </p:txBody>
-      </p:sp>
-      <p:sp>
-        <p:nvSpPr>
-          <p:cNvPr id="36" name="TextBox 35"/>
-          <p:cNvSpPr txBox="1"/>
-          <p:nvPr/>
-        </p:nvSpPr>
-        <p:spPr>
-          <a:xfrm>
-            <a:off x="11012250" y="799272"/>
-            <a:ext cx="543034" cy="369332"/>
           </a:xfrm>
           <a:prstGeom prst="rect">
             <a:avLst/>
@@ -9350,22 +9391,21 @@
             <a:pPr algn="ctr"/>
             <a:r>
               <a:rPr lang="en-US" dirty="0" smtClean="0"/>
-              <a:t>Red</a:t>
-            </a:r>
-            <a:endParaRPr lang="en-US" dirty="0"/>
-          </a:p>
-        </p:txBody>
-      </p:sp>
-      <p:sp>
-        <p:nvSpPr>
-          <p:cNvPr id="37" name="TextBox 36"/>
+              <a:t>Add a test</a:t>
+            </a:r>
+          </a:p>
+        </p:txBody>
+      </p:sp>
+      <p:sp>
+        <p:nvSpPr>
+          <p:cNvPr id="29" name="TextBox 28"/>
           <p:cNvSpPr txBox="1"/>
           <p:nvPr/>
         </p:nvSpPr>
         <p:spPr>
           <a:xfrm>
-            <a:off x="10903600" y="1500699"/>
-            <a:ext cx="760337" cy="369332"/>
+            <a:off x="11012249" y="799272"/>
+            <a:ext cx="543034" cy="369332"/>
           </a:xfrm>
           <a:prstGeom prst="rect">
             <a:avLst/>
@@ -9386,21 +9426,22 @@
             <a:pPr algn="ctr"/>
             <a:r>
               <a:rPr lang="en-US" dirty="0" smtClean="0"/>
-              <a:t>Green</a:t>
-            </a:r>
-          </a:p>
-        </p:txBody>
-      </p:sp>
-      <p:sp>
-        <p:nvSpPr>
-          <p:cNvPr id="38" name="TextBox 37"/>
+              <a:t>Red</a:t>
+            </a:r>
+            <a:endParaRPr lang="en-US" dirty="0"/>
+          </a:p>
+        </p:txBody>
+      </p:sp>
+      <p:sp>
+        <p:nvSpPr>
+          <p:cNvPr id="30" name="TextBox 29"/>
           <p:cNvSpPr txBox="1"/>
           <p:nvPr/>
         </p:nvSpPr>
         <p:spPr>
           <a:xfrm>
-            <a:off x="10819543" y="2224061"/>
-            <a:ext cx="928460" cy="369332"/>
+            <a:off x="10903599" y="1500699"/>
+            <a:ext cx="760337" cy="369332"/>
           </a:xfrm>
           <a:prstGeom prst="rect">
             <a:avLst/>
@@ -9421,6 +9462,41 @@
             <a:pPr algn="ctr"/>
             <a:r>
               <a:rPr lang="en-US" dirty="0" smtClean="0"/>
+              <a:t>Green</a:t>
+            </a:r>
+          </a:p>
+        </p:txBody>
+      </p:sp>
+      <p:sp>
+        <p:nvSpPr>
+          <p:cNvPr id="31" name="TextBox 30"/>
+          <p:cNvSpPr txBox="1"/>
+          <p:nvPr/>
+        </p:nvSpPr>
+        <p:spPr>
+          <a:xfrm>
+            <a:off x="10819542" y="2224061"/>
+            <a:ext cx="928460" cy="369332"/>
+          </a:xfrm>
+          <a:prstGeom prst="rect">
+            <a:avLst/>
+          </a:prstGeom>
+          <a:noFill/>
+          <a:ln>
+            <a:solidFill>
+              <a:schemeClr val="accent1"/>
+            </a:solidFill>
+          </a:ln>
+        </p:spPr>
+        <p:txBody>
+          <a:bodyPr wrap="none" rtlCol="0">
+            <a:spAutoFit/>
+          </a:bodyPr>
+          <a:lstStyle/>
+          <a:p>
+            <a:pPr algn="ctr"/>
+            <a:r>
+              <a:rPr lang="en-US" dirty="0" smtClean="0"/>
               <a:t>Commit</a:t>
             </a:r>
             <a:endParaRPr lang="en-US" dirty="0"/>
@@ -9429,24 +9505,19 @@
       </p:sp>
       <p:cxnSp>
         <p:nvCxnSpPr>
-          <p:cNvPr id="39" name="Straight Arrow Connector 38"/>
+          <p:cNvPr id="32" name="Straight Arrow Connector 31"/>
           <p:cNvCxnSpPr/>
           <p:nvPr/>
         </p:nvCxnSpPr>
         <p:spPr>
           <a:xfrm flipH="1">
-            <a:off x="11283767" y="460746"/>
+            <a:off x="11283766" y="460746"/>
             <a:ext cx="4" cy="338526"/>
           </a:xfrm>
           <a:prstGeom prst="straightConnector1">
             <a:avLst/>
           </a:prstGeom>
-          <a:ln w="31750">
-            <a:solidFill>
-              <a:schemeClr val="accent6">
-                <a:lumMod val="75000"/>
-              </a:schemeClr>
-            </a:solidFill>
+          <a:ln>
             <a:tailEnd type="triangle"/>
           </a:ln>
         </p:spPr>
@@ -9467,13 +9538,13 @@
       </p:cxnSp>
       <p:cxnSp>
         <p:nvCxnSpPr>
-          <p:cNvPr id="40" name="Straight Arrow Connector 39"/>
+          <p:cNvPr id="33" name="Straight Arrow Connector 32"/>
           <p:cNvCxnSpPr/>
           <p:nvPr/>
         </p:nvCxnSpPr>
         <p:spPr>
           <a:xfrm flipH="1">
-            <a:off x="11283761" y="1165539"/>
+            <a:off x="11283760" y="1165539"/>
             <a:ext cx="4" cy="338526"/>
           </a:xfrm>
           <a:prstGeom prst="straightConnector1">
@@ -9500,13 +9571,13 @@
       </p:cxnSp>
       <p:cxnSp>
         <p:nvCxnSpPr>
-          <p:cNvPr id="41" name="Straight Arrow Connector 40"/>
+          <p:cNvPr id="34" name="Straight Arrow Connector 33"/>
           <p:cNvCxnSpPr/>
           <p:nvPr/>
         </p:nvCxnSpPr>
         <p:spPr>
           <a:xfrm flipH="1">
-            <a:off x="11283757" y="1876673"/>
+            <a:off x="11283756" y="1876673"/>
             <a:ext cx="4" cy="338526"/>
           </a:xfrm>
           <a:prstGeom prst="straightConnector1">
@@ -9533,13 +9604,13 @@
       </p:cxnSp>
       <p:cxnSp>
         <p:nvCxnSpPr>
-          <p:cNvPr id="42" name="Straight Arrow Connector 41"/>
+          <p:cNvPr id="35" name="Straight Arrow Connector 34"/>
           <p:cNvCxnSpPr/>
           <p:nvPr/>
         </p:nvCxnSpPr>
         <p:spPr>
           <a:xfrm flipH="1">
-            <a:off x="11295481" y="2591777"/>
+            <a:off x="11295480" y="2591777"/>
             <a:ext cx="4" cy="338526"/>
           </a:xfrm>
           <a:prstGeom prst="straightConnector1">
@@ -9566,13 +9637,13 @@
       </p:cxnSp>
       <p:sp>
         <p:nvSpPr>
-          <p:cNvPr id="43" name="TextBox 42"/>
+          <p:cNvPr id="36" name="TextBox 35"/>
           <p:cNvSpPr txBox="1"/>
           <p:nvPr/>
         </p:nvSpPr>
         <p:spPr>
           <a:xfrm>
-            <a:off x="10821813" y="2920630"/>
+            <a:off x="10821812" y="2920630"/>
             <a:ext cx="970780" cy="369332"/>
           </a:xfrm>
           <a:prstGeom prst="rect">
@@ -9602,13 +9673,13 @@
       </p:sp>
       <p:cxnSp>
         <p:nvCxnSpPr>
-          <p:cNvPr id="44" name="Elbow Connector 43"/>
+          <p:cNvPr id="37" name="Elbow Connector 36"/>
           <p:cNvCxnSpPr/>
           <p:nvPr/>
         </p:nvCxnSpPr>
         <p:spPr>
           <a:xfrm flipV="1">
-            <a:off x="11792593" y="276080"/>
+            <a:off x="11792592" y="276080"/>
             <a:ext cx="57166" cy="2829216"/>
           </a:xfrm>
           <a:prstGeom prst="bentConnector3">
@@ -9616,7 +9687,12 @@
               <a:gd name="adj1" fmla="val 499888"/>
             </a:avLst>
           </a:prstGeom>
-          <a:ln>
+          <a:ln w="31750">
+            <a:solidFill>
+              <a:schemeClr val="accent6">
+                <a:lumMod val="75000"/>
+              </a:schemeClr>
+            </a:solidFill>
             <a:tailEnd type="triangle"/>
           </a:ln>
         </p:spPr>
@@ -9637,13 +9713,13 @@
       </p:cxnSp>
       <p:cxnSp>
         <p:nvCxnSpPr>
-          <p:cNvPr id="45" name="Elbow Connector 44"/>
+          <p:cNvPr id="38" name="Elbow Connector 37"/>
           <p:cNvCxnSpPr/>
           <p:nvPr/>
         </p:nvCxnSpPr>
         <p:spPr>
           <a:xfrm rot="10800000" flipH="1">
-            <a:off x="10821812" y="1685366"/>
+            <a:off x="10821811" y="1685366"/>
             <a:ext cx="81787" cy="1419931"/>
           </a:xfrm>
           <a:prstGeom prst="bentConnector3">
@@ -9673,13 +9749,20 @@
     </p:spTree>
     <p:extLst>
       <p:ext uri="{BB962C8B-B14F-4D97-AF65-F5344CB8AC3E}">
-        <p14:creationId xmlns:p14="http://schemas.microsoft.com/office/powerpoint/2010/main" val="884829769"/>
+        <p14:creationId xmlns:p14="http://schemas.microsoft.com/office/powerpoint/2010/main" val="30718207"/>
       </p:ext>
     </p:extLst>
   </p:cSld>
   <p:clrMapOvr>
     <a:masterClrMapping/>
   </p:clrMapOvr>
+  <p:timing>
+    <p:tnLst>
+      <p:par>
+        <p:cTn id="1" dur="indefinite" restart="never" nodeType="tmRoot"/>
+      </p:par>
+    </p:tnLst>
+  </p:timing>
 </p:sld>
 </file>
 
@@ -9717,7 +9800,7 @@
           <a:p>
             <a:r>
               <a:rPr lang="en-US" dirty="0" smtClean="0"/>
-              <a:t>Green</a:t>
+              <a:t>Red</a:t>
             </a:r>
             <a:endParaRPr lang="en-US" dirty="0"/>
           </a:p>
@@ -9735,21 +9818,19 @@
         </p:nvSpPr>
         <p:spPr/>
         <p:txBody>
-          <a:bodyPr>
-            <a:normAutofit/>
-          </a:bodyPr>
-          <a:lstStyle/>
-          <a:p>
-            <a:r>
-              <a:rPr lang="en-US" dirty="0" smtClean="0"/>
-              <a:t>Make the test pass</a:t>
-            </a:r>
-          </a:p>
-        </p:txBody>
-      </p:sp>
-      <p:sp>
-        <p:nvSpPr>
-          <p:cNvPr id="4" name="TextBox 3"/>
+          <a:bodyPr/>
+          <a:lstStyle/>
+          <a:p>
+            <a:r>
+              <a:rPr lang="en-US" dirty="0" smtClean="0"/>
+              <a:t>Ensure the test fails</a:t>
+            </a:r>
+          </a:p>
+        </p:txBody>
+      </p:sp>
+      <p:sp>
+        <p:nvSpPr>
+          <p:cNvPr id="35" name="TextBox 34"/>
           <p:cNvSpPr txBox="1"/>
           <p:nvPr/>
         </p:nvSpPr>
@@ -9784,7 +9865,7 @@
       </p:sp>
       <p:sp>
         <p:nvSpPr>
-          <p:cNvPr id="5" name="TextBox 4"/>
+          <p:cNvPr id="36" name="TextBox 35"/>
           <p:cNvSpPr txBox="1"/>
           <p:nvPr/>
         </p:nvSpPr>
@@ -9792,42 +9873,6 @@
           <a:xfrm>
             <a:off x="11012250" y="799272"/>
             <a:ext cx="543034" cy="369332"/>
-          </a:xfrm>
-          <a:prstGeom prst="rect">
-            <a:avLst/>
-          </a:prstGeom>
-          <a:noFill/>
-          <a:ln>
-            <a:solidFill>
-              <a:schemeClr val="accent1"/>
-            </a:solidFill>
-          </a:ln>
-        </p:spPr>
-        <p:txBody>
-          <a:bodyPr wrap="none" rtlCol="0">
-            <a:spAutoFit/>
-          </a:bodyPr>
-          <a:lstStyle/>
-          <a:p>
-            <a:pPr algn="ctr"/>
-            <a:r>
-              <a:rPr lang="en-US" dirty="0" smtClean="0"/>
-              <a:t>Red</a:t>
-            </a:r>
-            <a:endParaRPr lang="en-US" dirty="0"/>
-          </a:p>
-        </p:txBody>
-      </p:sp>
-      <p:sp>
-        <p:nvSpPr>
-          <p:cNvPr id="6" name="TextBox 5"/>
-          <p:cNvSpPr txBox="1"/>
-          <p:nvPr/>
-        </p:nvSpPr>
-        <p:spPr>
-          <a:xfrm>
-            <a:off x="10903600" y="1500699"/>
-            <a:ext cx="760337" cy="369332"/>
           </a:xfrm>
           <a:prstGeom prst="rect">
             <a:avLst/>
@@ -9853,6 +9898,42 @@
             <a:pPr algn="ctr"/>
             <a:r>
               <a:rPr lang="en-US" dirty="0" smtClean="0"/>
+              <a:t>Red</a:t>
+            </a:r>
+            <a:endParaRPr lang="en-US" dirty="0"/>
+          </a:p>
+        </p:txBody>
+      </p:sp>
+      <p:sp>
+        <p:nvSpPr>
+          <p:cNvPr id="37" name="TextBox 36"/>
+          <p:cNvSpPr txBox="1"/>
+          <p:nvPr/>
+        </p:nvSpPr>
+        <p:spPr>
+          <a:xfrm>
+            <a:off x="10903600" y="1500699"/>
+            <a:ext cx="760337" cy="369332"/>
+          </a:xfrm>
+          <a:prstGeom prst="rect">
+            <a:avLst/>
+          </a:prstGeom>
+          <a:noFill/>
+          <a:ln>
+            <a:solidFill>
+              <a:schemeClr val="accent1"/>
+            </a:solidFill>
+          </a:ln>
+        </p:spPr>
+        <p:txBody>
+          <a:bodyPr wrap="none" rtlCol="0">
+            <a:spAutoFit/>
+          </a:bodyPr>
+          <a:lstStyle/>
+          <a:p>
+            <a:pPr algn="ctr"/>
+            <a:r>
+              <a:rPr lang="en-US" dirty="0" smtClean="0"/>
               <a:t>Green</a:t>
             </a:r>
           </a:p>
@@ -9860,7 +9941,7 @@
       </p:sp>
       <p:sp>
         <p:nvSpPr>
-          <p:cNvPr id="7" name="TextBox 6"/>
+          <p:cNvPr id="38" name="TextBox 37"/>
           <p:cNvSpPr txBox="1"/>
           <p:nvPr/>
         </p:nvSpPr>
@@ -9896,7 +9977,7 @@
       </p:sp>
       <p:cxnSp>
         <p:nvCxnSpPr>
-          <p:cNvPr id="8" name="Straight Arrow Connector 7"/>
+          <p:cNvPr id="39" name="Straight Arrow Connector 38"/>
           <p:cNvCxnSpPr/>
           <p:nvPr/>
         </p:nvCxnSpPr>
@@ -9908,7 +9989,12 @@
           <a:prstGeom prst="straightConnector1">
             <a:avLst/>
           </a:prstGeom>
-          <a:ln>
+          <a:ln w="31750">
+            <a:solidFill>
+              <a:schemeClr val="accent6">
+                <a:lumMod val="75000"/>
+              </a:schemeClr>
+            </a:solidFill>
             <a:tailEnd type="triangle"/>
           </a:ln>
         </p:spPr>
@@ -9929,7 +10015,7 @@
       </p:cxnSp>
       <p:cxnSp>
         <p:nvCxnSpPr>
-          <p:cNvPr id="9" name="Straight Arrow Connector 8"/>
+          <p:cNvPr id="40" name="Straight Arrow Connector 39"/>
           <p:cNvCxnSpPr/>
           <p:nvPr/>
         </p:nvCxnSpPr>
@@ -9941,12 +10027,7 @@
           <a:prstGeom prst="straightConnector1">
             <a:avLst/>
           </a:prstGeom>
-          <a:ln w="31750">
-            <a:solidFill>
-              <a:schemeClr val="accent6">
-                <a:lumMod val="75000"/>
-              </a:schemeClr>
-            </a:solidFill>
+          <a:ln>
             <a:tailEnd type="triangle"/>
           </a:ln>
         </p:spPr>
@@ -9967,7 +10048,7 @@
       </p:cxnSp>
       <p:cxnSp>
         <p:nvCxnSpPr>
-          <p:cNvPr id="10" name="Straight Arrow Connector 9"/>
+          <p:cNvPr id="41" name="Straight Arrow Connector 40"/>
           <p:cNvCxnSpPr/>
           <p:nvPr/>
         </p:nvCxnSpPr>
@@ -10000,7 +10081,7 @@
       </p:cxnSp>
       <p:cxnSp>
         <p:nvCxnSpPr>
-          <p:cNvPr id="11" name="Straight Arrow Connector 10"/>
+          <p:cNvPr id="42" name="Straight Arrow Connector 41"/>
           <p:cNvCxnSpPr/>
           <p:nvPr/>
         </p:nvCxnSpPr>
@@ -10033,7 +10114,7 @@
       </p:cxnSp>
       <p:sp>
         <p:nvSpPr>
-          <p:cNvPr id="12" name="TextBox 11"/>
+          <p:cNvPr id="43" name="TextBox 42"/>
           <p:cNvSpPr txBox="1"/>
           <p:nvPr/>
         </p:nvSpPr>
@@ -10069,7 +10150,7 @@
       </p:sp>
       <p:cxnSp>
         <p:nvCxnSpPr>
-          <p:cNvPr id="13" name="Elbow Connector 12"/>
+          <p:cNvPr id="44" name="Elbow Connector 43"/>
           <p:cNvCxnSpPr/>
           <p:nvPr/>
         </p:nvCxnSpPr>
@@ -10104,7 +10185,7 @@
       </p:cxnSp>
       <p:cxnSp>
         <p:nvCxnSpPr>
-          <p:cNvPr id="14" name="Elbow Connector 13"/>
+          <p:cNvPr id="45" name="Elbow Connector 44"/>
           <p:cNvCxnSpPr/>
           <p:nvPr/>
         </p:nvCxnSpPr>
@@ -10140,13 +10221,20 @@
     </p:spTree>
     <p:extLst>
       <p:ext uri="{BB962C8B-B14F-4D97-AF65-F5344CB8AC3E}">
-        <p14:creationId xmlns:p14="http://schemas.microsoft.com/office/powerpoint/2010/main" val="9672108"/>
+        <p14:creationId xmlns:p14="http://schemas.microsoft.com/office/powerpoint/2010/main" val="884829769"/>
       </p:ext>
     </p:extLst>
   </p:cSld>
   <p:clrMapOvr>
     <a:masterClrMapping/>
   </p:clrMapOvr>
+  <p:timing>
+    <p:tnLst>
+      <p:par>
+        <p:cTn id="1" dur="indefinite" restart="never" nodeType="tmRoot"/>
+      </p:par>
+    </p:tnLst>
+  </p:timing>
 </p:sld>
 </file>
 
@@ -10184,7 +10272,7 @@
           <a:p>
             <a:r>
               <a:rPr lang="en-US" dirty="0" smtClean="0"/>
-              <a:t>Commit</a:t>
+              <a:t>Green</a:t>
             </a:r>
             <a:endParaRPr lang="en-US" dirty="0"/>
           </a:p>
@@ -10200,35 +10288,17 @@
             <p:ph idx="1"/>
           </p:nvPr>
         </p:nvSpPr>
-        <p:spPr>
-          <a:xfrm>
-            <a:off x="838200" y="1825625"/>
-            <a:ext cx="9612882" cy="4351338"/>
-          </a:xfrm>
-        </p:spPr>
-        <p:txBody>
-          <a:bodyPr/>
-          <a:lstStyle/>
-          <a:p>
-            <a:r>
-              <a:rPr lang="en-US" dirty="0" smtClean="0"/>
-              <a:t>Time to create the baseline</a:t>
-            </a:r>
-          </a:p>
-          <a:p>
-            <a:r>
-              <a:rPr lang="en-US" smtClean="0"/>
-              <a:t>Destroy </a:t>
-            </a:r>
-            <a:r>
-              <a:rPr lang="en-US" dirty="0" smtClean="0"/>
-              <a:t>the </a:t>
-            </a:r>
-            <a:r>
-              <a:rPr lang="en-US" smtClean="0"/>
-              <a:t>task card if the task is complete</a:t>
-            </a:r>
-            <a:endParaRPr lang="en-US" dirty="0" smtClean="0"/>
+        <p:spPr/>
+        <p:txBody>
+          <a:bodyPr>
+            <a:normAutofit/>
+          </a:bodyPr>
+          <a:lstStyle/>
+          <a:p>
+            <a:r>
+              <a:rPr lang="en-US" dirty="0" smtClean="0"/>
+              <a:t>Make the test pass</a:t>
+            </a:r>
           </a:p>
         </p:txBody>
       </p:sp>
@@ -10313,41 +10383,6 @@
           <a:xfrm>
             <a:off x="10903600" y="1500699"/>
             <a:ext cx="760337" cy="369332"/>
-          </a:xfrm>
-          <a:prstGeom prst="rect">
-            <a:avLst/>
-          </a:prstGeom>
-          <a:noFill/>
-          <a:ln>
-            <a:solidFill>
-              <a:schemeClr val="accent1"/>
-            </a:solidFill>
-          </a:ln>
-        </p:spPr>
-        <p:txBody>
-          <a:bodyPr wrap="none" rtlCol="0">
-            <a:spAutoFit/>
-          </a:bodyPr>
-          <a:lstStyle/>
-          <a:p>
-            <a:pPr algn="ctr"/>
-            <a:r>
-              <a:rPr lang="en-US" dirty="0" smtClean="0"/>
-              <a:t>Green</a:t>
-            </a:r>
-          </a:p>
-        </p:txBody>
-      </p:sp>
-      <p:sp>
-        <p:nvSpPr>
-          <p:cNvPr id="7" name="TextBox 6"/>
-          <p:cNvSpPr txBox="1"/>
-          <p:nvPr/>
-        </p:nvSpPr>
-        <p:spPr>
-          <a:xfrm>
-            <a:off x="10819543" y="2224061"/>
-            <a:ext cx="928460" cy="369332"/>
           </a:xfrm>
           <a:prstGeom prst="rect">
             <a:avLst/>
@@ -10358,6 +10393,41 @@
               <a:lumOff val="80000"/>
             </a:schemeClr>
           </a:solidFill>
+          <a:ln>
+            <a:solidFill>
+              <a:schemeClr val="accent1"/>
+            </a:solidFill>
+          </a:ln>
+        </p:spPr>
+        <p:txBody>
+          <a:bodyPr wrap="none" rtlCol="0">
+            <a:spAutoFit/>
+          </a:bodyPr>
+          <a:lstStyle/>
+          <a:p>
+            <a:pPr algn="ctr"/>
+            <a:r>
+              <a:rPr lang="en-US" dirty="0" smtClean="0"/>
+              <a:t>Green</a:t>
+            </a:r>
+          </a:p>
+        </p:txBody>
+      </p:sp>
+      <p:sp>
+        <p:nvSpPr>
+          <p:cNvPr id="7" name="TextBox 6"/>
+          <p:cNvSpPr txBox="1"/>
+          <p:nvPr/>
+        </p:nvSpPr>
+        <p:spPr>
+          <a:xfrm>
+            <a:off x="10819543" y="2224061"/>
+            <a:ext cx="928460" cy="369332"/>
+          </a:xfrm>
+          <a:prstGeom prst="rect">
+            <a:avLst/>
+          </a:prstGeom>
+          <a:noFill/>
           <a:ln>
             <a:solidFill>
               <a:schemeClr val="accent1"/>
@@ -10426,7 +10496,12 @@
           <a:prstGeom prst="straightConnector1">
             <a:avLst/>
           </a:prstGeom>
-          <a:ln>
+          <a:ln w="31750">
+            <a:solidFill>
+              <a:schemeClr val="accent6">
+                <a:lumMod val="75000"/>
+              </a:schemeClr>
+            </a:solidFill>
             <a:tailEnd type="triangle"/>
           </a:ln>
         </p:spPr>
@@ -10459,12 +10534,7 @@
           <a:prstGeom prst="straightConnector1">
             <a:avLst/>
           </a:prstGeom>
-          <a:ln w="31750">
-            <a:solidFill>
-              <a:schemeClr val="accent6">
-                <a:lumMod val="75000"/>
-              </a:schemeClr>
-            </a:solidFill>
+          <a:ln>
             <a:tailEnd type="triangle"/>
           </a:ln>
         </p:spPr>
@@ -10625,13 +10695,20 @@
     </p:spTree>
     <p:extLst>
       <p:ext uri="{BB962C8B-B14F-4D97-AF65-F5344CB8AC3E}">
-        <p14:creationId xmlns:p14="http://schemas.microsoft.com/office/powerpoint/2010/main" val="1497845631"/>
+        <p14:creationId xmlns:p14="http://schemas.microsoft.com/office/powerpoint/2010/main" val="9672108"/>
       </p:ext>
     </p:extLst>
   </p:cSld>
   <p:clrMapOvr>
     <a:masterClrMapping/>
   </p:clrMapOvr>
+  <p:timing>
+    <p:tnLst>
+      <p:par>
+        <p:cTn id="1" dur="indefinite" restart="never" nodeType="tmRoot"/>
+      </p:par>
+    </p:tnLst>
+  </p:timing>
 </p:sld>
 </file>
 
@@ -10669,7 +10746,7 @@
           <a:p>
             <a:r>
               <a:rPr lang="en-US" dirty="0" smtClean="0"/>
-              <a:t>Refactor</a:t>
+              <a:t>Commit</a:t>
             </a:r>
             <a:endParaRPr lang="en-US" dirty="0"/>
           </a:p>
@@ -10692,35 +10769,28 @@
           </a:xfrm>
         </p:spPr>
         <p:txBody>
-          <a:bodyPr>
-            <a:normAutofit/>
-          </a:bodyPr>
-          <a:lstStyle/>
-          <a:p>
-            <a:r>
-              <a:rPr lang="en-US" dirty="0" smtClean="0"/>
-              <a:t>Don’t tolerate duplicate code</a:t>
-            </a:r>
-          </a:p>
-          <a:p>
-            <a:r>
-              <a:rPr lang="en-US" dirty="0" smtClean="0"/>
-              <a:t>Two types of duplication:</a:t>
-            </a:r>
-          </a:p>
-          <a:p>
-            <a:pPr lvl="1"/>
-            <a:r>
-              <a:rPr lang="en-US" dirty="0" smtClean="0"/>
-              <a:t>Code duplication</a:t>
-            </a:r>
-          </a:p>
-          <a:p>
-            <a:pPr lvl="1"/>
-            <a:r>
-              <a:rPr lang="en-US" dirty="0" smtClean="0"/>
-              <a:t>Data duplication</a:t>
-            </a:r>
+          <a:bodyPr/>
+          <a:lstStyle/>
+          <a:p>
+            <a:r>
+              <a:rPr lang="en-US" dirty="0" smtClean="0"/>
+              <a:t>Time to create the baseline</a:t>
+            </a:r>
+          </a:p>
+          <a:p>
+            <a:r>
+              <a:rPr lang="en-US" smtClean="0"/>
+              <a:t>Destroy </a:t>
+            </a:r>
+            <a:r>
+              <a:rPr lang="en-US" dirty="0" smtClean="0"/>
+              <a:t>the </a:t>
+            </a:r>
+            <a:r>
+              <a:rPr lang="en-US" smtClean="0"/>
+              <a:t>task card if the task is complete</a:t>
+            </a:r>
+            <a:endParaRPr lang="en-US" dirty="0" smtClean="0"/>
           </a:p>
         </p:txBody>
       </p:sp>
@@ -10844,7 +10914,12 @@
           <a:prstGeom prst="rect">
             <a:avLst/>
           </a:prstGeom>
-          <a:noFill/>
+          <a:solidFill>
+            <a:schemeClr val="accent4">
+              <a:lumMod val="20000"/>
+              <a:lumOff val="80000"/>
+            </a:schemeClr>
+          </a:solidFill>
           <a:ln>
             <a:solidFill>
               <a:schemeClr val="accent1"/>
@@ -10946,7 +11021,12 @@
           <a:prstGeom prst="straightConnector1">
             <a:avLst/>
           </a:prstGeom>
-          <a:ln>
+          <a:ln w="31750">
+            <a:solidFill>
+              <a:schemeClr val="accent6">
+                <a:lumMod val="75000"/>
+              </a:schemeClr>
+            </a:solidFill>
             <a:tailEnd type="triangle"/>
           </a:ln>
         </p:spPr>
@@ -10979,12 +11059,7 @@
           <a:prstGeom prst="straightConnector1">
             <a:avLst/>
           </a:prstGeom>
-          <a:ln w="31750">
-            <a:solidFill>
-              <a:schemeClr val="accent6">
-                <a:lumMod val="75000"/>
-              </a:schemeClr>
-            </a:solidFill>
+          <a:ln>
             <a:tailEnd type="triangle"/>
           </a:ln>
         </p:spPr>
@@ -11017,12 +11092,7 @@
           <a:prstGeom prst="rect">
             <a:avLst/>
           </a:prstGeom>
-          <a:solidFill>
-            <a:schemeClr val="accent4">
-              <a:lumMod val="20000"/>
-              <a:lumOff val="80000"/>
-            </a:schemeClr>
-          </a:solidFill>
+          <a:noFill/>
           <a:ln>
             <a:solidFill>
               <a:schemeClr val="accent1"/>
@@ -11037,7 +11107,7 @@
           <a:p>
             <a:pPr algn="ctr"/>
             <a:r>
-              <a:rPr lang="en-US" dirty="0" smtClean="0"/>
+              <a:rPr lang="en-US" smtClean="0"/>
               <a:t>Refactor</a:t>
             </a:r>
             <a:endParaRPr lang="en-US" dirty="0"/>
@@ -11117,13 +11187,20 @@
     </p:spTree>
     <p:extLst>
       <p:ext uri="{BB962C8B-B14F-4D97-AF65-F5344CB8AC3E}">
-        <p14:creationId xmlns:p14="http://schemas.microsoft.com/office/powerpoint/2010/main" val="1488210083"/>
+        <p14:creationId xmlns:p14="http://schemas.microsoft.com/office/powerpoint/2010/main" val="1497845631"/>
       </p:ext>
     </p:extLst>
   </p:cSld>
   <p:clrMapOvr>
     <a:masterClrMapping/>
   </p:clrMapOvr>
+  <p:timing>
+    <p:tnLst>
+      <p:par>
+        <p:cTn id="1" dur="indefinite" restart="never" nodeType="tmRoot"/>
+      </p:par>
+    </p:tnLst>
+  </p:timing>
 </p:sld>
 </file>
 
@@ -11161,7 +11238,7 @@
           <a:p>
             <a:r>
               <a:rPr lang="en-US" dirty="0" smtClean="0"/>
-              <a:t>Refactor – Code Duplication</a:t>
+              <a:t>Refactor</a:t>
             </a:r>
             <a:endParaRPr lang="en-US" dirty="0"/>
           </a:p>
@@ -11191,17 +11268,28 @@
           <a:p>
             <a:r>
               <a:rPr lang="en-US" dirty="0" smtClean="0"/>
-              <a:t>Duplication of code patterns</a:t>
-            </a:r>
-          </a:p>
-          <a:p>
-            <a:r>
-              <a:rPr lang="en-US" dirty="0" smtClean="0"/>
-              <a:t>e.g.</a:t>
-            </a:r>
-          </a:p>
-          <a:p>
-            <a:endParaRPr lang="en-US" dirty="0" smtClean="0"/>
+              <a:t>Don’t tolerate duplicate code</a:t>
+            </a:r>
+          </a:p>
+          <a:p>
+            <a:r>
+              <a:rPr lang="en-US" dirty="0" smtClean="0"/>
+              <a:t>Two types of duplication:</a:t>
+            </a:r>
+          </a:p>
+          <a:p>
+            <a:pPr lvl="1"/>
+            <a:r>
+              <a:rPr lang="en-US" dirty="0" smtClean="0"/>
+              <a:t>Code duplication</a:t>
+            </a:r>
+          </a:p>
+          <a:p>
+            <a:pPr lvl="1"/>
+            <a:r>
+              <a:rPr lang="en-US" dirty="0" smtClean="0"/>
+              <a:t>Data duplication</a:t>
+            </a:r>
           </a:p>
         </p:txBody>
       </p:sp>
@@ -11460,7 +11548,12 @@
           <a:prstGeom prst="straightConnector1">
             <a:avLst/>
           </a:prstGeom>
-          <a:ln>
+          <a:ln w="31750">
+            <a:solidFill>
+              <a:schemeClr val="accent6">
+                <a:lumMod val="75000"/>
+              </a:schemeClr>
+            </a:solidFill>
             <a:tailEnd type="triangle"/>
           </a:ln>
         </p:spPr>
@@ -11590,104 +11683,23 @@
           </a:fontRef>
         </p:style>
       </p:cxnSp>
-      <p:pic>
-        <p:nvPicPr>
-          <p:cNvPr id="15" name="Picture 14"/>
-          <p:cNvPicPr>
-            <a:picLocks noChangeAspect="1"/>
-          </p:cNvPicPr>
-          <p:nvPr/>
-        </p:nvPicPr>
-        <p:blipFill>
-          <a:blip r:embed="rId2"/>
-          <a:stretch>
-            <a:fillRect/>
-          </a:stretch>
-        </p:blipFill>
-        <p:spPr>
-          <a:xfrm>
-            <a:off x="1932965" y="2903452"/>
-            <a:ext cx="1879600" cy="2120900"/>
-          </a:xfrm>
-          <a:prstGeom prst="rect">
-            <a:avLst/>
-          </a:prstGeom>
-        </p:spPr>
-      </p:pic>
-      <p:pic>
-        <p:nvPicPr>
-          <p:cNvPr id="17" name="Picture 16"/>
-          <p:cNvPicPr>
-            <a:picLocks noChangeAspect="1"/>
-          </p:cNvPicPr>
-          <p:nvPr/>
-        </p:nvPicPr>
-        <p:blipFill>
-          <a:blip r:embed="rId3"/>
-          <a:stretch>
-            <a:fillRect/>
-          </a:stretch>
-        </p:blipFill>
-        <p:spPr>
-          <a:xfrm>
-            <a:off x="6280286" y="3406928"/>
-            <a:ext cx="3530600" cy="965200"/>
-          </a:xfrm>
-          <a:prstGeom prst="rect">
-            <a:avLst/>
-          </a:prstGeom>
-        </p:spPr>
-      </p:pic>
-      <p:sp>
-        <p:nvSpPr>
-          <p:cNvPr id="18" name="Right Arrow 17"/>
-          <p:cNvSpPr/>
-          <p:nvPr/>
-        </p:nvSpPr>
-        <p:spPr>
-          <a:xfrm>
-            <a:off x="4250987" y="3570051"/>
-            <a:ext cx="1393654" cy="431243"/>
-          </a:xfrm>
-          <a:prstGeom prst="rightArrow">
-            <a:avLst/>
-          </a:prstGeom>
-        </p:spPr>
-        <p:style>
-          <a:lnRef idx="2">
-            <a:schemeClr val="accent1">
-              <a:shade val="50000"/>
-            </a:schemeClr>
-          </a:lnRef>
-          <a:fillRef idx="1">
-            <a:schemeClr val="accent1"/>
-          </a:fillRef>
-          <a:effectRef idx="0">
-            <a:schemeClr val="accent1"/>
-          </a:effectRef>
-          <a:fontRef idx="minor">
-            <a:schemeClr val="lt1"/>
-          </a:fontRef>
-        </p:style>
-        <p:txBody>
-          <a:bodyPr rtlCol="0" anchor="ctr"/>
-          <a:lstStyle/>
-          <a:p>
-            <a:pPr algn="ctr"/>
-            <a:endParaRPr lang="en-US"/>
-          </a:p>
-        </p:txBody>
-      </p:sp>
     </p:spTree>
     <p:extLst>
       <p:ext uri="{BB962C8B-B14F-4D97-AF65-F5344CB8AC3E}">
-        <p14:creationId xmlns:p14="http://schemas.microsoft.com/office/powerpoint/2010/main" val="620517449"/>
+        <p14:creationId xmlns:p14="http://schemas.microsoft.com/office/powerpoint/2010/main" val="1488210083"/>
       </p:ext>
     </p:extLst>
   </p:cSld>
   <p:clrMapOvr>
     <a:masterClrMapping/>
   </p:clrMapOvr>
+  <p:timing>
+    <p:tnLst>
+      <p:par>
+        <p:cTn id="1" dur="indefinite" restart="never" nodeType="tmRoot"/>
+      </p:par>
+    </p:tnLst>
+  </p:timing>
 </p:sld>
 </file>
 
@@ -11725,7 +11737,7 @@
           <a:p>
             <a:r>
               <a:rPr lang="en-US" dirty="0" smtClean="0"/>
-              <a:t>Refactor – Data duplication</a:t>
+              <a:t>Refactor – Code Duplication</a:t>
             </a:r>
             <a:endParaRPr lang="en-US" dirty="0"/>
           </a:p>
@@ -11741,20 +11753,21 @@
             <p:ph idx="1"/>
           </p:nvPr>
         </p:nvSpPr>
-        <p:spPr/>
-        <p:txBody>
-          <a:bodyPr/>
-          <a:lstStyle/>
-          <a:p>
-            <a:r>
-              <a:rPr lang="en-US" dirty="0" smtClean="0"/>
-              <a:t>Commonly found between a test and production code</a:t>
-            </a:r>
-          </a:p>
-          <a:p>
-            <a:r>
-              <a:rPr lang="en-US" dirty="0" smtClean="0"/>
-              <a:t>Helpful in determining the next test to write</a:t>
+        <p:spPr>
+          <a:xfrm>
+            <a:off x="838200" y="1825625"/>
+            <a:ext cx="9612882" cy="4351338"/>
+          </a:xfrm>
+        </p:spPr>
+        <p:txBody>
+          <a:bodyPr>
+            <a:normAutofit/>
+          </a:bodyPr>
+          <a:lstStyle/>
+          <a:p>
+            <a:r>
+              <a:rPr lang="en-US" dirty="0" smtClean="0"/>
+              <a:t>Duplication of code patterns</a:t>
             </a:r>
           </a:p>
           <a:p>
@@ -11763,11 +11776,14 @@
               <a:t>e.g.</a:t>
             </a:r>
           </a:p>
-        </p:txBody>
-      </p:sp>
-      <p:sp>
-        <p:nvSpPr>
-          <p:cNvPr id="5" name="TextBox 4"/>
+          <a:p>
+            <a:endParaRPr lang="en-US" dirty="0" smtClean="0"/>
+          </a:p>
+        </p:txBody>
+      </p:sp>
+      <p:sp>
+        <p:nvSpPr>
+          <p:cNvPr id="4" name="TextBox 3"/>
           <p:cNvSpPr txBox="1"/>
           <p:nvPr/>
         </p:nvSpPr>
@@ -11802,7 +11818,7 @@
       </p:sp>
       <p:sp>
         <p:nvSpPr>
-          <p:cNvPr id="6" name="TextBox 5"/>
+          <p:cNvPr id="5" name="TextBox 4"/>
           <p:cNvSpPr txBox="1"/>
           <p:nvPr/>
         </p:nvSpPr>
@@ -11838,7 +11854,7 @@
       </p:sp>
       <p:sp>
         <p:nvSpPr>
-          <p:cNvPr id="7" name="TextBox 6"/>
+          <p:cNvPr id="6" name="TextBox 5"/>
           <p:cNvSpPr txBox="1"/>
           <p:nvPr/>
         </p:nvSpPr>
@@ -11873,7 +11889,7 @@
       </p:sp>
       <p:sp>
         <p:nvSpPr>
-          <p:cNvPr id="8" name="TextBox 7"/>
+          <p:cNvPr id="7" name="TextBox 6"/>
           <p:cNvSpPr txBox="1"/>
           <p:nvPr/>
         </p:nvSpPr>
@@ -11907,6 +11923,39 @@
           </a:p>
         </p:txBody>
       </p:sp>
+      <p:cxnSp>
+        <p:nvCxnSpPr>
+          <p:cNvPr id="8" name="Straight Arrow Connector 7"/>
+          <p:cNvCxnSpPr/>
+          <p:nvPr/>
+        </p:nvCxnSpPr>
+        <p:spPr>
+          <a:xfrm flipH="1">
+            <a:off x="11283767" y="460746"/>
+            <a:ext cx="4" cy="338526"/>
+          </a:xfrm>
+          <a:prstGeom prst="straightConnector1">
+            <a:avLst/>
+          </a:prstGeom>
+          <a:ln>
+            <a:tailEnd type="triangle"/>
+          </a:ln>
+        </p:spPr>
+        <p:style>
+          <a:lnRef idx="1">
+            <a:schemeClr val="accent1"/>
+          </a:lnRef>
+          <a:fillRef idx="0">
+            <a:schemeClr val="accent1"/>
+          </a:fillRef>
+          <a:effectRef idx="0">
+            <a:schemeClr val="accent1"/>
+          </a:effectRef>
+          <a:fontRef idx="minor">
+            <a:schemeClr val="tx1"/>
+          </a:fontRef>
+        </p:style>
+      </p:cxnSp>
       <p:cxnSp>
         <p:nvCxnSpPr>
           <p:cNvPr id="9" name="Straight Arrow Connector 8"/>
@@ -11915,7 +11964,7 @@
         </p:nvCxnSpPr>
         <p:spPr>
           <a:xfrm flipH="1">
-            <a:off x="11283767" y="460746"/>
+            <a:off x="11283761" y="1165539"/>
             <a:ext cx="4" cy="338526"/>
           </a:xfrm>
           <a:prstGeom prst="straightConnector1">
@@ -11948,7 +11997,7 @@
         </p:nvCxnSpPr>
         <p:spPr>
           <a:xfrm flipH="1">
-            <a:off x="11283761" y="1165539"/>
+            <a:off x="11283757" y="1876673"/>
             <a:ext cx="4" cy="338526"/>
           </a:xfrm>
           <a:prstGeom prst="straightConnector1">
@@ -11981,11 +12030,87 @@
         </p:nvCxnSpPr>
         <p:spPr>
           <a:xfrm flipH="1">
-            <a:off x="11283757" y="1876673"/>
+            <a:off x="11295481" y="2591777"/>
             <a:ext cx="4" cy="338526"/>
           </a:xfrm>
           <a:prstGeom prst="straightConnector1">
             <a:avLst/>
+          </a:prstGeom>
+          <a:ln>
+            <a:tailEnd type="triangle"/>
+          </a:ln>
+        </p:spPr>
+        <p:style>
+          <a:lnRef idx="1">
+            <a:schemeClr val="accent1"/>
+          </a:lnRef>
+          <a:fillRef idx="0">
+            <a:schemeClr val="accent1"/>
+          </a:fillRef>
+          <a:effectRef idx="0">
+            <a:schemeClr val="accent1"/>
+          </a:effectRef>
+          <a:fontRef idx="minor">
+            <a:schemeClr val="tx1"/>
+          </a:fontRef>
+        </p:style>
+      </p:cxnSp>
+      <p:sp>
+        <p:nvSpPr>
+          <p:cNvPr id="12" name="TextBox 11"/>
+          <p:cNvSpPr txBox="1"/>
+          <p:nvPr/>
+        </p:nvSpPr>
+        <p:spPr>
+          <a:xfrm>
+            <a:off x="10821813" y="2920630"/>
+            <a:ext cx="970780" cy="369332"/>
+          </a:xfrm>
+          <a:prstGeom prst="rect">
+            <a:avLst/>
+          </a:prstGeom>
+          <a:solidFill>
+            <a:schemeClr val="accent4">
+              <a:lumMod val="20000"/>
+              <a:lumOff val="80000"/>
+            </a:schemeClr>
+          </a:solidFill>
+          <a:ln>
+            <a:solidFill>
+              <a:schemeClr val="accent1"/>
+            </a:solidFill>
+          </a:ln>
+        </p:spPr>
+        <p:txBody>
+          <a:bodyPr wrap="none" rtlCol="0">
+            <a:spAutoFit/>
+          </a:bodyPr>
+          <a:lstStyle/>
+          <a:p>
+            <a:pPr algn="ctr"/>
+            <a:r>
+              <a:rPr lang="en-US" dirty="0" smtClean="0"/>
+              <a:t>Refactor</a:t>
+            </a:r>
+            <a:endParaRPr lang="en-US" dirty="0"/>
+          </a:p>
+        </p:txBody>
+      </p:sp>
+      <p:cxnSp>
+        <p:nvCxnSpPr>
+          <p:cNvPr id="13" name="Elbow Connector 12"/>
+          <p:cNvCxnSpPr/>
+          <p:nvPr/>
+        </p:nvCxnSpPr>
+        <p:spPr>
+          <a:xfrm flipV="1">
+            <a:off x="11792593" y="276080"/>
+            <a:ext cx="57166" cy="2829216"/>
+          </a:xfrm>
+          <a:prstGeom prst="bentConnector3">
+            <a:avLst>
+              <a:gd name="adj1" fmla="val 499888"/>
+            </a:avLst>
           </a:prstGeom>
           <a:ln>
             <a:tailEnd type="triangle"/>
@@ -12008,116 +12133,7 @@
       </p:cxnSp>
       <p:cxnSp>
         <p:nvCxnSpPr>
-          <p:cNvPr id="12" name="Straight Arrow Connector 11"/>
-          <p:cNvCxnSpPr/>
-          <p:nvPr/>
-        </p:nvCxnSpPr>
-        <p:spPr>
-          <a:xfrm flipH="1">
-            <a:off x="11295481" y="2591777"/>
-            <a:ext cx="4" cy="338526"/>
-          </a:xfrm>
-          <a:prstGeom prst="straightConnector1">
-            <a:avLst/>
-          </a:prstGeom>
-          <a:ln>
-            <a:tailEnd type="triangle"/>
-          </a:ln>
-        </p:spPr>
-        <p:style>
-          <a:lnRef idx="1">
-            <a:schemeClr val="accent1"/>
-          </a:lnRef>
-          <a:fillRef idx="0">
-            <a:schemeClr val="accent1"/>
-          </a:fillRef>
-          <a:effectRef idx="0">
-            <a:schemeClr val="accent1"/>
-          </a:effectRef>
-          <a:fontRef idx="minor">
-            <a:schemeClr val="tx1"/>
-          </a:fontRef>
-        </p:style>
-      </p:cxnSp>
-      <p:sp>
-        <p:nvSpPr>
-          <p:cNvPr id="13" name="TextBox 12"/>
-          <p:cNvSpPr txBox="1"/>
-          <p:nvPr/>
-        </p:nvSpPr>
-        <p:spPr>
-          <a:xfrm>
-            <a:off x="10821813" y="2920630"/>
-            <a:ext cx="970780" cy="369332"/>
-          </a:xfrm>
-          <a:prstGeom prst="rect">
-            <a:avLst/>
-          </a:prstGeom>
-          <a:solidFill>
-            <a:schemeClr val="accent4">
-              <a:lumMod val="20000"/>
-              <a:lumOff val="80000"/>
-            </a:schemeClr>
-          </a:solidFill>
-          <a:ln>
-            <a:solidFill>
-              <a:schemeClr val="accent1"/>
-            </a:solidFill>
-          </a:ln>
-        </p:spPr>
-        <p:txBody>
-          <a:bodyPr wrap="none" rtlCol="0">
-            <a:spAutoFit/>
-          </a:bodyPr>
-          <a:lstStyle/>
-          <a:p>
-            <a:pPr algn="ctr"/>
-            <a:r>
-              <a:rPr lang="en-US" dirty="0" smtClean="0"/>
-              <a:t>Refactor</a:t>
-            </a:r>
-            <a:endParaRPr lang="en-US" dirty="0"/>
-          </a:p>
-        </p:txBody>
-      </p:sp>
-      <p:cxnSp>
-        <p:nvCxnSpPr>
           <p:cNvPr id="14" name="Elbow Connector 13"/>
-          <p:cNvCxnSpPr/>
-          <p:nvPr/>
-        </p:nvCxnSpPr>
-        <p:spPr>
-          <a:xfrm flipV="1">
-            <a:off x="11792593" y="276080"/>
-            <a:ext cx="57166" cy="2829216"/>
-          </a:xfrm>
-          <a:prstGeom prst="bentConnector3">
-            <a:avLst>
-              <a:gd name="adj1" fmla="val 499888"/>
-            </a:avLst>
-          </a:prstGeom>
-          <a:ln>
-            <a:tailEnd type="triangle"/>
-          </a:ln>
-        </p:spPr>
-        <p:style>
-          <a:lnRef idx="1">
-            <a:schemeClr val="accent1"/>
-          </a:lnRef>
-          <a:fillRef idx="0">
-            <a:schemeClr val="accent1"/>
-          </a:fillRef>
-          <a:effectRef idx="0">
-            <a:schemeClr val="accent1"/>
-          </a:effectRef>
-          <a:fontRef idx="minor">
-            <a:schemeClr val="tx1"/>
-          </a:fontRef>
-        </p:style>
-      </p:cxnSp>
-      <p:cxnSp>
-        <p:nvCxnSpPr>
-          <p:cNvPr id="15" name="Elbow Connector 14"/>
           <p:cNvCxnSpPr/>
           <p:nvPr/>
         </p:nvCxnSpPr>
@@ -12152,7 +12168,7 @@
       </p:cxnSp>
       <p:pic>
         <p:nvPicPr>
-          <p:cNvPr id="24" name="Picture 23"/>
+          <p:cNvPr id="15" name="Picture 14"/>
           <p:cNvPicPr>
             <a:picLocks noChangeAspect="1"/>
           </p:cNvPicPr>
@@ -12166,24 +12182,48 @@
         </p:blipFill>
         <p:spPr>
           <a:xfrm>
-            <a:off x="838200" y="3503733"/>
-            <a:ext cx="4051300" cy="1752600"/>
+            <a:off x="1932965" y="2903452"/>
+            <a:ext cx="1879600" cy="2120900"/>
           </a:xfrm>
           <a:prstGeom prst="rect">
             <a:avLst/>
           </a:prstGeom>
         </p:spPr>
       </p:pic>
-      <p:sp>
-        <p:nvSpPr>
-          <p:cNvPr id="25" name="Right Arrow 24"/>
+      <p:pic>
+        <p:nvPicPr>
+          <p:cNvPr id="17" name="Picture 16"/>
+          <p:cNvPicPr>
+            <a:picLocks noChangeAspect="1"/>
+          </p:cNvPicPr>
+          <p:nvPr/>
+        </p:nvPicPr>
+        <p:blipFill>
+          <a:blip r:embed="rId3"/>
+          <a:stretch>
+            <a:fillRect/>
+          </a:stretch>
+        </p:blipFill>
+        <p:spPr>
+          <a:xfrm>
+            <a:off x="6280286" y="3406928"/>
+            <a:ext cx="3530600" cy="965200"/>
+          </a:xfrm>
+          <a:prstGeom prst="rect">
+            <a:avLst/>
+          </a:prstGeom>
+        </p:spPr>
+      </p:pic>
+      <p:sp>
+        <p:nvSpPr>
+          <p:cNvPr id="18" name="Right Arrow 17"/>
           <p:cNvSpPr/>
           <p:nvPr/>
         </p:nvSpPr>
         <p:spPr>
           <a:xfrm>
-            <a:off x="4153086" y="4201563"/>
-            <a:ext cx="1254869" cy="356940"/>
+            <a:off x="4250987" y="3570051"/>
+            <a:ext cx="1393654" cy="431243"/>
           </a:xfrm>
           <a:prstGeom prst="rightArrow">
             <a:avLst/>
@@ -12214,40 +12254,23 @@
           </a:p>
         </p:txBody>
       </p:sp>
-      <p:pic>
-        <p:nvPicPr>
-          <p:cNvPr id="26" name="Picture 25"/>
-          <p:cNvPicPr>
-            <a:picLocks noChangeAspect="1"/>
-          </p:cNvPicPr>
-          <p:nvPr/>
-        </p:nvPicPr>
-        <p:blipFill>
-          <a:blip r:embed="rId3"/>
-          <a:stretch>
-            <a:fillRect/>
-          </a:stretch>
-        </p:blipFill>
-        <p:spPr>
-          <a:xfrm>
-            <a:off x="5518799" y="3484277"/>
-            <a:ext cx="5384800" cy="2870200"/>
-          </a:xfrm>
-          <a:prstGeom prst="rect">
-            <a:avLst/>
-          </a:prstGeom>
-        </p:spPr>
-      </p:pic>
     </p:spTree>
     <p:extLst>
       <p:ext uri="{BB962C8B-B14F-4D97-AF65-F5344CB8AC3E}">
-        <p14:creationId xmlns:p14="http://schemas.microsoft.com/office/powerpoint/2010/main" val="537633538"/>
+        <p14:creationId xmlns:p14="http://schemas.microsoft.com/office/powerpoint/2010/main" val="620517449"/>
       </p:ext>
     </p:extLst>
   </p:cSld>
   <p:clrMapOvr>
     <a:masterClrMapping/>
   </p:clrMapOvr>
+  <p:timing>
+    <p:tnLst>
+      <p:par>
+        <p:cTn id="1" dur="indefinite" restart="never" nodeType="tmRoot"/>
+      </p:par>
+    </p:tnLst>
+  </p:timing>
 </p:sld>
 </file>
 
@@ -12285,7 +12308,7 @@
           <a:p>
             <a:r>
               <a:rPr lang="en-US" dirty="0" smtClean="0"/>
-              <a:t>Green</a:t>
+              <a:t>Refactor – Data duplication</a:t>
             </a:r>
             <a:endParaRPr lang="en-US" dirty="0"/>
           </a:p>
@@ -12303,36 +12326,37 @@
         </p:nvSpPr>
         <p:spPr/>
         <p:txBody>
-          <a:bodyPr>
-            <a:normAutofit/>
-          </a:bodyPr>
-          <a:lstStyle/>
-          <a:p>
-            <a:r>
-              <a:rPr lang="en-US" dirty="0" smtClean="0"/>
-              <a:t>Ensure all tests still pass, after having performed a refactoring</a:t>
-            </a:r>
-          </a:p>
-          <a:p>
-            <a:r>
-              <a:rPr lang="en-US" dirty="0" smtClean="0"/>
-              <a:t>No matter how small the refactoring, ensure all tests pass</a:t>
-            </a:r>
-          </a:p>
-          <a:p>
-            <a:endParaRPr lang="en-US" dirty="0" smtClean="0"/>
-          </a:p>
-        </p:txBody>
-      </p:sp>
-      <p:sp>
-        <p:nvSpPr>
-          <p:cNvPr id="28" name="TextBox 27"/>
+          <a:bodyPr/>
+          <a:lstStyle/>
+          <a:p>
+            <a:r>
+              <a:rPr lang="en-US" dirty="0" smtClean="0"/>
+              <a:t>Commonly found between a test and production code</a:t>
+            </a:r>
+          </a:p>
+          <a:p>
+            <a:r>
+              <a:rPr lang="en-US" dirty="0" smtClean="0"/>
+              <a:t>Helpful in determining the next test to write</a:t>
+            </a:r>
+          </a:p>
+          <a:p>
+            <a:r>
+              <a:rPr lang="en-US" dirty="0" smtClean="0"/>
+              <a:t>e.g.</a:t>
+            </a:r>
+          </a:p>
+        </p:txBody>
+      </p:sp>
+      <p:sp>
+        <p:nvSpPr>
+          <p:cNvPr id="5" name="TextBox 4"/>
           <p:cNvSpPr txBox="1"/>
           <p:nvPr/>
         </p:nvSpPr>
         <p:spPr>
           <a:xfrm>
-            <a:off x="10717781" y="91414"/>
+            <a:off x="10717782" y="91414"/>
             <a:ext cx="1131977" cy="369332"/>
           </a:xfrm>
           <a:prstGeom prst="rect">
@@ -12361,13 +12385,13 @@
       </p:sp>
       <p:sp>
         <p:nvSpPr>
-          <p:cNvPr id="29" name="TextBox 28"/>
+          <p:cNvPr id="6" name="TextBox 5"/>
           <p:cNvSpPr txBox="1"/>
           <p:nvPr/>
         </p:nvSpPr>
         <p:spPr>
           <a:xfrm>
-            <a:off x="11012249" y="799272"/>
+            <a:off x="11012250" y="799272"/>
             <a:ext cx="543034" cy="369332"/>
           </a:xfrm>
           <a:prstGeom prst="rect">
@@ -12397,24 +12421,19 @@
       </p:sp>
       <p:sp>
         <p:nvSpPr>
-          <p:cNvPr id="30" name="TextBox 29"/>
+          <p:cNvPr id="7" name="TextBox 6"/>
           <p:cNvSpPr txBox="1"/>
           <p:nvPr/>
         </p:nvSpPr>
         <p:spPr>
           <a:xfrm>
-            <a:off x="10903599" y="1500699"/>
+            <a:off x="10903600" y="1500699"/>
             <a:ext cx="760337" cy="369332"/>
           </a:xfrm>
           <a:prstGeom prst="rect">
             <a:avLst/>
           </a:prstGeom>
-          <a:solidFill>
-            <a:schemeClr val="accent4">
-              <a:lumMod val="20000"/>
-              <a:lumOff val="80000"/>
-            </a:schemeClr>
-          </a:solidFill>
+          <a:noFill/>
           <a:ln>
             <a:solidFill>
               <a:schemeClr val="accent1"/>
@@ -12437,13 +12456,13 @@
       </p:sp>
       <p:sp>
         <p:nvSpPr>
-          <p:cNvPr id="31" name="TextBox 30"/>
+          <p:cNvPr id="8" name="TextBox 7"/>
           <p:cNvSpPr txBox="1"/>
           <p:nvPr/>
         </p:nvSpPr>
         <p:spPr>
           <a:xfrm>
-            <a:off x="10819542" y="2224061"/>
+            <a:off x="10819543" y="2224061"/>
             <a:ext cx="928460" cy="369332"/>
           </a:xfrm>
           <a:prstGeom prst="rect">
@@ -12473,13 +12492,13 @@
       </p:sp>
       <p:cxnSp>
         <p:nvCxnSpPr>
-          <p:cNvPr id="32" name="Straight Arrow Connector 31"/>
+          <p:cNvPr id="9" name="Straight Arrow Connector 8"/>
           <p:cNvCxnSpPr/>
           <p:nvPr/>
         </p:nvCxnSpPr>
         <p:spPr>
           <a:xfrm flipH="1">
-            <a:off x="11283766" y="460746"/>
+            <a:off x="11283767" y="460746"/>
             <a:ext cx="4" cy="338526"/>
           </a:xfrm>
           <a:prstGeom prst="straightConnector1">
@@ -12506,13 +12525,13 @@
       </p:cxnSp>
       <p:cxnSp>
         <p:nvCxnSpPr>
-          <p:cNvPr id="33" name="Straight Arrow Connector 32"/>
+          <p:cNvPr id="10" name="Straight Arrow Connector 9"/>
           <p:cNvCxnSpPr/>
           <p:nvPr/>
         </p:nvCxnSpPr>
         <p:spPr>
           <a:xfrm flipH="1">
-            <a:off x="11283760" y="1165539"/>
+            <a:off x="11283761" y="1165539"/>
             <a:ext cx="4" cy="338526"/>
           </a:xfrm>
           <a:prstGeom prst="straightConnector1">
@@ -12539,13 +12558,13 @@
       </p:cxnSp>
       <p:cxnSp>
         <p:nvCxnSpPr>
-          <p:cNvPr id="34" name="Straight Arrow Connector 33"/>
+          <p:cNvPr id="11" name="Straight Arrow Connector 10"/>
           <p:cNvCxnSpPr/>
           <p:nvPr/>
         </p:nvCxnSpPr>
         <p:spPr>
           <a:xfrm flipH="1">
-            <a:off x="11283756" y="1876673"/>
+            <a:off x="11283757" y="1876673"/>
             <a:ext cx="4" cy="338526"/>
           </a:xfrm>
           <a:prstGeom prst="straightConnector1">
@@ -12572,13 +12591,13 @@
       </p:cxnSp>
       <p:cxnSp>
         <p:nvCxnSpPr>
-          <p:cNvPr id="35" name="Straight Arrow Connector 34"/>
+          <p:cNvPr id="12" name="Straight Arrow Connector 11"/>
           <p:cNvCxnSpPr/>
           <p:nvPr/>
         </p:nvCxnSpPr>
         <p:spPr>
           <a:xfrm flipH="1">
-            <a:off x="11295480" y="2591777"/>
+            <a:off x="11295481" y="2591777"/>
             <a:ext cx="4" cy="338526"/>
           </a:xfrm>
           <a:prstGeom prst="straightConnector1">
@@ -12605,19 +12624,24 @@
       </p:cxnSp>
       <p:sp>
         <p:nvSpPr>
-          <p:cNvPr id="36" name="TextBox 35"/>
+          <p:cNvPr id="13" name="TextBox 12"/>
           <p:cNvSpPr txBox="1"/>
           <p:nvPr/>
         </p:nvSpPr>
         <p:spPr>
           <a:xfrm>
-            <a:off x="10821812" y="2920630"/>
+            <a:off x="10821813" y="2920630"/>
             <a:ext cx="970780" cy="369332"/>
           </a:xfrm>
           <a:prstGeom prst="rect">
             <a:avLst/>
           </a:prstGeom>
-          <a:noFill/>
+          <a:solidFill>
+            <a:schemeClr val="accent4">
+              <a:lumMod val="20000"/>
+              <a:lumOff val="80000"/>
+            </a:schemeClr>
+          </a:solidFill>
           <a:ln>
             <a:solidFill>
               <a:schemeClr val="accent1"/>
@@ -12632,7 +12656,7 @@
           <a:p>
             <a:pPr algn="ctr"/>
             <a:r>
-              <a:rPr lang="en-US" smtClean="0"/>
+              <a:rPr lang="en-US" dirty="0" smtClean="0"/>
               <a:t>Refactor</a:t>
             </a:r>
             <a:endParaRPr lang="en-US" dirty="0"/>
@@ -12641,13 +12665,13 @@
       </p:sp>
       <p:cxnSp>
         <p:nvCxnSpPr>
-          <p:cNvPr id="37" name="Elbow Connector 36"/>
+          <p:cNvPr id="14" name="Elbow Connector 13"/>
           <p:cNvCxnSpPr/>
           <p:nvPr/>
         </p:nvCxnSpPr>
         <p:spPr>
           <a:xfrm flipV="1">
-            <a:off x="11792592" y="276080"/>
+            <a:off x="11792593" y="276080"/>
             <a:ext cx="57166" cy="2829216"/>
           </a:xfrm>
           <a:prstGeom prst="bentConnector3">
@@ -12676,13 +12700,13 @@
       </p:cxnSp>
       <p:cxnSp>
         <p:nvCxnSpPr>
-          <p:cNvPr id="38" name="Elbow Connector 37"/>
+          <p:cNvPr id="15" name="Elbow Connector 14"/>
           <p:cNvCxnSpPr/>
           <p:nvPr/>
         </p:nvCxnSpPr>
         <p:spPr>
           <a:xfrm rot="10800000" flipH="1">
-            <a:off x="10821811" y="1685366"/>
+            <a:off x="10821812" y="1685366"/>
             <a:ext cx="81787" cy="1419931"/>
           </a:xfrm>
           <a:prstGeom prst="bentConnector3">
@@ -12690,12 +12714,7 @@
               <a:gd name="adj1" fmla="val -279507"/>
             </a:avLst>
           </a:prstGeom>
-          <a:ln w="31750">
-            <a:solidFill>
-              <a:schemeClr val="accent6">
-                <a:lumMod val="75000"/>
-              </a:schemeClr>
-            </a:solidFill>
+          <a:ln>
             <a:tailEnd type="triangle"/>
           </a:ln>
         </p:spPr>
@@ -12714,16 +12733,111 @@
           </a:fontRef>
         </p:style>
       </p:cxnSp>
+      <p:pic>
+        <p:nvPicPr>
+          <p:cNvPr id="24" name="Picture 23"/>
+          <p:cNvPicPr>
+            <a:picLocks noChangeAspect="1"/>
+          </p:cNvPicPr>
+          <p:nvPr/>
+        </p:nvPicPr>
+        <p:blipFill>
+          <a:blip r:embed="rId2"/>
+          <a:stretch>
+            <a:fillRect/>
+          </a:stretch>
+        </p:blipFill>
+        <p:spPr>
+          <a:xfrm>
+            <a:off x="838200" y="3503733"/>
+            <a:ext cx="4051300" cy="1752600"/>
+          </a:xfrm>
+          <a:prstGeom prst="rect">
+            <a:avLst/>
+          </a:prstGeom>
+        </p:spPr>
+      </p:pic>
+      <p:sp>
+        <p:nvSpPr>
+          <p:cNvPr id="25" name="Right Arrow 24"/>
+          <p:cNvSpPr/>
+          <p:nvPr/>
+        </p:nvSpPr>
+        <p:spPr>
+          <a:xfrm>
+            <a:off x="4153086" y="4201563"/>
+            <a:ext cx="1254869" cy="356940"/>
+          </a:xfrm>
+          <a:prstGeom prst="rightArrow">
+            <a:avLst/>
+          </a:prstGeom>
+        </p:spPr>
+        <p:style>
+          <a:lnRef idx="2">
+            <a:schemeClr val="accent1">
+              <a:shade val="50000"/>
+            </a:schemeClr>
+          </a:lnRef>
+          <a:fillRef idx="1">
+            <a:schemeClr val="accent1"/>
+          </a:fillRef>
+          <a:effectRef idx="0">
+            <a:schemeClr val="accent1"/>
+          </a:effectRef>
+          <a:fontRef idx="minor">
+            <a:schemeClr val="lt1"/>
+          </a:fontRef>
+        </p:style>
+        <p:txBody>
+          <a:bodyPr rtlCol="0" anchor="ctr"/>
+          <a:lstStyle/>
+          <a:p>
+            <a:pPr algn="ctr"/>
+            <a:endParaRPr lang="en-US"/>
+          </a:p>
+        </p:txBody>
+      </p:sp>
+      <p:pic>
+        <p:nvPicPr>
+          <p:cNvPr id="26" name="Picture 25"/>
+          <p:cNvPicPr>
+            <a:picLocks noChangeAspect="1"/>
+          </p:cNvPicPr>
+          <p:nvPr/>
+        </p:nvPicPr>
+        <p:blipFill>
+          <a:blip r:embed="rId3"/>
+          <a:stretch>
+            <a:fillRect/>
+          </a:stretch>
+        </p:blipFill>
+        <p:spPr>
+          <a:xfrm>
+            <a:off x="5518799" y="3484277"/>
+            <a:ext cx="5384800" cy="2870200"/>
+          </a:xfrm>
+          <a:prstGeom prst="rect">
+            <a:avLst/>
+          </a:prstGeom>
+        </p:spPr>
+      </p:pic>
     </p:spTree>
     <p:extLst>
       <p:ext uri="{BB962C8B-B14F-4D97-AF65-F5344CB8AC3E}">
-        <p14:creationId xmlns:p14="http://schemas.microsoft.com/office/powerpoint/2010/main" val="279539633"/>
+        <p14:creationId xmlns:p14="http://schemas.microsoft.com/office/powerpoint/2010/main" val="537633538"/>
       </p:ext>
     </p:extLst>
   </p:cSld>
   <p:clrMapOvr>
     <a:masterClrMapping/>
   </p:clrMapOvr>
+  <p:timing>
+    <p:tnLst>
+      <p:par>
+        <p:cTn id="1" dur="indefinite" restart="never" nodeType="tmRoot"/>
+      </p:par>
+    </p:tnLst>
+  </p:timing>
 </p:sld>
 </file>
 
@@ -12761,7 +12875,7 @@
           <a:p>
             <a:r>
               <a:rPr lang="en-US" dirty="0" smtClean="0"/>
-              <a:t>Why TDD?</a:t>
+              <a:t>TDD Experience</a:t>
             </a:r>
             <a:endParaRPr lang="en-US" dirty="0"/>
           </a:p>
@@ -12779,56 +12893,19 @@
         </p:nvSpPr>
         <p:spPr/>
         <p:txBody>
-          <a:bodyPr>
-            <a:normAutofit/>
-          </a:bodyPr>
-          <a:lstStyle/>
-          <a:p>
-            <a:r>
-              <a:rPr lang="en-US" dirty="0" smtClean="0"/>
-              <a:t>Guard against regression</a:t>
-            </a:r>
-          </a:p>
-          <a:p>
-            <a:r>
-              <a:rPr lang="en-US" dirty="0" smtClean="0"/>
-              <a:t>Enable fearless refactoring</a:t>
-            </a:r>
-          </a:p>
-          <a:p>
-            <a:r>
-              <a:rPr lang="en-US" dirty="0" smtClean="0"/>
-              <a:t>Executable documentation</a:t>
-            </a:r>
-          </a:p>
-          <a:p>
-            <a:r>
-              <a:rPr lang="en-US" dirty="0" smtClean="0"/>
-              <a:t>Short feedback loops</a:t>
-            </a:r>
-          </a:p>
-          <a:p>
-            <a:r>
-              <a:rPr lang="en-US" dirty="0" smtClean="0"/>
-              <a:t>Avoid scope creep – identify when work is complete</a:t>
-            </a:r>
-          </a:p>
-          <a:p>
-            <a:r>
-              <a:rPr lang="en-US" dirty="0" smtClean="0"/>
-              <a:t>Reduced use of the debugger</a:t>
-            </a:r>
-          </a:p>
-          <a:p>
-            <a:r>
-              <a:rPr lang="en-US" dirty="0" smtClean="0"/>
-              <a:t>Facilitates team members to work on code simultaneously</a:t>
-            </a:r>
-          </a:p>
-          <a:p>
-            <a:endParaRPr lang="en-US" dirty="0" smtClean="0"/>
-          </a:p>
-          <a:p>
+          <a:bodyPr/>
+          <a:lstStyle/>
+          <a:p>
+            <a:r>
+              <a:rPr lang="en-US" dirty="0" smtClean="0"/>
+              <a:t>What experience have you had with TDD?</a:t>
+            </a:r>
+          </a:p>
+          <a:p>
+            <a:r>
+              <a:rPr lang="en-US" dirty="0" smtClean="0"/>
+              <a:t>What would you like to gain from the training?</a:t>
+            </a:r>
             <a:endParaRPr lang="en-US" dirty="0"/>
           </a:p>
         </p:txBody>
@@ -12836,7 +12913,7 @@
     </p:spTree>
     <p:extLst>
       <p:ext uri="{BB962C8B-B14F-4D97-AF65-F5344CB8AC3E}">
-        <p14:creationId xmlns:p14="http://schemas.microsoft.com/office/powerpoint/2010/main" val="753159939"/>
+        <p14:creationId xmlns:p14="http://schemas.microsoft.com/office/powerpoint/2010/main" val="1291562110"/>
       </p:ext>
     </p:extLst>
   </p:cSld>
@@ -12873,18 +12950,14 @@
             <p:ph type="title"/>
           </p:nvPr>
         </p:nvSpPr>
-        <p:spPr>
-          <a:solidFill>
-            <a:schemeClr val="bg1"/>
-          </a:solidFill>
-        </p:spPr>
+        <p:spPr/>
         <p:txBody>
           <a:bodyPr/>
           <a:lstStyle/>
           <a:p>
             <a:r>
               <a:rPr lang="en-US" dirty="0" smtClean="0"/>
-              <a:t>Commit</a:t>
+              <a:t>Green</a:t>
             </a:r>
             <a:endParaRPr lang="en-US" dirty="0"/>
           </a:p>
@@ -12909,14 +12982,17 @@
           <a:p>
             <a:r>
               <a:rPr lang="en-US" dirty="0" smtClean="0"/>
-              <a:t>Commit, so as to lock the refactoring in</a:t>
-            </a:r>
-          </a:p>
-          <a:p>
-            <a:r>
-              <a:rPr lang="en-US" dirty="0" smtClean="0"/>
-              <a:t>Destroy the card of the task you are presently working on</a:t>
-            </a:r>
+              <a:t>Ensure all tests still pass, after having performed a refactoring</a:t>
+            </a:r>
+          </a:p>
+          <a:p>
+            <a:r>
+              <a:rPr lang="en-US" dirty="0" smtClean="0"/>
+              <a:t>No matter how small the refactoring, ensure all tests pass</a:t>
+            </a:r>
+          </a:p>
+          <a:p>
+            <a:endParaRPr lang="en-US" dirty="0" smtClean="0"/>
           </a:p>
         </p:txBody>
       </p:sp>
@@ -13001,41 +13077,6 @@
           <a:xfrm>
             <a:off x="10903599" y="1500699"/>
             <a:ext cx="760337" cy="369332"/>
-          </a:xfrm>
-          <a:prstGeom prst="rect">
-            <a:avLst/>
-          </a:prstGeom>
-          <a:noFill/>
-          <a:ln>
-            <a:solidFill>
-              <a:schemeClr val="accent1"/>
-            </a:solidFill>
-          </a:ln>
-        </p:spPr>
-        <p:txBody>
-          <a:bodyPr wrap="none" rtlCol="0">
-            <a:spAutoFit/>
-          </a:bodyPr>
-          <a:lstStyle/>
-          <a:p>
-            <a:pPr algn="ctr"/>
-            <a:r>
-              <a:rPr lang="en-US" dirty="0" smtClean="0"/>
-              <a:t>Green</a:t>
-            </a:r>
-          </a:p>
-        </p:txBody>
-      </p:sp>
-      <p:sp>
-        <p:nvSpPr>
-          <p:cNvPr id="31" name="TextBox 30"/>
-          <p:cNvSpPr txBox="1"/>
-          <p:nvPr/>
-        </p:nvSpPr>
-        <p:spPr>
-          <a:xfrm>
-            <a:off x="10819542" y="2224061"/>
-            <a:ext cx="928460" cy="369332"/>
           </a:xfrm>
           <a:prstGeom prst="rect">
             <a:avLst/>
@@ -13046,6 +13087,41 @@
               <a:lumOff val="80000"/>
             </a:schemeClr>
           </a:solidFill>
+          <a:ln>
+            <a:solidFill>
+              <a:schemeClr val="accent1"/>
+            </a:solidFill>
+          </a:ln>
+        </p:spPr>
+        <p:txBody>
+          <a:bodyPr wrap="none" rtlCol="0">
+            <a:spAutoFit/>
+          </a:bodyPr>
+          <a:lstStyle/>
+          <a:p>
+            <a:pPr algn="ctr"/>
+            <a:r>
+              <a:rPr lang="en-US" dirty="0" smtClean="0"/>
+              <a:t>Green</a:t>
+            </a:r>
+          </a:p>
+        </p:txBody>
+      </p:sp>
+      <p:sp>
+        <p:nvSpPr>
+          <p:cNvPr id="31" name="TextBox 30"/>
+          <p:cNvSpPr txBox="1"/>
+          <p:nvPr/>
+        </p:nvSpPr>
+        <p:spPr>
+          <a:xfrm>
+            <a:off x="10819542" y="2224061"/>
+            <a:ext cx="928460" cy="369332"/>
+          </a:xfrm>
+          <a:prstGeom prst="rect">
+            <a:avLst/>
+          </a:prstGeom>
+          <a:noFill/>
           <a:ln>
             <a:solidFill>
               <a:schemeClr val="accent1"/>
@@ -13147,12 +13223,7 @@
           <a:prstGeom prst="straightConnector1">
             <a:avLst/>
           </a:prstGeom>
-          <a:ln w="31750">
-            <a:solidFill>
-              <a:schemeClr val="accent6">
-                <a:lumMod val="75000"/>
-              </a:schemeClr>
-            </a:solidFill>
+          <a:ln>
             <a:tailEnd type="triangle"/>
           </a:ln>
         </p:spPr>
@@ -13291,7 +13362,12 @@
               <a:gd name="adj1" fmla="val -279507"/>
             </a:avLst>
           </a:prstGeom>
-          <a:ln>
+          <a:ln w="31750">
+            <a:solidFill>
+              <a:schemeClr val="accent6">
+                <a:lumMod val="75000"/>
+              </a:schemeClr>
+            </a:solidFill>
             <a:tailEnd type="triangle"/>
           </a:ln>
         </p:spPr>
@@ -13313,13 +13389,20 @@
     </p:spTree>
     <p:extLst>
       <p:ext uri="{BB962C8B-B14F-4D97-AF65-F5344CB8AC3E}">
-        <p14:creationId xmlns:p14="http://schemas.microsoft.com/office/powerpoint/2010/main" val="1913742070"/>
+        <p14:creationId xmlns:p14="http://schemas.microsoft.com/office/powerpoint/2010/main" val="279539633"/>
       </p:ext>
     </p:extLst>
   </p:cSld>
   <p:clrMapOvr>
     <a:masterClrMapping/>
   </p:clrMapOvr>
+  <p:timing>
+    <p:tnLst>
+      <p:par>
+        <p:cTn id="1" dur="indefinite" restart="never" nodeType="tmRoot"/>
+      </p:par>
+    </p:tnLst>
+  </p:timing>
 </p:sld>
 </file>
 
@@ -13350,28 +13433,62 @@
             <p:ph type="title"/>
           </p:nvPr>
         </p:nvSpPr>
+        <p:spPr>
+          <a:solidFill>
+            <a:schemeClr val="bg1"/>
+          </a:solidFill>
+        </p:spPr>
+        <p:txBody>
+          <a:bodyPr/>
+          <a:lstStyle/>
+          <a:p>
+            <a:r>
+              <a:rPr lang="en-US" dirty="0" smtClean="0"/>
+              <a:t>Commit</a:t>
+            </a:r>
+            <a:endParaRPr lang="en-US" dirty="0"/>
+          </a:p>
+        </p:txBody>
+      </p:sp>
+      <p:sp>
+        <p:nvSpPr>
+          <p:cNvPr id="3" name="Content Placeholder 2"/>
+          <p:cNvSpPr>
+            <a:spLocks noGrp="1"/>
+          </p:cNvSpPr>
+          <p:nvPr>
+            <p:ph idx="1"/>
+          </p:nvPr>
+        </p:nvSpPr>
         <p:spPr/>
         <p:txBody>
-          <a:bodyPr/>
-          <a:lstStyle/>
-          <a:p>
-            <a:r>
-              <a:rPr lang="en-US" dirty="0" smtClean="0"/>
-              <a:t>Test Driven Development Cycle</a:t>
-            </a:r>
-            <a:endParaRPr lang="en-US" dirty="0"/>
-          </a:p>
-        </p:txBody>
-      </p:sp>
-      <p:sp>
-        <p:nvSpPr>
-          <p:cNvPr id="45" name="TextBox 44"/>
+          <a:bodyPr>
+            <a:normAutofit/>
+          </a:bodyPr>
+          <a:lstStyle/>
+          <a:p>
+            <a:r>
+              <a:rPr lang="en-US" dirty="0" smtClean="0"/>
+              <a:t>Commit, so as to lock the refactoring in</a:t>
+            </a:r>
+          </a:p>
+          <a:p>
+            <a:r>
+              <a:rPr lang="en-US" dirty="0" smtClean="0"/>
+              <a:t>Destroy the card of the task you are presently working on</a:t>
+            </a:r>
+          </a:p>
+        </p:txBody>
+      </p:sp>
+      <p:sp>
+        <p:nvSpPr>
+          <p:cNvPr id="28" name="TextBox 27"/>
           <p:cNvSpPr txBox="1"/>
           <p:nvPr/>
         </p:nvSpPr>
         <p:spPr>
           <a:xfrm>
-            <a:off x="4832797" y="2161482"/>
+            <a:off x="10717781" y="91414"/>
             <a:ext cx="1131977" cy="369332"/>
           </a:xfrm>
           <a:prstGeom prst="rect">
@@ -13400,13 +13517,13 @@
       </p:sp>
       <p:sp>
         <p:nvSpPr>
-          <p:cNvPr id="46" name="TextBox 45"/>
+          <p:cNvPr id="29" name="TextBox 28"/>
           <p:cNvSpPr txBox="1"/>
           <p:nvPr/>
         </p:nvSpPr>
         <p:spPr>
           <a:xfrm>
-            <a:off x="5127265" y="2869340"/>
+            <a:off x="11012249" y="799272"/>
             <a:ext cx="543034" cy="369332"/>
           </a:xfrm>
           <a:prstGeom prst="rect">
@@ -13436,13 +13553,13 @@
       </p:sp>
       <p:sp>
         <p:nvSpPr>
-          <p:cNvPr id="47" name="TextBox 46"/>
+          <p:cNvPr id="30" name="TextBox 29"/>
           <p:cNvSpPr txBox="1"/>
           <p:nvPr/>
         </p:nvSpPr>
         <p:spPr>
           <a:xfrm>
-            <a:off x="5018615" y="3570767"/>
+            <a:off x="10903599" y="1500699"/>
             <a:ext cx="760337" cy="369332"/>
           </a:xfrm>
           <a:prstGeom prst="rect">
@@ -13471,19 +13588,24 @@
       </p:sp>
       <p:sp>
         <p:nvSpPr>
-          <p:cNvPr id="48" name="TextBox 47"/>
+          <p:cNvPr id="31" name="TextBox 30"/>
           <p:cNvSpPr txBox="1"/>
           <p:nvPr/>
         </p:nvSpPr>
         <p:spPr>
           <a:xfrm>
-            <a:off x="4934558" y="4294129"/>
+            <a:off x="10819542" y="2224061"/>
             <a:ext cx="928460" cy="369332"/>
           </a:xfrm>
           <a:prstGeom prst="rect">
             <a:avLst/>
           </a:prstGeom>
-          <a:noFill/>
+          <a:solidFill>
+            <a:schemeClr val="accent4">
+              <a:lumMod val="20000"/>
+              <a:lumOff val="80000"/>
+            </a:schemeClr>
+          </a:solidFill>
           <a:ln>
             <a:solidFill>
               <a:schemeClr val="accent1"/>
@@ -13507,13 +13629,13 @@
       </p:sp>
       <p:cxnSp>
         <p:nvCxnSpPr>
-          <p:cNvPr id="49" name="Straight Arrow Connector 48"/>
+          <p:cNvPr id="32" name="Straight Arrow Connector 31"/>
           <p:cNvCxnSpPr/>
           <p:nvPr/>
         </p:nvCxnSpPr>
         <p:spPr>
           <a:xfrm flipH="1">
-            <a:off x="5398782" y="2530814"/>
+            <a:off x="11283766" y="460746"/>
             <a:ext cx="4" cy="338526"/>
           </a:xfrm>
           <a:prstGeom prst="straightConnector1">
@@ -13540,13 +13662,13 @@
       </p:cxnSp>
       <p:cxnSp>
         <p:nvCxnSpPr>
-          <p:cNvPr id="50" name="Straight Arrow Connector 49"/>
+          <p:cNvPr id="33" name="Straight Arrow Connector 32"/>
           <p:cNvCxnSpPr/>
           <p:nvPr/>
         </p:nvCxnSpPr>
         <p:spPr>
           <a:xfrm flipH="1">
-            <a:off x="5398776" y="3235607"/>
+            <a:off x="11283760" y="1165539"/>
             <a:ext cx="4" cy="338526"/>
           </a:xfrm>
           <a:prstGeom prst="straightConnector1">
@@ -13573,19 +13695,24 @@
       </p:cxnSp>
       <p:cxnSp>
         <p:nvCxnSpPr>
-          <p:cNvPr id="51" name="Straight Arrow Connector 50"/>
+          <p:cNvPr id="34" name="Straight Arrow Connector 33"/>
           <p:cNvCxnSpPr/>
           <p:nvPr/>
         </p:nvCxnSpPr>
         <p:spPr>
           <a:xfrm flipH="1">
-            <a:off x="5398772" y="3946741"/>
+            <a:off x="11283756" y="1876673"/>
             <a:ext cx="4" cy="338526"/>
           </a:xfrm>
           <a:prstGeom prst="straightConnector1">
             <a:avLst/>
           </a:prstGeom>
-          <a:ln>
+          <a:ln w="31750">
+            <a:solidFill>
+              <a:schemeClr val="accent6">
+                <a:lumMod val="75000"/>
+              </a:schemeClr>
+            </a:solidFill>
             <a:tailEnd type="triangle"/>
           </a:ln>
         </p:spPr>
@@ -13606,13 +13733,13 @@
       </p:cxnSp>
       <p:cxnSp>
         <p:nvCxnSpPr>
-          <p:cNvPr id="52" name="Straight Arrow Connector 51"/>
+          <p:cNvPr id="35" name="Straight Arrow Connector 34"/>
           <p:cNvCxnSpPr/>
           <p:nvPr/>
         </p:nvCxnSpPr>
         <p:spPr>
           <a:xfrm flipH="1">
-            <a:off x="5410496" y="4661845"/>
+            <a:off x="11295480" y="2591777"/>
             <a:ext cx="4" cy="338526"/>
           </a:xfrm>
           <a:prstGeom prst="straightConnector1">
@@ -13639,13 +13766,13 @@
       </p:cxnSp>
       <p:sp>
         <p:nvSpPr>
-          <p:cNvPr id="53" name="TextBox 52"/>
+          <p:cNvPr id="36" name="TextBox 35"/>
           <p:cNvSpPr txBox="1"/>
           <p:nvPr/>
         </p:nvSpPr>
         <p:spPr>
           <a:xfrm>
-            <a:off x="4936828" y="4990698"/>
+            <a:off x="10821812" y="2920630"/>
             <a:ext cx="970780" cy="369332"/>
           </a:xfrm>
           <a:prstGeom prst="rect">
@@ -13675,13 +13802,13 @@
       </p:sp>
       <p:cxnSp>
         <p:nvCxnSpPr>
-          <p:cNvPr id="54" name="Elbow Connector 53"/>
+          <p:cNvPr id="37" name="Elbow Connector 36"/>
           <p:cNvCxnSpPr/>
           <p:nvPr/>
         </p:nvCxnSpPr>
         <p:spPr>
           <a:xfrm flipV="1">
-            <a:off x="5907608" y="2346148"/>
+            <a:off x="11792592" y="276080"/>
             <a:ext cx="57166" cy="2829216"/>
           </a:xfrm>
           <a:prstGeom prst="bentConnector3">
@@ -13710,13 +13837,13 @@
       </p:cxnSp>
       <p:cxnSp>
         <p:nvCxnSpPr>
-          <p:cNvPr id="55" name="Elbow Connector 54"/>
+          <p:cNvPr id="38" name="Elbow Connector 37"/>
           <p:cNvCxnSpPr/>
           <p:nvPr/>
         </p:nvCxnSpPr>
         <p:spPr>
           <a:xfrm rot="10800000" flipH="1">
-            <a:off x="4936827" y="3755434"/>
+            <a:off x="10821811" y="1685366"/>
             <a:ext cx="81787" cy="1419931"/>
           </a:xfrm>
           <a:prstGeom prst="bentConnector3">
@@ -13746,13 +13873,20 @@
     </p:spTree>
     <p:extLst>
       <p:ext uri="{BB962C8B-B14F-4D97-AF65-F5344CB8AC3E}">
-        <p14:creationId xmlns:p14="http://schemas.microsoft.com/office/powerpoint/2010/main" val="1099963929"/>
+        <p14:creationId xmlns:p14="http://schemas.microsoft.com/office/powerpoint/2010/main" val="1913742070"/>
       </p:ext>
     </p:extLst>
   </p:cSld>
   <p:clrMapOvr>
     <a:masterClrMapping/>
   </p:clrMapOvr>
+  <p:timing>
+    <p:tnLst>
+      <p:par>
+        <p:cTn id="1" dur="indefinite" restart="never" nodeType="tmRoot"/>
+      </p:par>
+    </p:tnLst>
+  </p:timing>
 </p:sld>
 </file>
 
@@ -13789,10 +13923,450 @@
           <a:lstStyle/>
           <a:p>
             <a:r>
+              <a:rPr lang="en-US" dirty="0" smtClean="0"/>
+              <a:t>Test Driven Development Cycle</a:t>
+            </a:r>
+            <a:endParaRPr lang="en-US" dirty="0"/>
+          </a:p>
+        </p:txBody>
+      </p:sp>
+      <p:sp>
+        <p:nvSpPr>
+          <p:cNvPr id="45" name="TextBox 44"/>
+          <p:cNvSpPr txBox="1"/>
+          <p:nvPr/>
+        </p:nvSpPr>
+        <p:spPr>
+          <a:xfrm>
+            <a:off x="4832797" y="2161482"/>
+            <a:ext cx="1131977" cy="369332"/>
+          </a:xfrm>
+          <a:prstGeom prst="rect">
+            <a:avLst/>
+          </a:prstGeom>
+          <a:noFill/>
+          <a:ln>
+            <a:solidFill>
+              <a:schemeClr val="accent1"/>
+            </a:solidFill>
+          </a:ln>
+        </p:spPr>
+        <p:txBody>
+          <a:bodyPr wrap="none" rtlCol="0">
+            <a:spAutoFit/>
+          </a:bodyPr>
+          <a:lstStyle/>
+          <a:p>
+            <a:pPr algn="ctr"/>
+            <a:r>
+              <a:rPr lang="en-US" dirty="0" smtClean="0"/>
+              <a:t>Add a test</a:t>
+            </a:r>
+          </a:p>
+        </p:txBody>
+      </p:sp>
+      <p:sp>
+        <p:nvSpPr>
+          <p:cNvPr id="46" name="TextBox 45"/>
+          <p:cNvSpPr txBox="1"/>
+          <p:nvPr/>
+        </p:nvSpPr>
+        <p:spPr>
+          <a:xfrm>
+            <a:off x="5127265" y="2869340"/>
+            <a:ext cx="543034" cy="369332"/>
+          </a:xfrm>
+          <a:prstGeom prst="rect">
+            <a:avLst/>
+          </a:prstGeom>
+          <a:noFill/>
+          <a:ln>
+            <a:solidFill>
+              <a:schemeClr val="accent1"/>
+            </a:solidFill>
+          </a:ln>
+        </p:spPr>
+        <p:txBody>
+          <a:bodyPr wrap="none" rtlCol="0">
+            <a:spAutoFit/>
+          </a:bodyPr>
+          <a:lstStyle/>
+          <a:p>
+            <a:pPr algn="ctr"/>
+            <a:r>
+              <a:rPr lang="en-US" dirty="0" smtClean="0"/>
+              <a:t>Red</a:t>
+            </a:r>
+            <a:endParaRPr lang="en-US" dirty="0"/>
+          </a:p>
+        </p:txBody>
+      </p:sp>
+      <p:sp>
+        <p:nvSpPr>
+          <p:cNvPr id="47" name="TextBox 46"/>
+          <p:cNvSpPr txBox="1"/>
+          <p:nvPr/>
+        </p:nvSpPr>
+        <p:spPr>
+          <a:xfrm>
+            <a:off x="5018615" y="3570767"/>
+            <a:ext cx="760337" cy="369332"/>
+          </a:xfrm>
+          <a:prstGeom prst="rect">
+            <a:avLst/>
+          </a:prstGeom>
+          <a:noFill/>
+          <a:ln>
+            <a:solidFill>
+              <a:schemeClr val="accent1"/>
+            </a:solidFill>
+          </a:ln>
+        </p:spPr>
+        <p:txBody>
+          <a:bodyPr wrap="none" rtlCol="0">
+            <a:spAutoFit/>
+          </a:bodyPr>
+          <a:lstStyle/>
+          <a:p>
+            <a:pPr algn="ctr"/>
+            <a:r>
+              <a:rPr lang="en-US" dirty="0" smtClean="0"/>
+              <a:t>Green</a:t>
+            </a:r>
+          </a:p>
+        </p:txBody>
+      </p:sp>
+      <p:sp>
+        <p:nvSpPr>
+          <p:cNvPr id="48" name="TextBox 47"/>
+          <p:cNvSpPr txBox="1"/>
+          <p:nvPr/>
+        </p:nvSpPr>
+        <p:spPr>
+          <a:xfrm>
+            <a:off x="4934558" y="4294129"/>
+            <a:ext cx="928460" cy="369332"/>
+          </a:xfrm>
+          <a:prstGeom prst="rect">
+            <a:avLst/>
+          </a:prstGeom>
+          <a:noFill/>
+          <a:ln>
+            <a:solidFill>
+              <a:schemeClr val="accent1"/>
+            </a:solidFill>
+          </a:ln>
+        </p:spPr>
+        <p:txBody>
+          <a:bodyPr wrap="none" rtlCol="0">
+            <a:spAutoFit/>
+          </a:bodyPr>
+          <a:lstStyle/>
+          <a:p>
+            <a:pPr algn="ctr"/>
+            <a:r>
+              <a:rPr lang="en-US" dirty="0" smtClean="0"/>
+              <a:t>Commit</a:t>
+            </a:r>
+            <a:endParaRPr lang="en-US" dirty="0"/>
+          </a:p>
+        </p:txBody>
+      </p:sp>
+      <p:cxnSp>
+        <p:nvCxnSpPr>
+          <p:cNvPr id="49" name="Straight Arrow Connector 48"/>
+          <p:cNvCxnSpPr/>
+          <p:nvPr/>
+        </p:nvCxnSpPr>
+        <p:spPr>
+          <a:xfrm flipH="1">
+            <a:off x="5398782" y="2530814"/>
+            <a:ext cx="4" cy="338526"/>
+          </a:xfrm>
+          <a:prstGeom prst="straightConnector1">
+            <a:avLst/>
+          </a:prstGeom>
+          <a:ln>
+            <a:tailEnd type="triangle"/>
+          </a:ln>
+        </p:spPr>
+        <p:style>
+          <a:lnRef idx="1">
+            <a:schemeClr val="accent1"/>
+          </a:lnRef>
+          <a:fillRef idx="0">
+            <a:schemeClr val="accent1"/>
+          </a:fillRef>
+          <a:effectRef idx="0">
+            <a:schemeClr val="accent1"/>
+          </a:effectRef>
+          <a:fontRef idx="minor">
+            <a:schemeClr val="tx1"/>
+          </a:fontRef>
+        </p:style>
+      </p:cxnSp>
+      <p:cxnSp>
+        <p:nvCxnSpPr>
+          <p:cNvPr id="50" name="Straight Arrow Connector 49"/>
+          <p:cNvCxnSpPr/>
+          <p:nvPr/>
+        </p:nvCxnSpPr>
+        <p:spPr>
+          <a:xfrm flipH="1">
+            <a:off x="5398776" y="3235607"/>
+            <a:ext cx="4" cy="338526"/>
+          </a:xfrm>
+          <a:prstGeom prst="straightConnector1">
+            <a:avLst/>
+          </a:prstGeom>
+          <a:ln>
+            <a:tailEnd type="triangle"/>
+          </a:ln>
+        </p:spPr>
+        <p:style>
+          <a:lnRef idx="1">
+            <a:schemeClr val="accent1"/>
+          </a:lnRef>
+          <a:fillRef idx="0">
+            <a:schemeClr val="accent1"/>
+          </a:fillRef>
+          <a:effectRef idx="0">
+            <a:schemeClr val="accent1"/>
+          </a:effectRef>
+          <a:fontRef idx="minor">
+            <a:schemeClr val="tx1"/>
+          </a:fontRef>
+        </p:style>
+      </p:cxnSp>
+      <p:cxnSp>
+        <p:nvCxnSpPr>
+          <p:cNvPr id="51" name="Straight Arrow Connector 50"/>
+          <p:cNvCxnSpPr/>
+          <p:nvPr/>
+        </p:nvCxnSpPr>
+        <p:spPr>
+          <a:xfrm flipH="1">
+            <a:off x="5398772" y="3946741"/>
+            <a:ext cx="4" cy="338526"/>
+          </a:xfrm>
+          <a:prstGeom prst="straightConnector1">
+            <a:avLst/>
+          </a:prstGeom>
+          <a:ln>
+            <a:tailEnd type="triangle"/>
+          </a:ln>
+        </p:spPr>
+        <p:style>
+          <a:lnRef idx="1">
+            <a:schemeClr val="accent1"/>
+          </a:lnRef>
+          <a:fillRef idx="0">
+            <a:schemeClr val="accent1"/>
+          </a:fillRef>
+          <a:effectRef idx="0">
+            <a:schemeClr val="accent1"/>
+          </a:effectRef>
+          <a:fontRef idx="minor">
+            <a:schemeClr val="tx1"/>
+          </a:fontRef>
+        </p:style>
+      </p:cxnSp>
+      <p:cxnSp>
+        <p:nvCxnSpPr>
+          <p:cNvPr id="52" name="Straight Arrow Connector 51"/>
+          <p:cNvCxnSpPr/>
+          <p:nvPr/>
+        </p:nvCxnSpPr>
+        <p:spPr>
+          <a:xfrm flipH="1">
+            <a:off x="5410496" y="4661845"/>
+            <a:ext cx="4" cy="338526"/>
+          </a:xfrm>
+          <a:prstGeom prst="straightConnector1">
+            <a:avLst/>
+          </a:prstGeom>
+          <a:ln>
+            <a:tailEnd type="triangle"/>
+          </a:ln>
+        </p:spPr>
+        <p:style>
+          <a:lnRef idx="1">
+            <a:schemeClr val="accent1"/>
+          </a:lnRef>
+          <a:fillRef idx="0">
+            <a:schemeClr val="accent1"/>
+          </a:fillRef>
+          <a:effectRef idx="0">
+            <a:schemeClr val="accent1"/>
+          </a:effectRef>
+          <a:fontRef idx="minor">
+            <a:schemeClr val="tx1"/>
+          </a:fontRef>
+        </p:style>
+      </p:cxnSp>
+      <p:sp>
+        <p:nvSpPr>
+          <p:cNvPr id="53" name="TextBox 52"/>
+          <p:cNvSpPr txBox="1"/>
+          <p:nvPr/>
+        </p:nvSpPr>
+        <p:spPr>
+          <a:xfrm>
+            <a:off x="4936828" y="4990698"/>
+            <a:ext cx="970780" cy="369332"/>
+          </a:xfrm>
+          <a:prstGeom prst="rect">
+            <a:avLst/>
+          </a:prstGeom>
+          <a:noFill/>
+          <a:ln>
+            <a:solidFill>
+              <a:schemeClr val="accent1"/>
+            </a:solidFill>
+          </a:ln>
+        </p:spPr>
+        <p:txBody>
+          <a:bodyPr wrap="none" rtlCol="0">
+            <a:spAutoFit/>
+          </a:bodyPr>
+          <a:lstStyle/>
+          <a:p>
+            <a:pPr algn="ctr"/>
+            <a:r>
               <a:rPr lang="en-US" smtClean="0"/>
+              <a:t>Refactor</a:t>
+            </a:r>
+            <a:endParaRPr lang="en-US" dirty="0"/>
+          </a:p>
+        </p:txBody>
+      </p:sp>
+      <p:cxnSp>
+        <p:nvCxnSpPr>
+          <p:cNvPr id="54" name="Elbow Connector 53"/>
+          <p:cNvCxnSpPr/>
+          <p:nvPr/>
+        </p:nvCxnSpPr>
+        <p:spPr>
+          <a:xfrm flipV="1">
+            <a:off x="5907608" y="2346148"/>
+            <a:ext cx="57166" cy="2829216"/>
+          </a:xfrm>
+          <a:prstGeom prst="bentConnector3">
+            <a:avLst>
+              <a:gd name="adj1" fmla="val 499888"/>
+            </a:avLst>
+          </a:prstGeom>
+          <a:ln>
+            <a:tailEnd type="triangle"/>
+          </a:ln>
+        </p:spPr>
+        <p:style>
+          <a:lnRef idx="1">
+            <a:schemeClr val="accent1"/>
+          </a:lnRef>
+          <a:fillRef idx="0">
+            <a:schemeClr val="accent1"/>
+          </a:fillRef>
+          <a:effectRef idx="0">
+            <a:schemeClr val="accent1"/>
+          </a:effectRef>
+          <a:fontRef idx="minor">
+            <a:schemeClr val="tx1"/>
+          </a:fontRef>
+        </p:style>
+      </p:cxnSp>
+      <p:cxnSp>
+        <p:nvCxnSpPr>
+          <p:cNvPr id="55" name="Elbow Connector 54"/>
+          <p:cNvCxnSpPr/>
+          <p:nvPr/>
+        </p:nvCxnSpPr>
+        <p:spPr>
+          <a:xfrm rot="10800000" flipH="1">
+            <a:off x="4936827" y="3755434"/>
+            <a:ext cx="81787" cy="1419931"/>
+          </a:xfrm>
+          <a:prstGeom prst="bentConnector3">
+            <a:avLst>
+              <a:gd name="adj1" fmla="val -279507"/>
+            </a:avLst>
+          </a:prstGeom>
+          <a:ln>
+            <a:tailEnd type="triangle"/>
+          </a:ln>
+        </p:spPr>
+        <p:style>
+          <a:lnRef idx="1">
+            <a:schemeClr val="accent1"/>
+          </a:lnRef>
+          <a:fillRef idx="0">
+            <a:schemeClr val="accent1"/>
+          </a:fillRef>
+          <a:effectRef idx="0">
+            <a:schemeClr val="accent1"/>
+          </a:effectRef>
+          <a:fontRef idx="minor">
+            <a:schemeClr val="tx1"/>
+          </a:fontRef>
+        </p:style>
+      </p:cxnSp>
+    </p:spTree>
+    <p:extLst>
+      <p:ext uri="{BB962C8B-B14F-4D97-AF65-F5344CB8AC3E}">
+        <p14:creationId xmlns:p14="http://schemas.microsoft.com/office/powerpoint/2010/main" val="1099963929"/>
+      </p:ext>
+    </p:extLst>
+  </p:cSld>
+  <p:clrMapOvr>
+    <a:masterClrMapping/>
+  </p:clrMapOvr>
+  <p:timing>
+    <p:tnLst>
+      <p:par>
+        <p:cTn id="1" dur="indefinite" restart="never" nodeType="tmRoot"/>
+      </p:par>
+    </p:tnLst>
+  </p:timing>
+</p:sld>
+</file>
+
+<file path=ppt/slides/slide33.xml><?xml version="1.0" encoding="utf-8"?>
+<p:sld xmlns:a="http://schemas.openxmlformats.org/drawingml/2006/main" xmlns:r="http://schemas.openxmlformats.org/officeDocument/2006/relationships" xmlns:p="http://schemas.openxmlformats.org/presentationml/2006/main">
+  <p:cSld>
+    <p:spTree>
+      <p:nvGrpSpPr>
+        <p:cNvPr id="1" name=""/>
+        <p:cNvGrpSpPr/>
+        <p:nvPr/>
+      </p:nvGrpSpPr>
+      <p:grpSpPr>
+        <a:xfrm>
+          <a:off x="0" y="0"/>
+          <a:ext cx="0" cy="0"/>
+          <a:chOff x="0" y="0"/>
+          <a:chExt cx="0" cy="0"/>
+        </a:xfrm>
+      </p:grpSpPr>
+      <p:sp>
+        <p:nvSpPr>
+          <p:cNvPr id="2" name="Title 1"/>
+          <p:cNvSpPr>
+            <a:spLocks noGrp="1"/>
+          </p:cNvSpPr>
+          <p:nvPr>
+            <p:ph type="title"/>
+          </p:nvPr>
+        </p:nvSpPr>
+        <p:spPr/>
+        <p:txBody>
+          <a:bodyPr/>
+          <a:lstStyle/>
+          <a:p>
+            <a:r>
+              <a:rPr lang="en-US" dirty="0" smtClean="0"/>
               <a:t>Object Mother</a:t>
             </a:r>
-            <a:endParaRPr lang="en-US"/>
+            <a:endParaRPr lang="en-US" dirty="0"/>
           </a:p>
         </p:txBody>
       </p:sp>
@@ -13811,7 +14385,7 @@
           <a:bodyPr/>
           <a:lstStyle/>
           <a:p>
-            <a:endParaRPr lang="en-US"/>
+            <a:endParaRPr lang="en-US" dirty="0"/>
           </a:p>
         </p:txBody>
       </p:sp>
@@ -13825,6 +14399,13 @@
   <p:clrMapOvr>
     <a:masterClrMapping/>
   </p:clrMapOvr>
+  <p:timing>
+    <p:tnLst>
+      <p:par>
+        <p:cTn id="1" dur="indefinite" restart="never" nodeType="tmRoot"/>
+      </p:par>
+    </p:tnLst>
+  </p:timing>
 </p:sld>
 </file>
 
@@ -13862,7 +14443,7 @@
           <a:p>
             <a:r>
               <a:rPr lang="en-US" dirty="0" smtClean="0"/>
-              <a:t>TDD Encourages Simple Code</a:t>
+              <a:t>Why TDD?</a:t>
             </a:r>
             <a:endParaRPr lang="en-US" dirty="0"/>
           </a:p>
@@ -13880,87 +14461,77 @@
         </p:nvSpPr>
         <p:spPr/>
         <p:txBody>
-          <a:bodyPr/>
-          <a:lstStyle/>
-          <a:p>
-            <a:r>
-              <a:rPr lang="en-US" dirty="0"/>
-              <a:t>Small classes focused on one thing</a:t>
-            </a:r>
-          </a:p>
-          <a:p>
-            <a:r>
-              <a:rPr lang="en-US" dirty="0"/>
-              <a:t>Test small increments of code</a:t>
-            </a:r>
-          </a:p>
-          <a:p>
-            <a:r>
-              <a:rPr lang="en-US" dirty="0" smtClean="0"/>
-              <a:t>Encourages:</a:t>
-            </a:r>
-          </a:p>
-          <a:p>
-            <a:pPr lvl="1"/>
-            <a:r>
-              <a:rPr lang="en-US" dirty="0" smtClean="0"/>
-              <a:t>Low coupling</a:t>
-            </a:r>
-          </a:p>
-          <a:p>
-            <a:pPr lvl="2"/>
-            <a:r>
-              <a:rPr lang="en-US" dirty="0" smtClean="0"/>
-              <a:t>Tightly coupled systems are difficult to evolve</a:t>
-            </a:r>
-          </a:p>
-          <a:p>
-            <a:pPr lvl="2"/>
-            <a:r>
-              <a:rPr lang="en-US" dirty="0" smtClean="0"/>
-              <a:t>A change in one area often triggers undesired changes in a different area</a:t>
-            </a:r>
-          </a:p>
-          <a:p>
-            <a:pPr lvl="1"/>
-            <a:r>
-              <a:rPr lang="en-US" dirty="0" smtClean="0"/>
-              <a:t>High cohesion</a:t>
-            </a:r>
-          </a:p>
-          <a:p>
-            <a:pPr lvl="2"/>
-            <a:r>
-              <a:rPr lang="en-US" dirty="0" smtClean="0"/>
-              <a:t>Placing related concepts and components near each other</a:t>
-            </a:r>
-          </a:p>
-          <a:p>
-            <a:pPr lvl="2"/>
-            <a:r>
-              <a:rPr lang="en-US" dirty="0" smtClean="0"/>
-              <a:t>Aids in the readability of the design</a:t>
-            </a:r>
-          </a:p>
-          <a:p>
-            <a:pPr lvl="2"/>
-            <a:r>
-              <a:rPr lang="en-US" dirty="0" smtClean="0"/>
-              <a:t>Reduces error because it aids in readability </a:t>
-            </a:r>
+          <a:bodyPr>
+            <a:normAutofit/>
+          </a:bodyPr>
+          <a:lstStyle/>
+          <a:p>
+            <a:r>
+              <a:rPr lang="en-US" dirty="0" smtClean="0"/>
+              <a:t>Guard against regression</a:t>
+            </a:r>
+          </a:p>
+          <a:p>
+            <a:r>
+              <a:rPr lang="en-US" dirty="0" smtClean="0"/>
+              <a:t>Enable fearless refactoring</a:t>
+            </a:r>
+          </a:p>
+          <a:p>
+            <a:r>
+              <a:rPr lang="en-US" dirty="0" smtClean="0"/>
+              <a:t>Executable documentation</a:t>
+            </a:r>
+          </a:p>
+          <a:p>
+            <a:r>
+              <a:rPr lang="en-US" dirty="0" smtClean="0"/>
+              <a:t>Short feedback loops</a:t>
+            </a:r>
+          </a:p>
+          <a:p>
+            <a:r>
+              <a:rPr lang="en-US" dirty="0" smtClean="0"/>
+              <a:t>Avoid scope creep – identify when work is complete</a:t>
+            </a:r>
+          </a:p>
+          <a:p>
+            <a:r>
+              <a:rPr lang="en-US" dirty="0" smtClean="0"/>
+              <a:t>Reduced use of the debugger</a:t>
+            </a:r>
+          </a:p>
+          <a:p>
+            <a:r>
+              <a:rPr lang="en-US" dirty="0" smtClean="0"/>
+              <a:t>Facilitates team members to work on code simultaneously</a:t>
+            </a:r>
+          </a:p>
+          <a:p>
+            <a:endParaRPr lang="en-US" dirty="0" smtClean="0"/>
+          </a:p>
+          <a:p>
+            <a:endParaRPr lang="en-US" dirty="0"/>
           </a:p>
         </p:txBody>
       </p:sp>
     </p:spTree>
     <p:extLst>
       <p:ext uri="{BB962C8B-B14F-4D97-AF65-F5344CB8AC3E}">
-        <p14:creationId xmlns:p14="http://schemas.microsoft.com/office/powerpoint/2010/main" val="1169972784"/>
+        <p14:creationId xmlns:p14="http://schemas.microsoft.com/office/powerpoint/2010/main" val="753159939"/>
       </p:ext>
     </p:extLst>
   </p:cSld>
   <p:clrMapOvr>
     <a:masterClrMapping/>
   </p:clrMapOvr>
+  <p:timing>
+    <p:tnLst>
+      <p:par>
+        <p:cTn id="1" dur="indefinite" restart="never" nodeType="tmRoot"/>
+      </p:par>
+    </p:tnLst>
+  </p:timing>
 </p:sld>
 </file>
 
@@ -13998,7 +14569,7 @@
           <a:p>
             <a:r>
               <a:rPr lang="en-US" dirty="0" smtClean="0"/>
-              <a:t>Preparing for TDD</a:t>
+              <a:t>TDD Encourages Simple Code</a:t>
             </a:r>
             <a:endParaRPr lang="en-US" dirty="0"/>
           </a:p>
@@ -14016,63 +14587,73 @@
         </p:nvSpPr>
         <p:spPr/>
         <p:txBody>
-          <a:bodyPr>
-            <a:normAutofit/>
-          </a:bodyPr>
-          <a:lstStyle/>
-          <a:p>
-            <a:r>
-              <a:rPr lang="en-US" dirty="0" smtClean="0"/>
-              <a:t>Cyclic dependency rules:</a:t>
+          <a:bodyPr/>
+          <a:lstStyle/>
+          <a:p>
+            <a:r>
+              <a:rPr lang="en-US" dirty="0"/>
+              <a:t>Small classes focused on one thing</a:t>
+            </a:r>
+          </a:p>
+          <a:p>
+            <a:r>
+              <a:rPr lang="en-US" dirty="0"/>
+              <a:t>Test small increments of code</a:t>
+            </a:r>
+          </a:p>
+          <a:p>
+            <a:r>
+              <a:rPr lang="en-US" dirty="0" smtClean="0"/>
+              <a:t>Encourages:</a:t>
             </a:r>
           </a:p>
           <a:p>
             <a:pPr lvl="1"/>
             <a:r>
               <a:rPr lang="en-US" dirty="0" smtClean="0"/>
-              <a:t>Test Code:</a:t>
+              <a:t>Low coupling</a:t>
             </a:r>
           </a:p>
           <a:p>
             <a:pPr lvl="2"/>
             <a:r>
               <a:rPr lang="en-US" dirty="0" smtClean="0"/>
-              <a:t>must be able to depend on production code</a:t>
+              <a:t>Tightly coupled systems are difficult to evolve</a:t>
             </a:r>
           </a:p>
           <a:p>
             <a:pPr lvl="2"/>
             <a:r>
               <a:rPr lang="en-US" dirty="0" smtClean="0"/>
-              <a:t>must be able to depend on testing libraries</a:t>
+              <a:t>A change in one area often triggers undesired changes in a different area</a:t>
             </a:r>
           </a:p>
           <a:p>
             <a:pPr lvl="1"/>
             <a:r>
               <a:rPr lang="en-US" dirty="0" smtClean="0"/>
-              <a:t>Production Code:</a:t>
+              <a:t>High cohesion</a:t>
             </a:r>
           </a:p>
           <a:p>
             <a:pPr lvl="2"/>
             <a:r>
               <a:rPr lang="en-US" dirty="0" smtClean="0"/>
-              <a:t>must not be able to reference test code</a:t>
+              <a:t>Placing related concepts and components near each other</a:t>
             </a:r>
           </a:p>
           <a:p>
             <a:pPr lvl="2"/>
             <a:r>
               <a:rPr lang="en-US" dirty="0" smtClean="0"/>
-              <a:t>must not be able to reference testing libraries</a:t>
-            </a:r>
-          </a:p>
-          <a:p>
-            <a:pPr lvl="1"/>
-            <a:r>
-              <a:rPr lang="en-US" dirty="0" smtClean="0"/>
-              <a:t>IDE and build tools can enforce these rules</a:t>
+              <a:t>Aids in the readability of the design</a:t>
+            </a:r>
+          </a:p>
+          <a:p>
+            <a:pPr lvl="2"/>
+            <a:r>
+              <a:rPr lang="en-US" dirty="0" smtClean="0"/>
+              <a:t>Reduces error because it aids in readability </a:t>
             </a:r>
           </a:p>
         </p:txBody>
@@ -14080,13 +14661,20 @@
     </p:spTree>
     <p:extLst>
       <p:ext uri="{BB962C8B-B14F-4D97-AF65-F5344CB8AC3E}">
-        <p14:creationId xmlns:p14="http://schemas.microsoft.com/office/powerpoint/2010/main" val="1098055193"/>
+        <p14:creationId xmlns:p14="http://schemas.microsoft.com/office/powerpoint/2010/main" val="1169972784"/>
       </p:ext>
     </p:extLst>
   </p:cSld>
   <p:clrMapOvr>
     <a:masterClrMapping/>
   </p:clrMapOvr>
+  <p:timing>
+    <p:tnLst>
+      <p:par>
+        <p:cTn id="1" dur="indefinite" restart="never" nodeType="tmRoot"/>
+      </p:par>
+    </p:tnLst>
+  </p:timing>
 </p:sld>
 </file>
 
@@ -14124,7 +14712,7 @@
           <a:p>
             <a:r>
               <a:rPr lang="en-US" dirty="0" smtClean="0"/>
-              <a:t>Test Directory Structure</a:t>
+              <a:t>Preparing for TDD</a:t>
             </a:r>
             <a:endParaRPr lang="en-US" dirty="0"/>
           </a:p>
@@ -14142,52 +14730,84 @@
         </p:nvSpPr>
         <p:spPr/>
         <p:txBody>
-          <a:bodyPr/>
-          <a:lstStyle/>
-          <a:p>
-            <a:r>
-              <a:rPr lang="en-US" dirty="0"/>
-              <a:t>Separate test and production </a:t>
-            </a:r>
-            <a:r>
-              <a:rPr lang="en-US" dirty="0" smtClean="0"/>
-              <a:t>code</a:t>
+          <a:bodyPr>
+            <a:normAutofit/>
+          </a:bodyPr>
+          <a:lstStyle/>
+          <a:p>
+            <a:r>
+              <a:rPr lang="en-US" dirty="0" smtClean="0"/>
+              <a:t>Cyclic dependency rules:</a:t>
             </a:r>
           </a:p>
           <a:p>
             <a:pPr lvl="1"/>
             <a:r>
               <a:rPr lang="en-US" dirty="0" smtClean="0"/>
-              <a:t>Make it difficult to deploy test code</a:t>
+              <a:t>Test Code:</a:t>
+            </a:r>
+          </a:p>
+          <a:p>
+            <a:pPr lvl="2"/>
+            <a:r>
+              <a:rPr lang="en-US" dirty="0" smtClean="0"/>
+              <a:t>must be able to depend on production code</a:t>
+            </a:r>
+          </a:p>
+          <a:p>
+            <a:pPr lvl="2"/>
+            <a:r>
+              <a:rPr lang="en-US" dirty="0" smtClean="0"/>
+              <a:t>must be able to depend on testing libraries</a:t>
             </a:r>
           </a:p>
           <a:p>
             <a:pPr lvl="1"/>
             <a:r>
               <a:rPr lang="en-US" dirty="0" smtClean="0"/>
-              <a:t>Ensures running all tests is easy</a:t>
-            </a:r>
-            <a:endParaRPr lang="en-US" dirty="0"/>
-          </a:p>
-          <a:p>
-            <a:r>
-              <a:rPr lang="en-US" dirty="0" smtClean="0"/>
-              <a:t>One production class per file</a:t>
-            </a:r>
-            <a:endParaRPr lang="en-US" dirty="0"/>
+              <a:t>Production Code:</a:t>
+            </a:r>
+          </a:p>
+          <a:p>
+            <a:pPr lvl="2"/>
+            <a:r>
+              <a:rPr lang="en-US" dirty="0" smtClean="0"/>
+              <a:t>must not be able to reference test code</a:t>
+            </a:r>
+          </a:p>
+          <a:p>
+            <a:pPr lvl="2"/>
+            <a:r>
+              <a:rPr lang="en-US" dirty="0" smtClean="0"/>
+              <a:t>must not be able to reference testing libraries</a:t>
+            </a:r>
+          </a:p>
+          <a:p>
+            <a:pPr lvl="1"/>
+            <a:r>
+              <a:rPr lang="en-US" dirty="0" smtClean="0"/>
+              <a:t>IDE and build tools can enforce these rules</a:t>
+            </a:r>
           </a:p>
         </p:txBody>
       </p:sp>
     </p:spTree>
     <p:extLst>
       <p:ext uri="{BB962C8B-B14F-4D97-AF65-F5344CB8AC3E}">
-        <p14:creationId xmlns:p14="http://schemas.microsoft.com/office/powerpoint/2010/main" val="16684834"/>
+        <p14:creationId xmlns:p14="http://schemas.microsoft.com/office/powerpoint/2010/main" val="1098055193"/>
       </p:ext>
     </p:extLst>
   </p:cSld>
   <p:clrMapOvr>
     <a:masterClrMapping/>
   </p:clrMapOvr>
+  <p:timing>
+    <p:tnLst>
+      <p:par>
+        <p:cTn id="1" dur="indefinite" restart="never" nodeType="tmRoot"/>
+      </p:par>
+    </p:tnLst>
+  </p:timing>
 </p:sld>
 </file>
 
@@ -14225,7 +14845,7 @@
           <a:p>
             <a:r>
               <a:rPr lang="en-US" dirty="0" smtClean="0"/>
-              <a:t>Example Directory Structures</a:t>
+              <a:t>Test Directory Structure</a:t>
             </a:r>
             <a:endParaRPr lang="en-US" dirty="0"/>
           </a:p>
@@ -14233,121 +14853,69 @@
       </p:sp>
       <p:sp>
         <p:nvSpPr>
-          <p:cNvPr id="8" name="TextBox 7"/>
-          <p:cNvSpPr txBox="1"/>
-          <p:nvPr/>
-        </p:nvSpPr>
-        <p:spPr>
-          <a:xfrm>
-            <a:off x="1618557" y="1402487"/>
-            <a:ext cx="669222" cy="369332"/>
-          </a:xfrm>
-          <a:prstGeom prst="rect">
-            <a:avLst/>
-          </a:prstGeom>
-          <a:noFill/>
-        </p:spPr>
-        <p:txBody>
-          <a:bodyPr wrap="none" rtlCol="0">
-            <a:spAutoFit/>
-          </a:bodyPr>
-          <a:lstStyle/>
-          <a:p>
-            <a:r>
-              <a:rPr lang="en-US" b="1" dirty="0" smtClean="0"/>
-              <a:t>Ruby</a:t>
-            </a:r>
-          </a:p>
-        </p:txBody>
-      </p:sp>
-      <p:sp>
-        <p:nvSpPr>
-          <p:cNvPr id="9" name="TextBox 8"/>
-          <p:cNvSpPr txBox="1"/>
-          <p:nvPr/>
-        </p:nvSpPr>
-        <p:spPr>
-          <a:xfrm>
-            <a:off x="5924550" y="1448615"/>
-            <a:ext cx="3313023" cy="369332"/>
-          </a:xfrm>
-          <a:prstGeom prst="rect">
-            <a:avLst/>
-          </a:prstGeom>
-          <a:noFill/>
-        </p:spPr>
-        <p:txBody>
-          <a:bodyPr wrap="none" rtlCol="0">
-            <a:spAutoFit/>
-          </a:bodyPr>
-          <a:lstStyle/>
-          <a:p>
-            <a:r>
-              <a:rPr lang="en-US" b="1" dirty="0" smtClean="0"/>
-              <a:t>Apache Maven Standard for Java</a:t>
-            </a:r>
-            <a:endParaRPr lang="en-US" b="1" dirty="0"/>
-          </a:p>
-        </p:txBody>
-      </p:sp>
-      <p:pic>
-        <p:nvPicPr>
-          <p:cNvPr id="12" name="Picture 11"/>
-          <p:cNvPicPr>
-            <a:picLocks noChangeAspect="1"/>
-          </p:cNvPicPr>
-          <p:nvPr/>
-        </p:nvPicPr>
-        <p:blipFill>
-          <a:blip r:embed="rId2"/>
-          <a:stretch>
-            <a:fillRect/>
-          </a:stretch>
-        </p:blipFill>
-        <p:spPr>
-          <a:xfrm>
-            <a:off x="5924550" y="1816677"/>
-            <a:ext cx="4406900" cy="2438400"/>
-          </a:xfrm>
-          <a:prstGeom prst="rect">
-            <a:avLst/>
-          </a:prstGeom>
-        </p:spPr>
-      </p:pic>
-      <p:pic>
-        <p:nvPicPr>
-          <p:cNvPr id="3" name="Picture 2"/>
-          <p:cNvPicPr>
-            <a:picLocks noChangeAspect="1"/>
-          </p:cNvPicPr>
-          <p:nvPr/>
-        </p:nvPicPr>
-        <p:blipFill>
-          <a:blip r:embed="rId3"/>
-          <a:stretch>
-            <a:fillRect/>
-          </a:stretch>
-        </p:blipFill>
-        <p:spPr>
-          <a:xfrm>
-            <a:off x="1618557" y="1816677"/>
-            <a:ext cx="3403600" cy="2222500"/>
-          </a:xfrm>
-          <a:prstGeom prst="rect">
-            <a:avLst/>
-          </a:prstGeom>
-        </p:spPr>
-      </p:pic>
+          <p:cNvPr id="3" name="Content Placeholder 2"/>
+          <p:cNvSpPr>
+            <a:spLocks noGrp="1"/>
+          </p:cNvSpPr>
+          <p:nvPr>
+            <p:ph idx="1"/>
+          </p:nvPr>
+        </p:nvSpPr>
+        <p:spPr/>
+        <p:txBody>
+          <a:bodyPr/>
+          <a:lstStyle/>
+          <a:p>
+            <a:r>
+              <a:rPr lang="en-US" dirty="0"/>
+              <a:t>Separate test and production </a:t>
+            </a:r>
+            <a:r>
+              <a:rPr lang="en-US" dirty="0" smtClean="0"/>
+              <a:t>code</a:t>
+            </a:r>
+          </a:p>
+          <a:p>
+            <a:pPr lvl="1"/>
+            <a:r>
+              <a:rPr lang="en-US" dirty="0" smtClean="0"/>
+              <a:t>Make it difficult to deploy test code</a:t>
+            </a:r>
+          </a:p>
+          <a:p>
+            <a:pPr lvl="1"/>
+            <a:r>
+              <a:rPr lang="en-US" dirty="0" smtClean="0"/>
+              <a:t>Ensures running all tests is easy</a:t>
+            </a:r>
+            <a:endParaRPr lang="en-US" dirty="0"/>
+          </a:p>
+          <a:p>
+            <a:r>
+              <a:rPr lang="en-US" dirty="0" smtClean="0"/>
+              <a:t>One production class per file</a:t>
+            </a:r>
+            <a:endParaRPr lang="en-US" dirty="0"/>
+          </a:p>
+        </p:txBody>
+      </p:sp>
     </p:spTree>
     <p:extLst>
       <p:ext uri="{BB962C8B-B14F-4D97-AF65-F5344CB8AC3E}">
-        <p14:creationId xmlns:p14="http://schemas.microsoft.com/office/powerpoint/2010/main" val="1591389537"/>
+        <p14:creationId xmlns:p14="http://schemas.microsoft.com/office/powerpoint/2010/main" val="16684834"/>
       </p:ext>
     </p:extLst>
   </p:cSld>
   <p:clrMapOvr>
     <a:masterClrMapping/>
   </p:clrMapOvr>
+  <p:timing>
+    <p:tnLst>
+      <p:par>
+        <p:cTn id="1" dur="indefinite" restart="never" nodeType="tmRoot"/>
+      </p:par>
+    </p:tnLst>
+  </p:timing>
 </p:sld>
 </file>
 
@@ -14385,7 +14953,7 @@
           <a:p>
             <a:r>
               <a:rPr lang="en-US" dirty="0" smtClean="0"/>
-              <a:t>Task the functionality out</a:t>
+              <a:t>Example Directory Structures</a:t>
             </a:r>
             <a:endParaRPr lang="en-US" dirty="0"/>
           </a:p>
@@ -14393,98 +14961,128 @@
       </p:sp>
       <p:sp>
         <p:nvSpPr>
-          <p:cNvPr id="3" name="Content Placeholder 2"/>
-          <p:cNvSpPr>
-            <a:spLocks noGrp="1"/>
-          </p:cNvSpPr>
-          <p:nvPr>
-            <p:ph idx="1"/>
-          </p:nvPr>
-        </p:nvSpPr>
-        <p:spPr/>
-        <p:txBody>
-          <a:bodyPr>
-            <a:normAutofit/>
+          <p:cNvPr id="8" name="TextBox 7"/>
+          <p:cNvSpPr txBox="1"/>
+          <p:nvPr/>
+        </p:nvSpPr>
+        <p:spPr>
+          <a:xfrm>
+            <a:off x="1618557" y="1402487"/>
+            <a:ext cx="669222" cy="369332"/>
+          </a:xfrm>
+          <a:prstGeom prst="rect">
+            <a:avLst/>
+          </a:prstGeom>
+          <a:noFill/>
+        </p:spPr>
+        <p:txBody>
+          <a:bodyPr wrap="none" rtlCol="0">
+            <a:spAutoFit/>
           </a:bodyPr>
           <a:lstStyle/>
           <a:p>
             <a:r>
-              <a:rPr lang="en-US" dirty="0" smtClean="0"/>
-              <a:t>On index cards create a list of tasks needed to complete the exercise</a:t>
-            </a:r>
-          </a:p>
-          <a:p>
-            <a:r>
-              <a:rPr lang="en-US" dirty="0" smtClean="0"/>
-              <a:t>Tasks to consider:</a:t>
-            </a:r>
-          </a:p>
-          <a:p>
-            <a:pPr lvl="1"/>
-            <a:r>
-              <a:rPr lang="en-US" dirty="0" smtClean="0"/>
-              <a:t>Boundary cases:</a:t>
-            </a:r>
-          </a:p>
-          <a:p>
-            <a:pPr lvl="2"/>
-            <a:r>
-              <a:rPr lang="en-US" dirty="0" smtClean="0"/>
-              <a:t>Null inputs</a:t>
-            </a:r>
-          </a:p>
-          <a:p>
-            <a:pPr lvl="2"/>
-            <a:r>
-              <a:rPr lang="en-US" dirty="0" smtClean="0"/>
-              <a:t>Empty strings</a:t>
-            </a:r>
-          </a:p>
-          <a:p>
-            <a:pPr lvl="2"/>
-            <a:r>
-              <a:rPr lang="en-US" dirty="0" smtClean="0"/>
-              <a:t>Invalid strings</a:t>
-            </a:r>
-          </a:p>
-          <a:p>
-            <a:pPr lvl="2"/>
-            <a:r>
-              <a:rPr lang="en-US" dirty="0" smtClean="0"/>
-              <a:t>Values above or below a certain amount (e.g. is -50 miles per hour valid)</a:t>
-            </a:r>
-          </a:p>
-          <a:p>
-            <a:pPr lvl="1"/>
-            <a:r>
-              <a:rPr lang="en-US" dirty="0" smtClean="0"/>
-              <a:t>Tasks required for completion</a:t>
-            </a:r>
-          </a:p>
-          <a:p>
-            <a:r>
-              <a:rPr lang="en-US" dirty="0" smtClean="0"/>
-              <a:t>Need not be exhaustive yet</a:t>
-            </a:r>
-          </a:p>
-          <a:p>
-            <a:r>
-              <a:rPr lang="en-US" dirty="0" smtClean="0"/>
-              <a:t>Create new tasks as work continues</a:t>
-            </a:r>
-          </a:p>
-        </p:txBody>
-      </p:sp>
+              <a:rPr lang="en-US" b="1" dirty="0" smtClean="0"/>
+              <a:t>Ruby</a:t>
+            </a:r>
+          </a:p>
+        </p:txBody>
+      </p:sp>
+      <p:sp>
+        <p:nvSpPr>
+          <p:cNvPr id="9" name="TextBox 8"/>
+          <p:cNvSpPr txBox="1"/>
+          <p:nvPr/>
+        </p:nvSpPr>
+        <p:spPr>
+          <a:xfrm>
+            <a:off x="5924550" y="1448615"/>
+            <a:ext cx="3313023" cy="369332"/>
+          </a:xfrm>
+          <a:prstGeom prst="rect">
+            <a:avLst/>
+          </a:prstGeom>
+          <a:noFill/>
+        </p:spPr>
+        <p:txBody>
+          <a:bodyPr wrap="none" rtlCol="0">
+            <a:spAutoFit/>
+          </a:bodyPr>
+          <a:lstStyle/>
+          <a:p>
+            <a:r>
+              <a:rPr lang="en-US" b="1" dirty="0" smtClean="0"/>
+              <a:t>Apache Maven Standard for Java</a:t>
+            </a:r>
+            <a:endParaRPr lang="en-US" b="1" dirty="0"/>
+          </a:p>
+        </p:txBody>
+      </p:sp>
+      <p:pic>
+        <p:nvPicPr>
+          <p:cNvPr id="12" name="Picture 11"/>
+          <p:cNvPicPr>
+            <a:picLocks noChangeAspect="1"/>
+          </p:cNvPicPr>
+          <p:nvPr/>
+        </p:nvPicPr>
+        <p:blipFill>
+          <a:blip r:embed="rId2"/>
+          <a:stretch>
+            <a:fillRect/>
+          </a:stretch>
+        </p:blipFill>
+        <p:spPr>
+          <a:xfrm>
+            <a:off x="5924550" y="1816677"/>
+            <a:ext cx="4406900" cy="2438400"/>
+          </a:xfrm>
+          <a:prstGeom prst="rect">
+            <a:avLst/>
+          </a:prstGeom>
+        </p:spPr>
+      </p:pic>
+      <p:pic>
+        <p:nvPicPr>
+          <p:cNvPr id="3" name="Picture 2"/>
+          <p:cNvPicPr>
+            <a:picLocks noChangeAspect="1"/>
+          </p:cNvPicPr>
+          <p:nvPr/>
+        </p:nvPicPr>
+        <p:blipFill>
+          <a:blip r:embed="rId3"/>
+          <a:stretch>
+            <a:fillRect/>
+          </a:stretch>
+        </p:blipFill>
+        <p:spPr>
+          <a:xfrm>
+            <a:off x="1618557" y="1816677"/>
+            <a:ext cx="3403600" cy="2222500"/>
+          </a:xfrm>
+          <a:prstGeom prst="rect">
+            <a:avLst/>
+          </a:prstGeom>
+        </p:spPr>
+      </p:pic>
     </p:spTree>
     <p:extLst>
       <p:ext uri="{BB962C8B-B14F-4D97-AF65-F5344CB8AC3E}">
-        <p14:creationId xmlns:p14="http://schemas.microsoft.com/office/powerpoint/2010/main" val="794357935"/>
+        <p14:creationId xmlns:p14="http://schemas.microsoft.com/office/powerpoint/2010/main" val="1591389537"/>
       </p:ext>
     </p:extLst>
   </p:cSld>
   <p:clrMapOvr>
     <a:masterClrMapping/>
   </p:clrMapOvr>
+  <p:timing>
+    <p:tnLst>
+      <p:par>
+        <p:cTn id="1" dur="indefinite" restart="never" nodeType="tmRoot"/>
+      </p:par>
+    </p:tnLst>
+  </p:timing>
 </p:sld>
 </file>
 
@@ -14522,7 +15120,7 @@
           <a:p>
             <a:r>
               <a:rPr lang="en-US" dirty="0" smtClean="0"/>
-              <a:t>Test Driven Development Cycle</a:t>
+              <a:t>Task the functionality out</a:t>
             </a:r>
             <a:endParaRPr lang="en-US" dirty="0"/>
           </a:p>
@@ -14530,394 +15128,105 @@
       </p:sp>
       <p:sp>
         <p:nvSpPr>
-          <p:cNvPr id="45" name="TextBox 44"/>
-          <p:cNvSpPr txBox="1"/>
-          <p:nvPr/>
-        </p:nvSpPr>
-        <p:spPr>
-          <a:xfrm>
-            <a:off x="4832797" y="2161482"/>
-            <a:ext cx="1131977" cy="369332"/>
-          </a:xfrm>
-          <a:prstGeom prst="rect">
-            <a:avLst/>
-          </a:prstGeom>
-          <a:noFill/>
-          <a:ln>
-            <a:solidFill>
-              <a:schemeClr val="accent1"/>
-            </a:solidFill>
-          </a:ln>
-        </p:spPr>
-        <p:txBody>
-          <a:bodyPr wrap="none" rtlCol="0">
-            <a:spAutoFit/>
+          <p:cNvPr id="3" name="Content Placeholder 2"/>
+          <p:cNvSpPr>
+            <a:spLocks noGrp="1"/>
+          </p:cNvSpPr>
+          <p:nvPr>
+            <p:ph idx="1"/>
+          </p:nvPr>
+        </p:nvSpPr>
+        <p:spPr/>
+        <p:txBody>
+          <a:bodyPr>
+            <a:normAutofit/>
           </a:bodyPr>
           <a:lstStyle/>
           <a:p>
-            <a:pPr algn="ctr"/>
-            <a:r>
-              <a:rPr lang="en-US" dirty="0" smtClean="0"/>
-              <a:t>Add a test</a:t>
-            </a:r>
-          </a:p>
-        </p:txBody>
-      </p:sp>
-      <p:sp>
-        <p:nvSpPr>
-          <p:cNvPr id="46" name="TextBox 45"/>
-          <p:cNvSpPr txBox="1"/>
-          <p:nvPr/>
-        </p:nvSpPr>
-        <p:spPr>
-          <a:xfrm>
-            <a:off x="5127265" y="2869340"/>
-            <a:ext cx="543034" cy="369332"/>
-          </a:xfrm>
-          <a:prstGeom prst="rect">
-            <a:avLst/>
-          </a:prstGeom>
-          <a:noFill/>
-          <a:ln>
-            <a:solidFill>
-              <a:schemeClr val="accent1"/>
-            </a:solidFill>
-          </a:ln>
-        </p:spPr>
-        <p:txBody>
-          <a:bodyPr wrap="none" rtlCol="0">
-            <a:spAutoFit/>
-          </a:bodyPr>
-          <a:lstStyle/>
-          <a:p>
-            <a:pPr algn="ctr"/>
-            <a:r>
-              <a:rPr lang="en-US" dirty="0" smtClean="0"/>
-              <a:t>Red</a:t>
-            </a:r>
-            <a:endParaRPr lang="en-US" dirty="0"/>
-          </a:p>
-        </p:txBody>
-      </p:sp>
-      <p:sp>
-        <p:nvSpPr>
-          <p:cNvPr id="47" name="TextBox 46"/>
-          <p:cNvSpPr txBox="1"/>
-          <p:nvPr/>
-        </p:nvSpPr>
-        <p:spPr>
-          <a:xfrm>
-            <a:off x="5018615" y="3570767"/>
-            <a:ext cx="760337" cy="369332"/>
-          </a:xfrm>
-          <a:prstGeom prst="rect">
-            <a:avLst/>
-          </a:prstGeom>
-          <a:noFill/>
-          <a:ln>
-            <a:solidFill>
-              <a:schemeClr val="accent1"/>
-            </a:solidFill>
-          </a:ln>
-        </p:spPr>
-        <p:txBody>
-          <a:bodyPr wrap="none" rtlCol="0">
-            <a:spAutoFit/>
-          </a:bodyPr>
-          <a:lstStyle/>
-          <a:p>
-            <a:pPr algn="ctr"/>
-            <a:r>
-              <a:rPr lang="en-US" dirty="0" smtClean="0"/>
-              <a:t>Green</a:t>
-            </a:r>
-          </a:p>
-        </p:txBody>
-      </p:sp>
-      <p:sp>
-        <p:nvSpPr>
-          <p:cNvPr id="48" name="TextBox 47"/>
-          <p:cNvSpPr txBox="1"/>
-          <p:nvPr/>
-        </p:nvSpPr>
-        <p:spPr>
-          <a:xfrm>
-            <a:off x="4934558" y="4294129"/>
-            <a:ext cx="928460" cy="369332"/>
-          </a:xfrm>
-          <a:prstGeom prst="rect">
-            <a:avLst/>
-          </a:prstGeom>
-          <a:noFill/>
-          <a:ln>
-            <a:solidFill>
-              <a:schemeClr val="accent1"/>
-            </a:solidFill>
-          </a:ln>
-        </p:spPr>
-        <p:txBody>
-          <a:bodyPr wrap="none" rtlCol="0">
-            <a:spAutoFit/>
-          </a:bodyPr>
-          <a:lstStyle/>
-          <a:p>
-            <a:pPr algn="ctr"/>
-            <a:r>
-              <a:rPr lang="en-US" dirty="0" smtClean="0"/>
-              <a:t>Commit</a:t>
-            </a:r>
-            <a:endParaRPr lang="en-US" dirty="0"/>
-          </a:p>
-        </p:txBody>
-      </p:sp>
-      <p:cxnSp>
-        <p:nvCxnSpPr>
-          <p:cNvPr id="49" name="Straight Arrow Connector 48"/>
-          <p:cNvCxnSpPr/>
-          <p:nvPr/>
-        </p:nvCxnSpPr>
-        <p:spPr>
-          <a:xfrm flipH="1">
-            <a:off x="5398782" y="2530814"/>
-            <a:ext cx="4" cy="338526"/>
-          </a:xfrm>
-          <a:prstGeom prst="straightConnector1">
-            <a:avLst/>
-          </a:prstGeom>
-          <a:ln>
-            <a:tailEnd type="triangle"/>
-          </a:ln>
-        </p:spPr>
-        <p:style>
-          <a:lnRef idx="1">
-            <a:schemeClr val="accent1"/>
-          </a:lnRef>
-          <a:fillRef idx="0">
-            <a:schemeClr val="accent1"/>
-          </a:fillRef>
-          <a:effectRef idx="0">
-            <a:schemeClr val="accent1"/>
-          </a:effectRef>
-          <a:fontRef idx="minor">
-            <a:schemeClr val="tx1"/>
-          </a:fontRef>
-        </p:style>
-      </p:cxnSp>
-      <p:cxnSp>
-        <p:nvCxnSpPr>
-          <p:cNvPr id="50" name="Straight Arrow Connector 49"/>
-          <p:cNvCxnSpPr/>
-          <p:nvPr/>
-        </p:nvCxnSpPr>
-        <p:spPr>
-          <a:xfrm flipH="1">
-            <a:off x="5398776" y="3235607"/>
-            <a:ext cx="4" cy="338526"/>
-          </a:xfrm>
-          <a:prstGeom prst="straightConnector1">
-            <a:avLst/>
-          </a:prstGeom>
-          <a:ln>
-            <a:tailEnd type="triangle"/>
-          </a:ln>
-        </p:spPr>
-        <p:style>
-          <a:lnRef idx="1">
-            <a:schemeClr val="accent1"/>
-          </a:lnRef>
-          <a:fillRef idx="0">
-            <a:schemeClr val="accent1"/>
-          </a:fillRef>
-          <a:effectRef idx="0">
-            <a:schemeClr val="accent1"/>
-          </a:effectRef>
-          <a:fontRef idx="minor">
-            <a:schemeClr val="tx1"/>
-          </a:fontRef>
-        </p:style>
-      </p:cxnSp>
-      <p:cxnSp>
-        <p:nvCxnSpPr>
-          <p:cNvPr id="51" name="Straight Arrow Connector 50"/>
-          <p:cNvCxnSpPr/>
-          <p:nvPr/>
-        </p:nvCxnSpPr>
-        <p:spPr>
-          <a:xfrm flipH="1">
-            <a:off x="5398772" y="3946741"/>
-            <a:ext cx="4" cy="338526"/>
-          </a:xfrm>
-          <a:prstGeom prst="straightConnector1">
-            <a:avLst/>
-          </a:prstGeom>
-          <a:ln>
-            <a:tailEnd type="triangle"/>
-          </a:ln>
-        </p:spPr>
-        <p:style>
-          <a:lnRef idx="1">
-            <a:schemeClr val="accent1"/>
-          </a:lnRef>
-          <a:fillRef idx="0">
-            <a:schemeClr val="accent1"/>
-          </a:fillRef>
-          <a:effectRef idx="0">
-            <a:schemeClr val="accent1"/>
-          </a:effectRef>
-          <a:fontRef idx="minor">
-            <a:schemeClr val="tx1"/>
-          </a:fontRef>
-        </p:style>
-      </p:cxnSp>
-      <p:cxnSp>
-        <p:nvCxnSpPr>
-          <p:cNvPr id="52" name="Straight Arrow Connector 51"/>
-          <p:cNvCxnSpPr/>
-          <p:nvPr/>
-        </p:nvCxnSpPr>
-        <p:spPr>
-          <a:xfrm flipH="1">
-            <a:off x="5410496" y="4661845"/>
-            <a:ext cx="4" cy="338526"/>
-          </a:xfrm>
-          <a:prstGeom prst="straightConnector1">
-            <a:avLst/>
-          </a:prstGeom>
-          <a:ln>
-            <a:tailEnd type="triangle"/>
-          </a:ln>
-        </p:spPr>
-        <p:style>
-          <a:lnRef idx="1">
-            <a:schemeClr val="accent1"/>
-          </a:lnRef>
-          <a:fillRef idx="0">
-            <a:schemeClr val="accent1"/>
-          </a:fillRef>
-          <a:effectRef idx="0">
-            <a:schemeClr val="accent1"/>
-          </a:effectRef>
-          <a:fontRef idx="minor">
-            <a:schemeClr val="tx1"/>
-          </a:fontRef>
-        </p:style>
-      </p:cxnSp>
-      <p:sp>
-        <p:nvSpPr>
-          <p:cNvPr id="53" name="TextBox 52"/>
-          <p:cNvSpPr txBox="1"/>
-          <p:nvPr/>
-        </p:nvSpPr>
-        <p:spPr>
-          <a:xfrm>
-            <a:off x="4936828" y="4990698"/>
-            <a:ext cx="970780" cy="369332"/>
-          </a:xfrm>
-          <a:prstGeom prst="rect">
-            <a:avLst/>
-          </a:prstGeom>
-          <a:noFill/>
-          <a:ln>
-            <a:solidFill>
-              <a:schemeClr val="accent1"/>
-            </a:solidFill>
-          </a:ln>
-        </p:spPr>
-        <p:txBody>
-          <a:bodyPr wrap="none" rtlCol="0">
-            <a:spAutoFit/>
-          </a:bodyPr>
-          <a:lstStyle/>
-          <a:p>
-            <a:pPr algn="ctr"/>
-            <a:r>
-              <a:rPr lang="en-US" smtClean="0"/>
-              <a:t>Refactor</a:t>
-            </a:r>
-            <a:endParaRPr lang="en-US" dirty="0"/>
-          </a:p>
-        </p:txBody>
-      </p:sp>
-      <p:cxnSp>
-        <p:nvCxnSpPr>
-          <p:cNvPr id="54" name="Elbow Connector 53"/>
-          <p:cNvCxnSpPr/>
-          <p:nvPr/>
-        </p:nvCxnSpPr>
-        <p:spPr>
-          <a:xfrm flipV="1">
-            <a:off x="5907608" y="2346148"/>
-            <a:ext cx="57166" cy="2829216"/>
-          </a:xfrm>
-          <a:prstGeom prst="bentConnector3">
-            <a:avLst>
-              <a:gd name="adj1" fmla="val 499888"/>
-            </a:avLst>
-          </a:prstGeom>
-          <a:ln>
-            <a:tailEnd type="triangle"/>
-          </a:ln>
-        </p:spPr>
-        <p:style>
-          <a:lnRef idx="1">
-            <a:schemeClr val="accent1"/>
-          </a:lnRef>
-          <a:fillRef idx="0">
-            <a:schemeClr val="accent1"/>
-          </a:fillRef>
-          <a:effectRef idx="0">
-            <a:schemeClr val="accent1"/>
-          </a:effectRef>
-          <a:fontRef idx="minor">
-            <a:schemeClr val="tx1"/>
-          </a:fontRef>
-        </p:style>
-      </p:cxnSp>
-      <p:cxnSp>
-        <p:nvCxnSpPr>
-          <p:cNvPr id="55" name="Elbow Connector 54"/>
-          <p:cNvCxnSpPr/>
-          <p:nvPr/>
-        </p:nvCxnSpPr>
-        <p:spPr>
-          <a:xfrm rot="10800000" flipH="1">
-            <a:off x="4936827" y="3755434"/>
-            <a:ext cx="81787" cy="1419931"/>
-          </a:xfrm>
-          <a:prstGeom prst="bentConnector3">
-            <a:avLst>
-              <a:gd name="adj1" fmla="val -279507"/>
-            </a:avLst>
-          </a:prstGeom>
-          <a:ln>
-            <a:tailEnd type="triangle"/>
-          </a:ln>
-        </p:spPr>
-        <p:style>
-          <a:lnRef idx="1">
-            <a:schemeClr val="accent1"/>
-          </a:lnRef>
-          <a:fillRef idx="0">
-            <a:schemeClr val="accent1"/>
-          </a:fillRef>
-          <a:effectRef idx="0">
-            <a:schemeClr val="accent1"/>
-          </a:effectRef>
-          <a:fontRef idx="minor">
-            <a:schemeClr val="tx1"/>
-          </a:fontRef>
-        </p:style>
-      </p:cxnSp>
+            <a:r>
+              <a:rPr lang="en-US" dirty="0" smtClean="0"/>
+              <a:t>On index cards create a list of tasks needed to complete the exercise</a:t>
+            </a:r>
+          </a:p>
+          <a:p>
+            <a:r>
+              <a:rPr lang="en-US" dirty="0" smtClean="0"/>
+              <a:t>Tasks to consider:</a:t>
+            </a:r>
+          </a:p>
+          <a:p>
+            <a:pPr lvl="1"/>
+            <a:r>
+              <a:rPr lang="en-US" dirty="0" smtClean="0"/>
+              <a:t>Boundary cases:</a:t>
+            </a:r>
+          </a:p>
+          <a:p>
+            <a:pPr lvl="2"/>
+            <a:r>
+              <a:rPr lang="en-US" dirty="0" smtClean="0"/>
+              <a:t>Null inputs</a:t>
+            </a:r>
+          </a:p>
+          <a:p>
+            <a:pPr lvl="2"/>
+            <a:r>
+              <a:rPr lang="en-US" dirty="0" smtClean="0"/>
+              <a:t>Empty strings</a:t>
+            </a:r>
+          </a:p>
+          <a:p>
+            <a:pPr lvl="2"/>
+            <a:r>
+              <a:rPr lang="en-US" dirty="0" smtClean="0"/>
+              <a:t>Invalid strings</a:t>
+            </a:r>
+          </a:p>
+          <a:p>
+            <a:pPr lvl="2"/>
+            <a:r>
+              <a:rPr lang="en-US" dirty="0" smtClean="0"/>
+              <a:t>Values above or below a certain amount (e.g. is -50 miles per hour valid)</a:t>
+            </a:r>
+          </a:p>
+          <a:p>
+            <a:pPr lvl="1"/>
+            <a:r>
+              <a:rPr lang="en-US" dirty="0" smtClean="0"/>
+              <a:t>Tasks required for completion</a:t>
+            </a:r>
+          </a:p>
+          <a:p>
+            <a:r>
+              <a:rPr lang="en-US" dirty="0" smtClean="0"/>
+              <a:t>Need not be exhaustive yet</a:t>
+            </a:r>
+          </a:p>
+          <a:p>
+            <a:r>
+              <a:rPr lang="en-US" dirty="0" smtClean="0"/>
+              <a:t>Create new tasks as work continues</a:t>
+            </a:r>
+          </a:p>
+        </p:txBody>
+      </p:sp>
     </p:spTree>
     <p:extLst>
       <p:ext uri="{BB962C8B-B14F-4D97-AF65-F5344CB8AC3E}">
-        <p14:creationId xmlns:p14="http://schemas.microsoft.com/office/powerpoint/2010/main" val="1740341565"/>
+        <p14:creationId xmlns:p14="http://schemas.microsoft.com/office/powerpoint/2010/main" val="794357935"/>
       </p:ext>
     </p:extLst>
   </p:cSld>
   <p:clrMapOvr>
     <a:masterClrMapping/>
   </p:clrMapOvr>
+  <p:timing>
+    <p:tnLst>
+      <p:par>
+        <p:cTn id="1" dur="indefinite" restart="never" nodeType="tmRoot"/>
+      </p:par>
+    </p:tnLst>
+  </p:timing>
 </p:sld>
 </file>
 
